--- a/MT_PFC_Memoria técnica Figuras_PFC Gustavo Rodríguez_v1_0.pptx
+++ b/MT_PFC_Memoria técnica Figuras_PFC Gustavo Rodríguez_v1_0.pptx
@@ -11,6 +11,7 @@
     <p:sldId id="259" r:id="rId5"/>
     <p:sldId id="260" r:id="rId6"/>
     <p:sldId id="261" r:id="rId7"/>
+    <p:sldId id="263" r:id="rId8"/>
   </p:sldIdLst>
   <p:sldSz cx="9144000" cy="6858000" type="screen4x3"/>
   <p:notesSz cx="6858000" cy="9144000"/>
@@ -4425,6 +4426,13 @@
         </dgm:presLayoutVars>
       </dgm:prSet>
       <dgm:spPr/>
+      <dgm:t>
+        <a:bodyPr/>
+        <a:lstStyle/>
+        <a:p>
+          <a:endParaRPr lang="es-ES"/>
+        </a:p>
+      </dgm:t>
     </dgm:pt>
     <dgm:pt modelId="{F6E26C3F-29CD-4372-981B-4DD7D48D2018}" type="pres">
       <dgm:prSet presAssocID="{2339370C-007D-4950-B5C9-8FD4E367CF42}" presName="boxAndChildren" presStyleCnt="0"/>
@@ -4433,10 +4441,24 @@
     <dgm:pt modelId="{499EB977-8627-48C1-9515-C12F2AFA7B44}" type="pres">
       <dgm:prSet presAssocID="{2339370C-007D-4950-B5C9-8FD4E367CF42}" presName="parentTextBox" presStyleLbl="node1" presStyleIdx="0" presStyleCnt="4"/>
       <dgm:spPr/>
+      <dgm:t>
+        <a:bodyPr/>
+        <a:lstStyle/>
+        <a:p>
+          <a:endParaRPr lang="es-ES"/>
+        </a:p>
+      </dgm:t>
     </dgm:pt>
     <dgm:pt modelId="{BD780F2B-C837-416D-9849-FF0278AA79F8}" type="pres">
       <dgm:prSet presAssocID="{2339370C-007D-4950-B5C9-8FD4E367CF42}" presName="entireBox" presStyleLbl="node1" presStyleIdx="0" presStyleCnt="4"/>
       <dgm:spPr/>
+      <dgm:t>
+        <a:bodyPr/>
+        <a:lstStyle/>
+        <a:p>
+          <a:endParaRPr lang="es-ES"/>
+        </a:p>
+      </dgm:t>
     </dgm:pt>
     <dgm:pt modelId="{F5ADA83A-C4DC-4524-A196-17A79E5AF8EF}" type="pres">
       <dgm:prSet presAssocID="{2339370C-007D-4950-B5C9-8FD4E367CF42}" presName="descendantBox" presStyleCnt="0"/>
@@ -4449,6 +4471,13 @@
         </dgm:presLayoutVars>
       </dgm:prSet>
       <dgm:spPr/>
+      <dgm:t>
+        <a:bodyPr/>
+        <a:lstStyle/>
+        <a:p>
+          <a:endParaRPr lang="es-ES"/>
+        </a:p>
+      </dgm:t>
     </dgm:pt>
     <dgm:pt modelId="{0F27349C-F3AD-4FC3-9C10-EAF054880413}" type="pres">
       <dgm:prSet presAssocID="{1FCCDBD5-E99C-499D-8A50-534976B69C01}" presName="childTextBox" presStyleLbl="fgAccFollowNode1" presStyleIdx="1" presStyleCnt="11">
@@ -4457,6 +4486,13 @@
         </dgm:presLayoutVars>
       </dgm:prSet>
       <dgm:spPr/>
+      <dgm:t>
+        <a:bodyPr/>
+        <a:lstStyle/>
+        <a:p>
+          <a:endParaRPr lang="es-ES"/>
+        </a:p>
+      </dgm:t>
     </dgm:pt>
     <dgm:pt modelId="{CAF9F05B-8622-4F19-9DB1-7BA426F745A2}" type="pres">
       <dgm:prSet presAssocID="{3DA17F6B-CDC6-4EB1-B30B-72314CF48759}" presName="sp" presStyleCnt="0"/>
@@ -4469,10 +4505,24 @@
     <dgm:pt modelId="{F2F6D475-3980-4254-86E9-D0857715CE66}" type="pres">
       <dgm:prSet presAssocID="{3E86D66D-846C-4EF8-B7CE-B28AB420F804}" presName="parentTextArrow" presStyleLbl="node1" presStyleIdx="0" presStyleCnt="4"/>
       <dgm:spPr/>
+      <dgm:t>
+        <a:bodyPr/>
+        <a:lstStyle/>
+        <a:p>
+          <a:endParaRPr lang="es-ES"/>
+        </a:p>
+      </dgm:t>
     </dgm:pt>
     <dgm:pt modelId="{67EF5CE1-32F8-42B2-B380-DC36F7D0AF8D}" type="pres">
       <dgm:prSet presAssocID="{3E86D66D-846C-4EF8-B7CE-B28AB420F804}" presName="arrow" presStyleLbl="node1" presStyleIdx="1" presStyleCnt="4"/>
       <dgm:spPr/>
+      <dgm:t>
+        <a:bodyPr/>
+        <a:lstStyle/>
+        <a:p>
+          <a:endParaRPr lang="es-ES"/>
+        </a:p>
+      </dgm:t>
     </dgm:pt>
     <dgm:pt modelId="{02545339-58EA-45D3-A7BF-A19352A37CF5}" type="pres">
       <dgm:prSet presAssocID="{3E86D66D-846C-4EF8-B7CE-B28AB420F804}" presName="descendantArrow" presStyleCnt="0"/>
@@ -4485,6 +4535,13 @@
         </dgm:presLayoutVars>
       </dgm:prSet>
       <dgm:spPr/>
+      <dgm:t>
+        <a:bodyPr/>
+        <a:lstStyle/>
+        <a:p>
+          <a:endParaRPr lang="es-ES"/>
+        </a:p>
+      </dgm:t>
     </dgm:pt>
     <dgm:pt modelId="{15572F40-691B-4F85-A276-37DE94D53B7E}" type="pres">
       <dgm:prSet presAssocID="{62FAEC23-B913-4F8A-9364-2686128E08AF}" presName="childTextArrow" presStyleLbl="fgAccFollowNode1" presStyleIdx="3" presStyleCnt="11">
@@ -4493,6 +4550,13 @@
         </dgm:presLayoutVars>
       </dgm:prSet>
       <dgm:spPr/>
+      <dgm:t>
+        <a:bodyPr/>
+        <a:lstStyle/>
+        <a:p>
+          <a:endParaRPr lang="es-ES"/>
+        </a:p>
+      </dgm:t>
     </dgm:pt>
     <dgm:pt modelId="{E06BD468-4C8C-4362-B7DC-51D1197C578D}" type="pres">
       <dgm:prSet presAssocID="{4E94B24F-CC96-49B5-AEBC-0C69E2E4E2E5}" presName="childTextArrow" presStyleLbl="fgAccFollowNode1" presStyleIdx="4" presStyleCnt="11">
@@ -4501,6 +4565,13 @@
         </dgm:presLayoutVars>
       </dgm:prSet>
       <dgm:spPr/>
+      <dgm:t>
+        <a:bodyPr/>
+        <a:lstStyle/>
+        <a:p>
+          <a:endParaRPr lang="es-ES"/>
+        </a:p>
+      </dgm:t>
     </dgm:pt>
     <dgm:pt modelId="{42736E83-3E2B-4BD9-AF8D-0ADDE7FA820D}" type="pres">
       <dgm:prSet presAssocID="{F8624826-A1F9-40C9-AF35-95E9870C7942}" presName="sp" presStyleCnt="0"/>
@@ -4513,10 +4584,24 @@
     <dgm:pt modelId="{0D126B66-0B30-43D6-AACA-CB2E19AB37A6}" type="pres">
       <dgm:prSet presAssocID="{B58322D3-33C4-4FCD-A71D-09E02E4B00F4}" presName="parentTextArrow" presStyleLbl="node1" presStyleIdx="1" presStyleCnt="4"/>
       <dgm:spPr/>
+      <dgm:t>
+        <a:bodyPr/>
+        <a:lstStyle/>
+        <a:p>
+          <a:endParaRPr lang="es-ES"/>
+        </a:p>
+      </dgm:t>
     </dgm:pt>
     <dgm:pt modelId="{EBF8DE10-9058-4548-8CF4-BB2EC8207FF7}" type="pres">
       <dgm:prSet presAssocID="{B58322D3-33C4-4FCD-A71D-09E02E4B00F4}" presName="arrow" presStyleLbl="node1" presStyleIdx="2" presStyleCnt="4"/>
       <dgm:spPr/>
+      <dgm:t>
+        <a:bodyPr/>
+        <a:lstStyle/>
+        <a:p>
+          <a:endParaRPr lang="es-ES"/>
+        </a:p>
+      </dgm:t>
     </dgm:pt>
     <dgm:pt modelId="{C694D364-E24F-4DF7-972C-803C73DC4BD1}" type="pres">
       <dgm:prSet presAssocID="{B58322D3-33C4-4FCD-A71D-09E02E4B00F4}" presName="descendantArrow" presStyleCnt="0"/>
@@ -4529,6 +4614,13 @@
         </dgm:presLayoutVars>
       </dgm:prSet>
       <dgm:spPr/>
+      <dgm:t>
+        <a:bodyPr/>
+        <a:lstStyle/>
+        <a:p>
+          <a:endParaRPr lang="es-ES"/>
+        </a:p>
+      </dgm:t>
     </dgm:pt>
     <dgm:pt modelId="{8364336F-1D7A-4E7E-B322-0B68D23563E7}" type="pres">
       <dgm:prSet presAssocID="{73C79019-F892-4AF4-8F7B-8B8EA63A9B32}" presName="childTextArrow" presStyleLbl="fgAccFollowNode1" presStyleIdx="6" presStyleCnt="11">
@@ -4537,6 +4629,13 @@
         </dgm:presLayoutVars>
       </dgm:prSet>
       <dgm:spPr/>
+      <dgm:t>
+        <a:bodyPr/>
+        <a:lstStyle/>
+        <a:p>
+          <a:endParaRPr lang="es-ES"/>
+        </a:p>
+      </dgm:t>
     </dgm:pt>
     <dgm:pt modelId="{BF60D3D1-0A38-4D6F-AC66-3E306F0CB3B0}" type="pres">
       <dgm:prSet presAssocID="{029A1E03-E714-4F80-A783-511E7A5B4CFE}" presName="childTextArrow" presStyleLbl="fgAccFollowNode1" presStyleIdx="7" presStyleCnt="11">
@@ -4545,6 +4644,13 @@
         </dgm:presLayoutVars>
       </dgm:prSet>
       <dgm:spPr/>
+      <dgm:t>
+        <a:bodyPr/>
+        <a:lstStyle/>
+        <a:p>
+          <a:endParaRPr lang="es-ES"/>
+        </a:p>
+      </dgm:t>
     </dgm:pt>
     <dgm:pt modelId="{27C8DA9E-1C42-44A7-AAD0-F71F242B5EA7}" type="pres">
       <dgm:prSet presAssocID="{053408C6-04B6-4A38-A36D-64CE70920512}" presName="sp" presStyleCnt="0"/>
@@ -4557,10 +4663,24 @@
     <dgm:pt modelId="{BC48FACE-1A40-4F4F-974D-0758D5B4A5D1}" type="pres">
       <dgm:prSet presAssocID="{17213AE0-3885-4BE5-B09F-E00583C05DF9}" presName="parentTextArrow" presStyleLbl="node1" presStyleIdx="2" presStyleCnt="4"/>
       <dgm:spPr/>
+      <dgm:t>
+        <a:bodyPr/>
+        <a:lstStyle/>
+        <a:p>
+          <a:endParaRPr lang="es-ES"/>
+        </a:p>
+      </dgm:t>
     </dgm:pt>
     <dgm:pt modelId="{36523D7A-95AC-4660-B38B-0F3CF1DBA140}" type="pres">
       <dgm:prSet presAssocID="{17213AE0-3885-4BE5-B09F-E00583C05DF9}" presName="arrow" presStyleLbl="node1" presStyleIdx="3" presStyleCnt="4"/>
       <dgm:spPr/>
+      <dgm:t>
+        <a:bodyPr/>
+        <a:lstStyle/>
+        <a:p>
+          <a:endParaRPr lang="es-ES"/>
+        </a:p>
+      </dgm:t>
     </dgm:pt>
     <dgm:pt modelId="{D4623752-DFB5-4708-A5AF-86CC97C2AADC}" type="pres">
       <dgm:prSet presAssocID="{17213AE0-3885-4BE5-B09F-E00583C05DF9}" presName="descendantArrow" presStyleCnt="0"/>
@@ -4573,6 +4693,13 @@
         </dgm:presLayoutVars>
       </dgm:prSet>
       <dgm:spPr/>
+      <dgm:t>
+        <a:bodyPr/>
+        <a:lstStyle/>
+        <a:p>
+          <a:endParaRPr lang="es-ES"/>
+        </a:p>
+      </dgm:t>
     </dgm:pt>
     <dgm:pt modelId="{9312881E-C921-43C5-8361-A6CCCCB957A1}" type="pres">
       <dgm:prSet presAssocID="{50492303-0312-42B0-9E24-EFD94FE0B637}" presName="childTextArrow" presStyleLbl="fgAccFollowNode1" presStyleIdx="9" presStyleCnt="11">
@@ -4581,6 +4708,13 @@
         </dgm:presLayoutVars>
       </dgm:prSet>
       <dgm:spPr/>
+      <dgm:t>
+        <a:bodyPr/>
+        <a:lstStyle/>
+        <a:p>
+          <a:endParaRPr lang="es-ES"/>
+        </a:p>
+      </dgm:t>
     </dgm:pt>
     <dgm:pt modelId="{D13E4CE4-2229-4320-925E-DC841675E947}" type="pres">
       <dgm:prSet presAssocID="{58E04C8C-4186-4C5B-B2FA-85BAF8FADA96}" presName="childTextArrow" presStyleLbl="fgAccFollowNode1" presStyleIdx="10" presStyleCnt="11">
@@ -4589,44 +4723,51 @@
         </dgm:presLayoutVars>
       </dgm:prSet>
       <dgm:spPr/>
+      <dgm:t>
+        <a:bodyPr/>
+        <a:lstStyle/>
+        <a:p>
+          <a:endParaRPr lang="es-ES"/>
+        </a:p>
+      </dgm:t>
     </dgm:pt>
   </dgm:ptLst>
   <dgm:cxnLst>
+    <dgm:cxn modelId="{7A9E976D-C3F5-4A7A-A7DE-B0F30D8FCC48}" type="presOf" srcId="{40BE4715-9ADF-49EB-89EF-FFE0E6D2246E}" destId="{21BE7FC6-3077-415C-AEB3-0957E40F01D5}" srcOrd="0" destOrd="0" presId="urn:microsoft.com/office/officeart/2005/8/layout/process4"/>
+    <dgm:cxn modelId="{A2A718E7-AC10-4813-9DA2-2E509143CDB4}" type="presOf" srcId="{CA440478-5E28-4F27-8A96-E605DBF0FFEF}" destId="{172B9531-7EF7-401E-A401-33C18343228C}" srcOrd="0" destOrd="0" presId="urn:microsoft.com/office/officeart/2005/8/layout/process4"/>
+    <dgm:cxn modelId="{5CB48F76-406E-49F1-A920-3D37F82DBE00}" srcId="{CA440478-5E28-4F27-8A96-E605DBF0FFEF}" destId="{2339370C-007D-4950-B5C9-8FD4E367CF42}" srcOrd="3" destOrd="0" parTransId="{1D98DBE0-B75D-45B4-B0A9-F9335434CA29}" sibTransId="{3E0700A3-E7B4-4564-8257-79A85CFEF955}"/>
+    <dgm:cxn modelId="{523A739C-B629-4F15-A66E-CC75C24CEF98}" srcId="{B58322D3-33C4-4FCD-A71D-09E02E4B00F4}" destId="{73C79019-F892-4AF4-8F7B-8B8EA63A9B32}" srcOrd="1" destOrd="0" parTransId="{1E68A305-679C-4562-A522-796DA195DBAA}" sibTransId="{5516187F-F0E1-46EB-8DCC-486D61163887}"/>
+    <dgm:cxn modelId="{4108CD8E-1B9F-4B9E-AF4A-92D186590FA8}" type="presOf" srcId="{2339370C-007D-4950-B5C9-8FD4E367CF42}" destId="{499EB977-8627-48C1-9515-C12F2AFA7B44}" srcOrd="0" destOrd="0" presId="urn:microsoft.com/office/officeart/2005/8/layout/process4"/>
+    <dgm:cxn modelId="{15421EA3-A3B7-407A-856B-8ED7C3CC4D4C}" type="presOf" srcId="{50492303-0312-42B0-9E24-EFD94FE0B637}" destId="{9312881E-C921-43C5-8361-A6CCCCB957A1}" srcOrd="0" destOrd="0" presId="urn:microsoft.com/office/officeart/2005/8/layout/process4"/>
+    <dgm:cxn modelId="{7E7E1D3E-C223-437D-A6C3-C73D7A08FE38}" srcId="{2339370C-007D-4950-B5C9-8FD4E367CF42}" destId="{6040F26B-3E44-4F24-B2C0-4A353068E995}" srcOrd="0" destOrd="0" parTransId="{3A7A5431-FA6D-4F42-8CD1-57435C9C7903}" sibTransId="{67B58378-814F-4CD8-807D-1971F3EF8F62}"/>
+    <dgm:cxn modelId="{5971419D-E361-490F-968A-DDED8495B0C2}" srcId="{17213AE0-3885-4BE5-B09F-E00583C05DF9}" destId="{58E04C8C-4186-4C5B-B2FA-85BAF8FADA96}" srcOrd="2" destOrd="0" parTransId="{CA1C51B1-8A0E-4636-A385-F593BF10F993}" sibTransId="{9A1540BB-818A-4CE4-918C-E9D925554979}"/>
+    <dgm:cxn modelId="{266D6442-6122-48AA-AAF3-83D395B27C57}" type="presOf" srcId="{17213AE0-3885-4BE5-B09F-E00583C05DF9}" destId="{BC48FACE-1A40-4F4F-974D-0758D5B4A5D1}" srcOrd="0" destOrd="0" presId="urn:microsoft.com/office/officeart/2005/8/layout/process4"/>
+    <dgm:cxn modelId="{72EF0F39-7885-428D-A4D1-E0EFA8C47858}" type="presOf" srcId="{1FCCDBD5-E99C-499D-8A50-534976B69C01}" destId="{0F27349C-F3AD-4FC3-9C10-EAF054880413}" srcOrd="0" destOrd="0" presId="urn:microsoft.com/office/officeart/2005/8/layout/process4"/>
+    <dgm:cxn modelId="{EF63F7DF-554C-4493-B693-0CDD2CA9558B}" srcId="{B58322D3-33C4-4FCD-A71D-09E02E4B00F4}" destId="{40BE4715-9ADF-49EB-89EF-FFE0E6D2246E}" srcOrd="0" destOrd="0" parTransId="{0B82AF33-2A63-4FF9-B347-255CA3EBA9F8}" sibTransId="{965EAB00-02C7-49E1-A905-829E707D1866}"/>
+    <dgm:cxn modelId="{4CEAD338-D305-4018-A06B-B409C09804D2}" srcId="{2339370C-007D-4950-B5C9-8FD4E367CF42}" destId="{1FCCDBD5-E99C-499D-8A50-534976B69C01}" srcOrd="1" destOrd="0" parTransId="{38AC14A3-612A-4DAE-B935-BCE8D3916794}" sibTransId="{DC28E275-90F6-496B-81CA-7308A6ED8B11}"/>
+    <dgm:cxn modelId="{3B189EF6-020C-47A9-94E7-40BF4B30E42E}" type="presOf" srcId="{62FAEC23-B913-4F8A-9364-2686128E08AF}" destId="{15572F40-691B-4F85-A276-37DE94D53B7E}" srcOrd="0" destOrd="0" presId="urn:microsoft.com/office/officeart/2005/8/layout/process4"/>
+    <dgm:cxn modelId="{9C3D69ED-38C5-4E69-9DFC-9A37B8C29F5D}" type="presOf" srcId="{3E86D66D-846C-4EF8-B7CE-B28AB420F804}" destId="{F2F6D475-3980-4254-86E9-D0857715CE66}" srcOrd="0" destOrd="0" presId="urn:microsoft.com/office/officeart/2005/8/layout/process4"/>
+    <dgm:cxn modelId="{9664C5CE-8A08-45B2-ADD9-FD4BAD3E4524}" srcId="{B58322D3-33C4-4FCD-A71D-09E02E4B00F4}" destId="{029A1E03-E714-4F80-A783-511E7A5B4CFE}" srcOrd="2" destOrd="0" parTransId="{F7C864B5-73CF-4D89-AAEA-19217E52887D}" sibTransId="{47F69169-8D4E-4A7A-B17C-25A0FE70C0C4}"/>
+    <dgm:cxn modelId="{C360B1D6-7042-4E66-86E2-8658CA49B2C8}" type="presOf" srcId="{B58322D3-33C4-4FCD-A71D-09E02E4B00F4}" destId="{EBF8DE10-9058-4548-8CF4-BB2EC8207FF7}" srcOrd="1" destOrd="0" presId="urn:microsoft.com/office/officeart/2005/8/layout/process4"/>
+    <dgm:cxn modelId="{68C156FE-84DB-4F28-82DE-A0442F806536}" type="presOf" srcId="{58E04C8C-4186-4C5B-B2FA-85BAF8FADA96}" destId="{D13E4CE4-2229-4320-925E-DC841675E947}" srcOrd="0" destOrd="0" presId="urn:microsoft.com/office/officeart/2005/8/layout/process4"/>
+    <dgm:cxn modelId="{BDD04A33-D32D-4F25-BF91-1C45AC0BA4E3}" type="presOf" srcId="{F560DA76-D84F-4B53-BF1F-D6663407336D}" destId="{A7EFC28C-FD96-48A3-81C4-A8FF6FB4B77C}" srcOrd="0" destOrd="0" presId="urn:microsoft.com/office/officeart/2005/8/layout/process4"/>
+    <dgm:cxn modelId="{37B4E0DD-DEEE-4678-ADD1-BE0289B323F1}" srcId="{CA440478-5E28-4F27-8A96-E605DBF0FFEF}" destId="{B58322D3-33C4-4FCD-A71D-09E02E4B00F4}" srcOrd="1" destOrd="0" parTransId="{327BE3D9-2A96-4084-A518-A569262A4714}" sibTransId="{F8624826-A1F9-40C9-AF35-95E9870C7942}"/>
+    <dgm:cxn modelId="{516F0481-E9F5-4951-99B8-42577E4055A5}" type="presOf" srcId="{52E460C8-AF6B-4AC6-97E5-4D90AC71A6CD}" destId="{54AF739E-199E-423C-8872-9C50260AD7EF}" srcOrd="0" destOrd="0" presId="urn:microsoft.com/office/officeart/2005/8/layout/process4"/>
+    <dgm:cxn modelId="{8B7CBFCA-878B-4FDA-A6B4-3B665F92CE1F}" srcId="{CA440478-5E28-4F27-8A96-E605DBF0FFEF}" destId="{3E86D66D-846C-4EF8-B7CE-B28AB420F804}" srcOrd="2" destOrd="0" parTransId="{F32D0980-A5F0-4ED5-8F98-6E379277B1FD}" sibTransId="{3DA17F6B-CDC6-4EB1-B30B-72314CF48759}"/>
     <dgm:cxn modelId="{D803CA28-FFCE-4616-A3AE-30E85654D9D2}" type="presOf" srcId="{17213AE0-3885-4BE5-B09F-E00583C05DF9}" destId="{36523D7A-95AC-4660-B38B-0F3CF1DBA140}" srcOrd="1" destOrd="0" presId="urn:microsoft.com/office/officeart/2005/8/layout/process4"/>
+    <dgm:cxn modelId="{24748456-D38B-47A4-A8E8-81392E5F880F}" type="presOf" srcId="{2339370C-007D-4950-B5C9-8FD4E367CF42}" destId="{BD780F2B-C837-416D-9849-FF0278AA79F8}" srcOrd="1" destOrd="0" presId="urn:microsoft.com/office/officeart/2005/8/layout/process4"/>
+    <dgm:cxn modelId="{1E32D420-470F-43DC-B40B-B9681A09C50B}" type="presOf" srcId="{3E86D66D-846C-4EF8-B7CE-B28AB420F804}" destId="{67EF5CE1-32F8-42B2-B380-DC36F7D0AF8D}" srcOrd="1" destOrd="0" presId="urn:microsoft.com/office/officeart/2005/8/layout/process4"/>
+    <dgm:cxn modelId="{0E2D2A69-A80E-4ABB-B0B0-38EEDF53E13E}" srcId="{CA440478-5E28-4F27-8A96-E605DBF0FFEF}" destId="{17213AE0-3885-4BE5-B09F-E00583C05DF9}" srcOrd="0" destOrd="0" parTransId="{77C694A8-33D7-4C0D-9FDF-81255D543153}" sibTransId="{053408C6-04B6-4A38-A36D-64CE70920512}"/>
+    <dgm:cxn modelId="{DAF1854C-E668-45CA-9373-53B55AF44F87}" srcId="{3E86D66D-846C-4EF8-B7CE-B28AB420F804}" destId="{62FAEC23-B913-4F8A-9364-2686128E08AF}" srcOrd="1" destOrd="0" parTransId="{D5001454-9382-421B-9F44-B62748E7976A}" sibTransId="{99488F35-AFEB-4AEE-B6BC-85D93BEA41DD}"/>
+    <dgm:cxn modelId="{3B7EBC07-330D-41C5-A8D5-673B7B44F899}" type="presOf" srcId="{73C79019-F892-4AF4-8F7B-8B8EA63A9B32}" destId="{8364336F-1D7A-4E7E-B322-0B68D23563E7}" srcOrd="0" destOrd="0" presId="urn:microsoft.com/office/officeart/2005/8/layout/process4"/>
+    <dgm:cxn modelId="{69E4E4C7-E9DC-4FAF-B19F-DF6CC332CD3A}" srcId="{3E86D66D-846C-4EF8-B7CE-B28AB420F804}" destId="{F560DA76-D84F-4B53-BF1F-D6663407336D}" srcOrd="0" destOrd="0" parTransId="{16B4AC45-8C19-42D8-9C75-B9DD962B5703}" sibTransId="{5CF48BF6-6ED8-4221-89FD-BE30F1C0396D}"/>
     <dgm:cxn modelId="{9AC619FD-9DE9-4A89-A83A-7A7718F0C71E}" type="presOf" srcId="{6040F26B-3E44-4F24-B2C0-4A353068E995}" destId="{07E778CE-DC0D-49FA-A28E-74204B982E43}" srcOrd="0" destOrd="0" presId="urn:microsoft.com/office/officeart/2005/8/layout/process4"/>
+    <dgm:cxn modelId="{CBE295F9-9C44-4B4B-8873-2CAB7095B6BF}" type="presOf" srcId="{4E94B24F-CC96-49B5-AEBC-0C69E2E4E2E5}" destId="{E06BD468-4C8C-4362-B7DC-51D1197C578D}" srcOrd="0" destOrd="0" presId="urn:microsoft.com/office/officeart/2005/8/layout/process4"/>
+    <dgm:cxn modelId="{89A84C06-4DD3-4DC0-8B63-D1CF854A2413}" srcId="{17213AE0-3885-4BE5-B09F-E00583C05DF9}" destId="{52E460C8-AF6B-4AC6-97E5-4D90AC71A6CD}" srcOrd="0" destOrd="0" parTransId="{7E2D706D-7CDF-422F-9E0F-F51CE54F18AF}" sibTransId="{BACEBAE3-B1A4-4DF7-91CE-3B92F041A2D0}"/>
     <dgm:cxn modelId="{8A7C2CF0-6ABA-4470-9692-E5F3FC2B92E5}" type="presOf" srcId="{029A1E03-E714-4F80-A783-511E7A5B4CFE}" destId="{BF60D3D1-0A38-4D6F-AC66-3E306F0CB3B0}" srcOrd="0" destOrd="0" presId="urn:microsoft.com/office/officeart/2005/8/layout/process4"/>
-    <dgm:cxn modelId="{BDD04A33-D32D-4F25-BF91-1C45AC0BA4E3}" type="presOf" srcId="{F560DA76-D84F-4B53-BF1F-D6663407336D}" destId="{A7EFC28C-FD96-48A3-81C4-A8FF6FB4B77C}" srcOrd="0" destOrd="0" presId="urn:microsoft.com/office/officeart/2005/8/layout/process4"/>
-    <dgm:cxn modelId="{9664C5CE-8A08-45B2-ADD9-FD4BAD3E4524}" srcId="{B58322D3-33C4-4FCD-A71D-09E02E4B00F4}" destId="{029A1E03-E714-4F80-A783-511E7A5B4CFE}" srcOrd="2" destOrd="0" parTransId="{F7C864B5-73CF-4D89-AAEA-19217E52887D}" sibTransId="{47F69169-8D4E-4A7A-B17C-25A0FE70C0C4}"/>
-    <dgm:cxn modelId="{69E4E4C7-E9DC-4FAF-B19F-DF6CC332CD3A}" srcId="{3E86D66D-846C-4EF8-B7CE-B28AB420F804}" destId="{F560DA76-D84F-4B53-BF1F-D6663407336D}" srcOrd="0" destOrd="0" parTransId="{16B4AC45-8C19-42D8-9C75-B9DD962B5703}" sibTransId="{5CF48BF6-6ED8-4221-89FD-BE30F1C0396D}"/>
-    <dgm:cxn modelId="{5971419D-E361-490F-968A-DDED8495B0C2}" srcId="{17213AE0-3885-4BE5-B09F-E00583C05DF9}" destId="{58E04C8C-4186-4C5B-B2FA-85BAF8FADA96}" srcOrd="2" destOrd="0" parTransId="{CA1C51B1-8A0E-4636-A385-F593BF10F993}" sibTransId="{9A1540BB-818A-4CE4-918C-E9D925554979}"/>
-    <dgm:cxn modelId="{CBE295F9-9C44-4B4B-8873-2CAB7095B6BF}" type="presOf" srcId="{4E94B24F-CC96-49B5-AEBC-0C69E2E4E2E5}" destId="{E06BD468-4C8C-4362-B7DC-51D1197C578D}" srcOrd="0" destOrd="0" presId="urn:microsoft.com/office/officeart/2005/8/layout/process4"/>
-    <dgm:cxn modelId="{4108CD8E-1B9F-4B9E-AF4A-92D186590FA8}" type="presOf" srcId="{2339370C-007D-4950-B5C9-8FD4E367CF42}" destId="{499EB977-8627-48C1-9515-C12F2AFA7B44}" srcOrd="0" destOrd="0" presId="urn:microsoft.com/office/officeart/2005/8/layout/process4"/>
-    <dgm:cxn modelId="{89A84C06-4DD3-4DC0-8B63-D1CF854A2413}" srcId="{17213AE0-3885-4BE5-B09F-E00583C05DF9}" destId="{52E460C8-AF6B-4AC6-97E5-4D90AC71A6CD}" srcOrd="0" destOrd="0" parTransId="{7E2D706D-7CDF-422F-9E0F-F51CE54F18AF}" sibTransId="{BACEBAE3-B1A4-4DF7-91CE-3B92F041A2D0}"/>
-    <dgm:cxn modelId="{5CB48F76-406E-49F1-A920-3D37F82DBE00}" srcId="{CA440478-5E28-4F27-8A96-E605DBF0FFEF}" destId="{2339370C-007D-4950-B5C9-8FD4E367CF42}" srcOrd="3" destOrd="0" parTransId="{1D98DBE0-B75D-45B4-B0A9-F9335434CA29}" sibTransId="{3E0700A3-E7B4-4564-8257-79A85CFEF955}"/>
-    <dgm:cxn modelId="{1E32D420-470F-43DC-B40B-B9681A09C50B}" type="presOf" srcId="{3E86D66D-846C-4EF8-B7CE-B28AB420F804}" destId="{67EF5CE1-32F8-42B2-B380-DC36F7D0AF8D}" srcOrd="1" destOrd="0" presId="urn:microsoft.com/office/officeart/2005/8/layout/process4"/>
-    <dgm:cxn modelId="{3B189EF6-020C-47A9-94E7-40BF4B30E42E}" type="presOf" srcId="{62FAEC23-B913-4F8A-9364-2686128E08AF}" destId="{15572F40-691B-4F85-A276-37DE94D53B7E}" srcOrd="0" destOrd="0" presId="urn:microsoft.com/office/officeart/2005/8/layout/process4"/>
-    <dgm:cxn modelId="{266D6442-6122-48AA-AAF3-83D395B27C57}" type="presOf" srcId="{17213AE0-3885-4BE5-B09F-E00583C05DF9}" destId="{BC48FACE-1A40-4F4F-974D-0758D5B4A5D1}" srcOrd="0" destOrd="0" presId="urn:microsoft.com/office/officeart/2005/8/layout/process4"/>
-    <dgm:cxn modelId="{15421EA3-A3B7-407A-856B-8ED7C3CC4D4C}" type="presOf" srcId="{50492303-0312-42B0-9E24-EFD94FE0B637}" destId="{9312881E-C921-43C5-8361-A6CCCCB957A1}" srcOrd="0" destOrd="0" presId="urn:microsoft.com/office/officeart/2005/8/layout/process4"/>
-    <dgm:cxn modelId="{8B7CBFCA-878B-4FDA-A6B4-3B665F92CE1F}" srcId="{CA440478-5E28-4F27-8A96-E605DBF0FFEF}" destId="{3E86D66D-846C-4EF8-B7CE-B28AB420F804}" srcOrd="2" destOrd="0" parTransId="{F32D0980-A5F0-4ED5-8F98-6E379277B1FD}" sibTransId="{3DA17F6B-CDC6-4EB1-B30B-72314CF48759}"/>
-    <dgm:cxn modelId="{9C3D69ED-38C5-4E69-9DFC-9A37B8C29F5D}" type="presOf" srcId="{3E86D66D-846C-4EF8-B7CE-B28AB420F804}" destId="{F2F6D475-3980-4254-86E9-D0857715CE66}" srcOrd="0" destOrd="0" presId="urn:microsoft.com/office/officeart/2005/8/layout/process4"/>
-    <dgm:cxn modelId="{24748456-D38B-47A4-A8E8-81392E5F880F}" type="presOf" srcId="{2339370C-007D-4950-B5C9-8FD4E367CF42}" destId="{BD780F2B-C837-416D-9849-FF0278AA79F8}" srcOrd="1" destOrd="0" presId="urn:microsoft.com/office/officeart/2005/8/layout/process4"/>
-    <dgm:cxn modelId="{523A739C-B629-4F15-A66E-CC75C24CEF98}" srcId="{B58322D3-33C4-4FCD-A71D-09E02E4B00F4}" destId="{73C79019-F892-4AF4-8F7B-8B8EA63A9B32}" srcOrd="1" destOrd="0" parTransId="{1E68A305-679C-4562-A522-796DA195DBAA}" sibTransId="{5516187F-F0E1-46EB-8DCC-486D61163887}"/>
-    <dgm:cxn modelId="{37B4E0DD-DEEE-4678-ADD1-BE0289B323F1}" srcId="{CA440478-5E28-4F27-8A96-E605DBF0FFEF}" destId="{B58322D3-33C4-4FCD-A71D-09E02E4B00F4}" srcOrd="1" destOrd="0" parTransId="{327BE3D9-2A96-4084-A518-A569262A4714}" sibTransId="{F8624826-A1F9-40C9-AF35-95E9870C7942}"/>
-    <dgm:cxn modelId="{3B7EBC07-330D-41C5-A8D5-673B7B44F899}" type="presOf" srcId="{73C79019-F892-4AF4-8F7B-8B8EA63A9B32}" destId="{8364336F-1D7A-4E7E-B322-0B68D23563E7}" srcOrd="0" destOrd="0" presId="urn:microsoft.com/office/officeart/2005/8/layout/process4"/>
-    <dgm:cxn modelId="{C360B1D6-7042-4E66-86E2-8658CA49B2C8}" type="presOf" srcId="{B58322D3-33C4-4FCD-A71D-09E02E4B00F4}" destId="{EBF8DE10-9058-4548-8CF4-BB2EC8207FF7}" srcOrd="1" destOrd="0" presId="urn:microsoft.com/office/officeart/2005/8/layout/process4"/>
+    <dgm:cxn modelId="{21B3267E-280D-457E-BBAA-B07F2EA5BE41}" type="presOf" srcId="{B58322D3-33C4-4FCD-A71D-09E02E4B00F4}" destId="{0D126B66-0B30-43D6-AACA-CB2E19AB37A6}" srcOrd="0" destOrd="0" presId="urn:microsoft.com/office/officeart/2005/8/layout/process4"/>
+    <dgm:cxn modelId="{139ADD1D-C01A-45BC-8F1E-AEA4F9DBC2E7}" srcId="{17213AE0-3885-4BE5-B09F-E00583C05DF9}" destId="{50492303-0312-42B0-9E24-EFD94FE0B637}" srcOrd="1" destOrd="0" parTransId="{232EB9EC-BEAF-4878-ADAC-AAA0D5FC6D4C}" sibTransId="{3DFDDFC3-CFF9-42CF-81F1-8243BB39482F}"/>
     <dgm:cxn modelId="{E1A82A05-B064-4BF5-BA80-E7EA25601104}" srcId="{3E86D66D-846C-4EF8-B7CE-B28AB420F804}" destId="{4E94B24F-CC96-49B5-AEBC-0C69E2E4E2E5}" srcOrd="2" destOrd="0" parTransId="{7E82DC03-40B1-4C34-89F1-BC36C9653CE4}" sibTransId="{DA9ED343-A869-4CCF-A2D3-25F0EFCD5715}"/>
-    <dgm:cxn modelId="{7A9E976D-C3F5-4A7A-A7DE-B0F30D8FCC48}" type="presOf" srcId="{40BE4715-9ADF-49EB-89EF-FFE0E6D2246E}" destId="{21BE7FC6-3077-415C-AEB3-0957E40F01D5}" srcOrd="0" destOrd="0" presId="urn:microsoft.com/office/officeart/2005/8/layout/process4"/>
-    <dgm:cxn modelId="{72EF0F39-7885-428D-A4D1-E0EFA8C47858}" type="presOf" srcId="{1FCCDBD5-E99C-499D-8A50-534976B69C01}" destId="{0F27349C-F3AD-4FC3-9C10-EAF054880413}" srcOrd="0" destOrd="0" presId="urn:microsoft.com/office/officeart/2005/8/layout/process4"/>
-    <dgm:cxn modelId="{21B3267E-280D-457E-BBAA-B07F2EA5BE41}" type="presOf" srcId="{B58322D3-33C4-4FCD-A71D-09E02E4B00F4}" destId="{0D126B66-0B30-43D6-AACA-CB2E19AB37A6}" srcOrd="0" destOrd="0" presId="urn:microsoft.com/office/officeart/2005/8/layout/process4"/>
-    <dgm:cxn modelId="{0E2D2A69-A80E-4ABB-B0B0-38EEDF53E13E}" srcId="{CA440478-5E28-4F27-8A96-E605DBF0FFEF}" destId="{17213AE0-3885-4BE5-B09F-E00583C05DF9}" srcOrd="0" destOrd="0" parTransId="{77C694A8-33D7-4C0D-9FDF-81255D543153}" sibTransId="{053408C6-04B6-4A38-A36D-64CE70920512}"/>
-    <dgm:cxn modelId="{516F0481-E9F5-4951-99B8-42577E4055A5}" type="presOf" srcId="{52E460C8-AF6B-4AC6-97E5-4D90AC71A6CD}" destId="{54AF739E-199E-423C-8872-9C50260AD7EF}" srcOrd="0" destOrd="0" presId="urn:microsoft.com/office/officeart/2005/8/layout/process4"/>
-    <dgm:cxn modelId="{139ADD1D-C01A-45BC-8F1E-AEA4F9DBC2E7}" srcId="{17213AE0-3885-4BE5-B09F-E00583C05DF9}" destId="{50492303-0312-42B0-9E24-EFD94FE0B637}" srcOrd="1" destOrd="0" parTransId="{232EB9EC-BEAF-4878-ADAC-AAA0D5FC6D4C}" sibTransId="{3DFDDFC3-CFF9-42CF-81F1-8243BB39482F}"/>
-    <dgm:cxn modelId="{EF63F7DF-554C-4493-B693-0CDD2CA9558B}" srcId="{B58322D3-33C4-4FCD-A71D-09E02E4B00F4}" destId="{40BE4715-9ADF-49EB-89EF-FFE0E6D2246E}" srcOrd="0" destOrd="0" parTransId="{0B82AF33-2A63-4FF9-B347-255CA3EBA9F8}" sibTransId="{965EAB00-02C7-49E1-A905-829E707D1866}"/>
-    <dgm:cxn modelId="{DAF1854C-E668-45CA-9373-53B55AF44F87}" srcId="{3E86D66D-846C-4EF8-B7CE-B28AB420F804}" destId="{62FAEC23-B913-4F8A-9364-2686128E08AF}" srcOrd="1" destOrd="0" parTransId="{D5001454-9382-421B-9F44-B62748E7976A}" sibTransId="{99488F35-AFEB-4AEE-B6BC-85D93BEA41DD}"/>
-    <dgm:cxn modelId="{4CEAD338-D305-4018-A06B-B409C09804D2}" srcId="{2339370C-007D-4950-B5C9-8FD4E367CF42}" destId="{1FCCDBD5-E99C-499D-8A50-534976B69C01}" srcOrd="1" destOrd="0" parTransId="{38AC14A3-612A-4DAE-B935-BCE8D3916794}" sibTransId="{DC28E275-90F6-496B-81CA-7308A6ED8B11}"/>
-    <dgm:cxn modelId="{7E7E1D3E-C223-437D-A6C3-C73D7A08FE38}" srcId="{2339370C-007D-4950-B5C9-8FD4E367CF42}" destId="{6040F26B-3E44-4F24-B2C0-4A353068E995}" srcOrd="0" destOrd="0" parTransId="{3A7A5431-FA6D-4F42-8CD1-57435C9C7903}" sibTransId="{67B58378-814F-4CD8-807D-1971F3EF8F62}"/>
-    <dgm:cxn modelId="{A2A718E7-AC10-4813-9DA2-2E509143CDB4}" type="presOf" srcId="{CA440478-5E28-4F27-8A96-E605DBF0FFEF}" destId="{172B9531-7EF7-401E-A401-33C18343228C}" srcOrd="0" destOrd="0" presId="urn:microsoft.com/office/officeart/2005/8/layout/process4"/>
-    <dgm:cxn modelId="{68C156FE-84DB-4F28-82DE-A0442F806536}" type="presOf" srcId="{58E04C8C-4186-4C5B-B2FA-85BAF8FADA96}" destId="{D13E4CE4-2229-4320-925E-DC841675E947}" srcOrd="0" destOrd="0" presId="urn:microsoft.com/office/officeart/2005/8/layout/process4"/>
     <dgm:cxn modelId="{B820A657-A7BB-4868-B97C-9921BB70766F}" type="presParOf" srcId="{172B9531-7EF7-401E-A401-33C18343228C}" destId="{F6E26C3F-29CD-4372-981B-4DD7D48D2018}" srcOrd="0" destOrd="0" presId="urn:microsoft.com/office/officeart/2005/8/layout/process4"/>
     <dgm:cxn modelId="{3D0A1523-E924-46FF-A2C2-0520ABAFD471}" type="presParOf" srcId="{F6E26C3F-29CD-4372-981B-4DD7D48D2018}" destId="{499EB977-8627-48C1-9515-C12F2AFA7B44}" srcOrd="0" destOrd="0" presId="urn:microsoft.com/office/officeart/2005/8/layout/process4"/>
     <dgm:cxn modelId="{291E2C77-0CD9-4F8B-8A92-467041B06D62}" type="presParOf" srcId="{F6E26C3F-29CD-4372-981B-4DD7D48D2018}" destId="{BD780F2B-C837-416D-9849-FF0278AA79F8}" srcOrd="1" destOrd="0" presId="urn:microsoft.com/office/officeart/2005/8/layout/process4"/>
@@ -5897,594 +6038,6 @@
         </dgm:presLayoutVars>
       </dgm:prSet>
       <dgm:spPr/>
-    </dgm:pt>
-    <dgm:pt modelId="{45908914-D09C-4666-813A-C17D9CA71BCA}" type="pres">
-      <dgm:prSet presAssocID="{FED24788-F206-4E25-A9A7-3B15682F15FF}" presName="hierRoot1" presStyleCnt="0">
-        <dgm:presLayoutVars>
-          <dgm:hierBranch val="init"/>
-        </dgm:presLayoutVars>
-      </dgm:prSet>
-      <dgm:spPr/>
-    </dgm:pt>
-    <dgm:pt modelId="{40724AF3-2DB9-46FF-8BDA-2F1BF1DA50FC}" type="pres">
-      <dgm:prSet presAssocID="{FED24788-F206-4E25-A9A7-3B15682F15FF}" presName="rootComposite1" presStyleCnt="0"/>
-      <dgm:spPr/>
-    </dgm:pt>
-    <dgm:pt modelId="{DCA6370B-AD8C-4DAB-8D69-45C427AA1D26}" type="pres">
-      <dgm:prSet presAssocID="{FED24788-F206-4E25-A9A7-3B15682F15FF}" presName="rootText1" presStyleLbl="node0" presStyleIdx="0" presStyleCnt="1">
-        <dgm:presLayoutVars>
-          <dgm:chPref val="3"/>
-        </dgm:presLayoutVars>
-      </dgm:prSet>
-      <dgm:spPr/>
-    </dgm:pt>
-    <dgm:pt modelId="{51A62907-4AFF-4DCA-8BED-49290058B367}" type="pres">
-      <dgm:prSet presAssocID="{FED24788-F206-4E25-A9A7-3B15682F15FF}" presName="rootConnector1" presStyleLbl="node1" presStyleIdx="0" presStyleCnt="0"/>
-      <dgm:spPr/>
-    </dgm:pt>
-    <dgm:pt modelId="{492902A2-10D7-4178-A680-9E4B0E2BF3B9}" type="pres">
-      <dgm:prSet presAssocID="{FED24788-F206-4E25-A9A7-3B15682F15FF}" presName="hierChild2" presStyleCnt="0"/>
-      <dgm:spPr/>
-    </dgm:pt>
-    <dgm:pt modelId="{199EE760-871F-435C-8201-774C4CF56B7E}" type="pres">
-      <dgm:prSet presAssocID="{DBA6A89C-5E68-44FC-B07A-907F604DC1AE}" presName="Name37" presStyleLbl="parChTrans1D2" presStyleIdx="0" presStyleCnt="3"/>
-      <dgm:spPr/>
-    </dgm:pt>
-    <dgm:pt modelId="{CBC60F5B-EE08-42DD-97E0-554C247A750B}" type="pres">
-      <dgm:prSet presAssocID="{DD56CD02-14C1-4F0B-BEF0-0418EE3E8B08}" presName="hierRoot2" presStyleCnt="0">
-        <dgm:presLayoutVars>
-          <dgm:hierBranch val="init"/>
-        </dgm:presLayoutVars>
-      </dgm:prSet>
-      <dgm:spPr/>
-    </dgm:pt>
-    <dgm:pt modelId="{59BB70B9-B14B-4923-BCE0-64BCC797B8AC}" type="pres">
-      <dgm:prSet presAssocID="{DD56CD02-14C1-4F0B-BEF0-0418EE3E8B08}" presName="rootComposite" presStyleCnt="0"/>
-      <dgm:spPr/>
-    </dgm:pt>
-    <dgm:pt modelId="{B6A45386-D251-4EF2-97FB-6D445F4338D3}" type="pres">
-      <dgm:prSet presAssocID="{DD56CD02-14C1-4F0B-BEF0-0418EE3E8B08}" presName="rootText" presStyleLbl="node2" presStyleIdx="0" presStyleCnt="3">
-        <dgm:presLayoutVars>
-          <dgm:chPref val="3"/>
-        </dgm:presLayoutVars>
-      </dgm:prSet>
-      <dgm:spPr/>
-    </dgm:pt>
-    <dgm:pt modelId="{41E2C036-81C8-4744-A000-FDD2029F1D35}" type="pres">
-      <dgm:prSet presAssocID="{DD56CD02-14C1-4F0B-BEF0-0418EE3E8B08}" presName="rootConnector" presStyleLbl="node2" presStyleIdx="0" presStyleCnt="3"/>
-      <dgm:spPr/>
-    </dgm:pt>
-    <dgm:pt modelId="{075256B8-8559-467C-9F20-803576140785}" type="pres">
-      <dgm:prSet presAssocID="{DD56CD02-14C1-4F0B-BEF0-0418EE3E8B08}" presName="hierChild4" presStyleCnt="0"/>
-      <dgm:spPr/>
-    </dgm:pt>
-    <dgm:pt modelId="{B73FFBCD-8081-4C74-AF9E-CD47C208E908}" type="pres">
-      <dgm:prSet presAssocID="{244B2A20-22C2-478E-B324-75874734436A}" presName="Name37" presStyleLbl="parChTrans1D3" presStyleIdx="0" presStyleCnt="14"/>
-      <dgm:spPr/>
-    </dgm:pt>
-    <dgm:pt modelId="{D70A472D-BFC3-4846-B777-5655B8847E5D}" type="pres">
-      <dgm:prSet presAssocID="{625C6E6B-2C30-4360-9DA4-51878C4214CE}" presName="hierRoot2" presStyleCnt="0">
-        <dgm:presLayoutVars>
-          <dgm:hierBranch val="init"/>
-        </dgm:presLayoutVars>
-      </dgm:prSet>
-      <dgm:spPr/>
-    </dgm:pt>
-    <dgm:pt modelId="{32A349C3-47A5-4B6A-8D5A-FAC528206E1F}" type="pres">
-      <dgm:prSet presAssocID="{625C6E6B-2C30-4360-9DA4-51878C4214CE}" presName="rootComposite" presStyleCnt="0"/>
-      <dgm:spPr/>
-    </dgm:pt>
-    <dgm:pt modelId="{F264EBE2-6CCF-4754-8FD6-A0592E639FE1}" type="pres">
-      <dgm:prSet presAssocID="{625C6E6B-2C30-4360-9DA4-51878C4214CE}" presName="rootText" presStyleLbl="node3" presStyleIdx="0" presStyleCnt="14">
-        <dgm:presLayoutVars>
-          <dgm:chPref val="3"/>
-        </dgm:presLayoutVars>
-      </dgm:prSet>
-      <dgm:spPr/>
-    </dgm:pt>
-    <dgm:pt modelId="{6D7ECE33-0EDC-45B3-9D95-940AB96B1DDE}" type="pres">
-      <dgm:prSet presAssocID="{625C6E6B-2C30-4360-9DA4-51878C4214CE}" presName="rootConnector" presStyleLbl="node3" presStyleIdx="0" presStyleCnt="14"/>
-      <dgm:spPr/>
-    </dgm:pt>
-    <dgm:pt modelId="{2752759D-1C37-4652-821B-B4836476187C}" type="pres">
-      <dgm:prSet presAssocID="{625C6E6B-2C30-4360-9DA4-51878C4214CE}" presName="hierChild4" presStyleCnt="0"/>
-      <dgm:spPr/>
-    </dgm:pt>
-    <dgm:pt modelId="{D8A51D0A-0244-48E8-8AAB-A6C0CA76BBF0}" type="pres">
-      <dgm:prSet presAssocID="{625C6E6B-2C30-4360-9DA4-51878C4214CE}" presName="hierChild5" presStyleCnt="0"/>
-      <dgm:spPr/>
-    </dgm:pt>
-    <dgm:pt modelId="{FDE283D7-A4FD-4F16-8783-4176171A34D8}" type="pres">
-      <dgm:prSet presAssocID="{F80F5B6B-5C08-40D5-AF74-AEA55C3E85B1}" presName="Name37" presStyleLbl="parChTrans1D3" presStyleIdx="1" presStyleCnt="14"/>
-      <dgm:spPr/>
-    </dgm:pt>
-    <dgm:pt modelId="{2A46E2B8-56DF-449F-8292-84DA807AC20E}" type="pres">
-      <dgm:prSet presAssocID="{8755DA2B-BAE2-477D-94B0-61B7AB8A1F11}" presName="hierRoot2" presStyleCnt="0">
-        <dgm:presLayoutVars>
-          <dgm:hierBranch val="init"/>
-        </dgm:presLayoutVars>
-      </dgm:prSet>
-      <dgm:spPr/>
-    </dgm:pt>
-    <dgm:pt modelId="{426DB37E-807F-4A1D-81E0-F01C2297A752}" type="pres">
-      <dgm:prSet presAssocID="{8755DA2B-BAE2-477D-94B0-61B7AB8A1F11}" presName="rootComposite" presStyleCnt="0"/>
-      <dgm:spPr/>
-    </dgm:pt>
-    <dgm:pt modelId="{599FF33E-F248-42A1-A360-9BC71F434576}" type="pres">
-      <dgm:prSet presAssocID="{8755DA2B-BAE2-477D-94B0-61B7AB8A1F11}" presName="rootText" presStyleLbl="node3" presStyleIdx="1" presStyleCnt="14">
-        <dgm:presLayoutVars>
-          <dgm:chPref val="3"/>
-        </dgm:presLayoutVars>
-      </dgm:prSet>
-      <dgm:spPr/>
-    </dgm:pt>
-    <dgm:pt modelId="{250225F2-2377-4165-BC67-193D2F370403}" type="pres">
-      <dgm:prSet presAssocID="{8755DA2B-BAE2-477D-94B0-61B7AB8A1F11}" presName="rootConnector" presStyleLbl="node3" presStyleIdx="1" presStyleCnt="14"/>
-      <dgm:spPr/>
-    </dgm:pt>
-    <dgm:pt modelId="{0705FB10-5F02-43BB-8AED-E6358E829AA8}" type="pres">
-      <dgm:prSet presAssocID="{8755DA2B-BAE2-477D-94B0-61B7AB8A1F11}" presName="hierChild4" presStyleCnt="0"/>
-      <dgm:spPr/>
-    </dgm:pt>
-    <dgm:pt modelId="{C43C7F82-9A0F-444D-8486-BC938FBFEC1F}" type="pres">
-      <dgm:prSet presAssocID="{8755DA2B-BAE2-477D-94B0-61B7AB8A1F11}" presName="hierChild5" presStyleCnt="0"/>
-      <dgm:spPr/>
-    </dgm:pt>
-    <dgm:pt modelId="{D0F9B01D-8DB7-4CFD-BC34-08F2FCCE92C4}" type="pres">
-      <dgm:prSet presAssocID="{A94411C4-2D10-4F36-A536-3D564ECEA5A0}" presName="Name37" presStyleLbl="parChTrans1D3" presStyleIdx="2" presStyleCnt="14"/>
-      <dgm:spPr/>
-    </dgm:pt>
-    <dgm:pt modelId="{E5294890-596B-4625-9406-A4E4CEC852B4}" type="pres">
-      <dgm:prSet presAssocID="{5B6B334E-5A0F-4CEE-9477-C65EB088D17D}" presName="hierRoot2" presStyleCnt="0">
-        <dgm:presLayoutVars>
-          <dgm:hierBranch val="init"/>
-        </dgm:presLayoutVars>
-      </dgm:prSet>
-      <dgm:spPr/>
-    </dgm:pt>
-    <dgm:pt modelId="{EB913C9D-63B0-494C-AC6D-A2D75625133C}" type="pres">
-      <dgm:prSet presAssocID="{5B6B334E-5A0F-4CEE-9477-C65EB088D17D}" presName="rootComposite" presStyleCnt="0"/>
-      <dgm:spPr/>
-    </dgm:pt>
-    <dgm:pt modelId="{0CE5C055-CD2A-4191-BEF6-3B5EA3BE28B8}" type="pres">
-      <dgm:prSet presAssocID="{5B6B334E-5A0F-4CEE-9477-C65EB088D17D}" presName="rootText" presStyleLbl="node3" presStyleIdx="2" presStyleCnt="14">
-        <dgm:presLayoutVars>
-          <dgm:chPref val="3"/>
-        </dgm:presLayoutVars>
-      </dgm:prSet>
-      <dgm:spPr/>
-    </dgm:pt>
-    <dgm:pt modelId="{F75A8307-D3D8-42D2-9429-F61FE22DCD4E}" type="pres">
-      <dgm:prSet presAssocID="{5B6B334E-5A0F-4CEE-9477-C65EB088D17D}" presName="rootConnector" presStyleLbl="node3" presStyleIdx="2" presStyleCnt="14"/>
-      <dgm:spPr/>
-    </dgm:pt>
-    <dgm:pt modelId="{E307EDCE-E55F-448E-BF93-0F3D317BCADB}" type="pres">
-      <dgm:prSet presAssocID="{5B6B334E-5A0F-4CEE-9477-C65EB088D17D}" presName="hierChild4" presStyleCnt="0"/>
-      <dgm:spPr/>
-    </dgm:pt>
-    <dgm:pt modelId="{E1FE82DF-8789-4186-8592-FF0713035F20}" type="pres">
-      <dgm:prSet presAssocID="{5B6B334E-5A0F-4CEE-9477-C65EB088D17D}" presName="hierChild5" presStyleCnt="0"/>
-      <dgm:spPr/>
-    </dgm:pt>
-    <dgm:pt modelId="{B7CF7FED-2C74-4774-A971-80BF6D0896FA}" type="pres">
-      <dgm:prSet presAssocID="{57126A0F-9AF0-4D50-B6B9-E249A61820B5}" presName="Name37" presStyleLbl="parChTrans1D3" presStyleIdx="3" presStyleCnt="14"/>
-      <dgm:spPr/>
-    </dgm:pt>
-    <dgm:pt modelId="{626681E8-F67E-4D45-9EB8-97F26FF7B63E}" type="pres">
-      <dgm:prSet presAssocID="{F36DBA69-2BB0-4FD4-A2B5-13DC4C0E706A}" presName="hierRoot2" presStyleCnt="0">
-        <dgm:presLayoutVars>
-          <dgm:hierBranch val="init"/>
-        </dgm:presLayoutVars>
-      </dgm:prSet>
-      <dgm:spPr/>
-    </dgm:pt>
-    <dgm:pt modelId="{976A6DC4-24F6-4031-B67C-C2B073F7C6B5}" type="pres">
-      <dgm:prSet presAssocID="{F36DBA69-2BB0-4FD4-A2B5-13DC4C0E706A}" presName="rootComposite" presStyleCnt="0"/>
-      <dgm:spPr/>
-    </dgm:pt>
-    <dgm:pt modelId="{E1A81E86-417E-4333-BE48-E0E13A817794}" type="pres">
-      <dgm:prSet presAssocID="{F36DBA69-2BB0-4FD4-A2B5-13DC4C0E706A}" presName="rootText" presStyleLbl="node3" presStyleIdx="3" presStyleCnt="14">
-        <dgm:presLayoutVars>
-          <dgm:chPref val="3"/>
-        </dgm:presLayoutVars>
-      </dgm:prSet>
-      <dgm:spPr/>
-    </dgm:pt>
-    <dgm:pt modelId="{0D23F7B0-A1A2-47AF-B6EA-2A837391F1A5}" type="pres">
-      <dgm:prSet presAssocID="{F36DBA69-2BB0-4FD4-A2B5-13DC4C0E706A}" presName="rootConnector" presStyleLbl="node3" presStyleIdx="3" presStyleCnt="14"/>
-      <dgm:spPr/>
-    </dgm:pt>
-    <dgm:pt modelId="{68F12E1B-3639-4581-B6B4-ABB469C1585D}" type="pres">
-      <dgm:prSet presAssocID="{F36DBA69-2BB0-4FD4-A2B5-13DC4C0E706A}" presName="hierChild4" presStyleCnt="0"/>
-      <dgm:spPr/>
-    </dgm:pt>
-    <dgm:pt modelId="{EF91E204-7C9B-4217-ACE3-EEF4C47DFB58}" type="pres">
-      <dgm:prSet presAssocID="{F36DBA69-2BB0-4FD4-A2B5-13DC4C0E706A}" presName="hierChild5" presStyleCnt="0"/>
-      <dgm:spPr/>
-    </dgm:pt>
-    <dgm:pt modelId="{358482FF-1DFF-46D7-902C-0368EBF32F79}" type="pres">
-      <dgm:prSet presAssocID="{DD56CD02-14C1-4F0B-BEF0-0418EE3E8B08}" presName="hierChild5" presStyleCnt="0"/>
-      <dgm:spPr/>
-    </dgm:pt>
-    <dgm:pt modelId="{561E979C-924D-4443-AEFD-1EA2C1CE6D30}" type="pres">
-      <dgm:prSet presAssocID="{D38FE7B2-8FA9-4C61-916C-B8B5FBAFACD8}" presName="Name37" presStyleLbl="parChTrans1D2" presStyleIdx="1" presStyleCnt="3"/>
-      <dgm:spPr/>
-    </dgm:pt>
-    <dgm:pt modelId="{EAC4373C-62AA-4EB1-80B1-5B8F9BA166D7}" type="pres">
-      <dgm:prSet presAssocID="{C4B7B700-57EE-48FB-BB6A-981EABE8607B}" presName="hierRoot2" presStyleCnt="0">
-        <dgm:presLayoutVars>
-          <dgm:hierBranch val="init"/>
-        </dgm:presLayoutVars>
-      </dgm:prSet>
-      <dgm:spPr/>
-    </dgm:pt>
-    <dgm:pt modelId="{BDB43935-1890-4C32-8FE9-6621D128AAD1}" type="pres">
-      <dgm:prSet presAssocID="{C4B7B700-57EE-48FB-BB6A-981EABE8607B}" presName="rootComposite" presStyleCnt="0"/>
-      <dgm:spPr/>
-    </dgm:pt>
-    <dgm:pt modelId="{231D215F-D0F6-468E-A7A1-57629C76B68D}" type="pres">
-      <dgm:prSet presAssocID="{C4B7B700-57EE-48FB-BB6A-981EABE8607B}" presName="rootText" presStyleLbl="node2" presStyleIdx="1" presStyleCnt="3">
-        <dgm:presLayoutVars>
-          <dgm:chPref val="3"/>
-        </dgm:presLayoutVars>
-      </dgm:prSet>
-      <dgm:spPr/>
-    </dgm:pt>
-    <dgm:pt modelId="{2A2897EE-214B-46F4-B76E-F06D55AF2A67}" type="pres">
-      <dgm:prSet presAssocID="{C4B7B700-57EE-48FB-BB6A-981EABE8607B}" presName="rootConnector" presStyleLbl="node2" presStyleIdx="1" presStyleCnt="3"/>
-      <dgm:spPr/>
-    </dgm:pt>
-    <dgm:pt modelId="{69AF2823-C8E3-4A0E-92D0-ED77E66CBC99}" type="pres">
-      <dgm:prSet presAssocID="{C4B7B700-57EE-48FB-BB6A-981EABE8607B}" presName="hierChild4" presStyleCnt="0"/>
-      <dgm:spPr/>
-    </dgm:pt>
-    <dgm:pt modelId="{DB91ACEB-AC6A-4416-B9CC-502B4C335B21}" type="pres">
-      <dgm:prSet presAssocID="{E3B9225E-BEBB-4138-A88D-E1C92D76CF5D}" presName="Name37" presStyleLbl="parChTrans1D3" presStyleIdx="4" presStyleCnt="14"/>
-      <dgm:spPr/>
-    </dgm:pt>
-    <dgm:pt modelId="{E18BA373-1D7C-4AC5-AFF7-78D7CC7A4302}" type="pres">
-      <dgm:prSet presAssocID="{57194EFA-4E3C-453F-BC37-64686E3C0EAE}" presName="hierRoot2" presStyleCnt="0">
-        <dgm:presLayoutVars>
-          <dgm:hierBranch val="init"/>
-        </dgm:presLayoutVars>
-      </dgm:prSet>
-      <dgm:spPr/>
-    </dgm:pt>
-    <dgm:pt modelId="{3F063EB8-39CC-4DC1-AB0F-15456CB73E34}" type="pres">
-      <dgm:prSet presAssocID="{57194EFA-4E3C-453F-BC37-64686E3C0EAE}" presName="rootComposite" presStyleCnt="0"/>
-      <dgm:spPr/>
-    </dgm:pt>
-    <dgm:pt modelId="{C4D92E4B-9666-4E87-91E8-E08468038D7D}" type="pres">
-      <dgm:prSet presAssocID="{57194EFA-4E3C-453F-BC37-64686E3C0EAE}" presName="rootText" presStyleLbl="node3" presStyleIdx="4" presStyleCnt="14">
-        <dgm:presLayoutVars>
-          <dgm:chPref val="3"/>
-        </dgm:presLayoutVars>
-      </dgm:prSet>
-      <dgm:spPr/>
-    </dgm:pt>
-    <dgm:pt modelId="{F1D5CC31-6898-4523-A679-4BAF40C0CC79}" type="pres">
-      <dgm:prSet presAssocID="{57194EFA-4E3C-453F-BC37-64686E3C0EAE}" presName="rootConnector" presStyleLbl="node3" presStyleIdx="4" presStyleCnt="14"/>
-      <dgm:spPr/>
-    </dgm:pt>
-    <dgm:pt modelId="{1E916C62-A6D5-4C2B-892C-14938FD6F054}" type="pres">
-      <dgm:prSet presAssocID="{57194EFA-4E3C-453F-BC37-64686E3C0EAE}" presName="hierChild4" presStyleCnt="0"/>
-      <dgm:spPr/>
-    </dgm:pt>
-    <dgm:pt modelId="{4C420C5E-A219-4E88-BB61-413333A2DC77}" type="pres">
-      <dgm:prSet presAssocID="{57194EFA-4E3C-453F-BC37-64686E3C0EAE}" presName="hierChild5" presStyleCnt="0"/>
-      <dgm:spPr/>
-    </dgm:pt>
-    <dgm:pt modelId="{054D74B0-93D3-4CEB-AF27-37D014A81A34}" type="pres">
-      <dgm:prSet presAssocID="{BC741DDC-E91C-492B-84B4-09C3AD7AB092}" presName="Name37" presStyleLbl="parChTrans1D3" presStyleIdx="5" presStyleCnt="14"/>
-      <dgm:spPr/>
-    </dgm:pt>
-    <dgm:pt modelId="{65896DCB-F39B-4373-9EFD-069A88BD152A}" type="pres">
-      <dgm:prSet presAssocID="{F28A0CE5-EBB2-4C1B-B488-D5C2551D8C6D}" presName="hierRoot2" presStyleCnt="0">
-        <dgm:presLayoutVars>
-          <dgm:hierBranch val="init"/>
-        </dgm:presLayoutVars>
-      </dgm:prSet>
-      <dgm:spPr/>
-    </dgm:pt>
-    <dgm:pt modelId="{B333190B-B34A-491B-B22A-56C4A54BF20A}" type="pres">
-      <dgm:prSet presAssocID="{F28A0CE5-EBB2-4C1B-B488-D5C2551D8C6D}" presName="rootComposite" presStyleCnt="0"/>
-      <dgm:spPr/>
-    </dgm:pt>
-    <dgm:pt modelId="{1E07E316-26AE-45D8-AE1D-348381BD5780}" type="pres">
-      <dgm:prSet presAssocID="{F28A0CE5-EBB2-4C1B-B488-D5C2551D8C6D}" presName="rootText" presStyleLbl="node3" presStyleIdx="5" presStyleCnt="14">
-        <dgm:presLayoutVars>
-          <dgm:chPref val="3"/>
-        </dgm:presLayoutVars>
-      </dgm:prSet>
-      <dgm:spPr/>
-    </dgm:pt>
-    <dgm:pt modelId="{00B5849C-D214-42FE-AC7A-B42817A2B584}" type="pres">
-      <dgm:prSet presAssocID="{F28A0CE5-EBB2-4C1B-B488-D5C2551D8C6D}" presName="rootConnector" presStyleLbl="node3" presStyleIdx="5" presStyleCnt="14"/>
-      <dgm:spPr/>
-    </dgm:pt>
-    <dgm:pt modelId="{5EE36230-7AD5-4B04-9850-8A09C91033E0}" type="pres">
-      <dgm:prSet presAssocID="{F28A0CE5-EBB2-4C1B-B488-D5C2551D8C6D}" presName="hierChild4" presStyleCnt="0"/>
-      <dgm:spPr/>
-    </dgm:pt>
-    <dgm:pt modelId="{4561F11C-A6B8-4D1C-A4F1-9A06DD4D5159}" type="pres">
-      <dgm:prSet presAssocID="{F28A0CE5-EBB2-4C1B-B488-D5C2551D8C6D}" presName="hierChild5" presStyleCnt="0"/>
-      <dgm:spPr/>
-    </dgm:pt>
-    <dgm:pt modelId="{FD519477-EB05-4F8F-A56D-683158579F59}" type="pres">
-      <dgm:prSet presAssocID="{2090CA91-FAAC-49C5-A8B1-098CF8BF48A7}" presName="Name37" presStyleLbl="parChTrans1D3" presStyleIdx="6" presStyleCnt="14"/>
-      <dgm:spPr/>
-    </dgm:pt>
-    <dgm:pt modelId="{CDF8630F-417D-46BF-B3DB-98D59BB9549E}" type="pres">
-      <dgm:prSet presAssocID="{33243CEE-13A6-4E1A-A700-D6674BFB7406}" presName="hierRoot2" presStyleCnt="0">
-        <dgm:presLayoutVars>
-          <dgm:hierBranch val="init"/>
-        </dgm:presLayoutVars>
-      </dgm:prSet>
-      <dgm:spPr/>
-    </dgm:pt>
-    <dgm:pt modelId="{21444DC5-CAD9-4335-9773-6B2B6184E1F9}" type="pres">
-      <dgm:prSet presAssocID="{33243CEE-13A6-4E1A-A700-D6674BFB7406}" presName="rootComposite" presStyleCnt="0"/>
-      <dgm:spPr/>
-    </dgm:pt>
-    <dgm:pt modelId="{0CD86144-29ED-452A-880B-46584954505D}" type="pres">
-      <dgm:prSet presAssocID="{33243CEE-13A6-4E1A-A700-D6674BFB7406}" presName="rootText" presStyleLbl="node3" presStyleIdx="6" presStyleCnt="14">
-        <dgm:presLayoutVars>
-          <dgm:chPref val="3"/>
-        </dgm:presLayoutVars>
-      </dgm:prSet>
-      <dgm:spPr/>
-    </dgm:pt>
-    <dgm:pt modelId="{9B7FA473-153A-48D9-9F54-9A6960A5DF31}" type="pres">
-      <dgm:prSet presAssocID="{33243CEE-13A6-4E1A-A700-D6674BFB7406}" presName="rootConnector" presStyleLbl="node3" presStyleIdx="6" presStyleCnt="14"/>
-      <dgm:spPr/>
-    </dgm:pt>
-    <dgm:pt modelId="{C32227D7-F31B-484E-8CDF-38AD512A2FD3}" type="pres">
-      <dgm:prSet presAssocID="{33243CEE-13A6-4E1A-A700-D6674BFB7406}" presName="hierChild4" presStyleCnt="0"/>
-      <dgm:spPr/>
-    </dgm:pt>
-    <dgm:pt modelId="{CAD79BEB-9CDE-4350-AD87-8A15FC4523FD}" type="pres">
-      <dgm:prSet presAssocID="{33243CEE-13A6-4E1A-A700-D6674BFB7406}" presName="hierChild5" presStyleCnt="0"/>
-      <dgm:spPr/>
-    </dgm:pt>
-    <dgm:pt modelId="{51EDBCBD-E151-4194-8782-7312A8318FEF}" type="pres">
-      <dgm:prSet presAssocID="{6C82D04E-A7FD-440F-BA9C-6EDC9E598DDB}" presName="Name37" presStyleLbl="parChTrans1D3" presStyleIdx="7" presStyleCnt="14"/>
-      <dgm:spPr/>
-    </dgm:pt>
-    <dgm:pt modelId="{2A67E173-ECF6-4F75-8BBE-BD232F16FFC6}" type="pres">
-      <dgm:prSet presAssocID="{4BCCAF59-35BC-44E8-9351-2B8B56956AD0}" presName="hierRoot2" presStyleCnt="0">
-        <dgm:presLayoutVars>
-          <dgm:hierBranch val="init"/>
-        </dgm:presLayoutVars>
-      </dgm:prSet>
-      <dgm:spPr/>
-    </dgm:pt>
-    <dgm:pt modelId="{B6A49D0D-602D-4EC5-90DA-C74C4534D84F}" type="pres">
-      <dgm:prSet presAssocID="{4BCCAF59-35BC-44E8-9351-2B8B56956AD0}" presName="rootComposite" presStyleCnt="0"/>
-      <dgm:spPr/>
-    </dgm:pt>
-    <dgm:pt modelId="{59028F50-E430-45B7-AF33-4D1380F748D5}" type="pres">
-      <dgm:prSet presAssocID="{4BCCAF59-35BC-44E8-9351-2B8B56956AD0}" presName="rootText" presStyleLbl="node3" presStyleIdx="7" presStyleCnt="14">
-        <dgm:presLayoutVars>
-          <dgm:chPref val="3"/>
-        </dgm:presLayoutVars>
-      </dgm:prSet>
-      <dgm:spPr/>
-    </dgm:pt>
-    <dgm:pt modelId="{1C202FA5-251E-4F90-BA4F-A123B94F53F2}" type="pres">
-      <dgm:prSet presAssocID="{4BCCAF59-35BC-44E8-9351-2B8B56956AD0}" presName="rootConnector" presStyleLbl="node3" presStyleIdx="7" presStyleCnt="14"/>
-      <dgm:spPr/>
-    </dgm:pt>
-    <dgm:pt modelId="{95262781-AA0B-40C5-9446-DA10FC7429DA}" type="pres">
-      <dgm:prSet presAssocID="{4BCCAF59-35BC-44E8-9351-2B8B56956AD0}" presName="hierChild4" presStyleCnt="0"/>
-      <dgm:spPr/>
-    </dgm:pt>
-    <dgm:pt modelId="{8C8755F9-B9C1-4D83-99EE-E90FB8543B05}" type="pres">
-      <dgm:prSet presAssocID="{4BCCAF59-35BC-44E8-9351-2B8B56956AD0}" presName="hierChild5" presStyleCnt="0"/>
-      <dgm:spPr/>
-    </dgm:pt>
-    <dgm:pt modelId="{57819EAC-643B-44B2-92CF-781890EE29AC}" type="pres">
-      <dgm:prSet presAssocID="{9B8CC0C8-4EE2-4CF9-A08E-3ABDBEDFD46B}" presName="Name37" presStyleLbl="parChTrans1D3" presStyleIdx="8" presStyleCnt="14"/>
-      <dgm:spPr/>
-    </dgm:pt>
-    <dgm:pt modelId="{C64E7C06-131D-492C-91C4-24936AB53F95}" type="pres">
-      <dgm:prSet presAssocID="{21C9422E-D7E1-4694-AC9B-DC6EFDF07F56}" presName="hierRoot2" presStyleCnt="0">
-        <dgm:presLayoutVars>
-          <dgm:hierBranch val="init"/>
-        </dgm:presLayoutVars>
-      </dgm:prSet>
-      <dgm:spPr/>
-    </dgm:pt>
-    <dgm:pt modelId="{CAD46074-AB94-4550-8784-C5EBD295B2F0}" type="pres">
-      <dgm:prSet presAssocID="{21C9422E-D7E1-4694-AC9B-DC6EFDF07F56}" presName="rootComposite" presStyleCnt="0"/>
-      <dgm:spPr/>
-    </dgm:pt>
-    <dgm:pt modelId="{1A6D1588-7474-47C3-8512-875D3CBB859D}" type="pres">
-      <dgm:prSet presAssocID="{21C9422E-D7E1-4694-AC9B-DC6EFDF07F56}" presName="rootText" presStyleLbl="node3" presStyleIdx="8" presStyleCnt="14">
-        <dgm:presLayoutVars>
-          <dgm:chPref val="3"/>
-        </dgm:presLayoutVars>
-      </dgm:prSet>
-      <dgm:spPr/>
-    </dgm:pt>
-    <dgm:pt modelId="{7DCAD7E1-B0E9-49CC-A452-90A8DACD8390}" type="pres">
-      <dgm:prSet presAssocID="{21C9422E-D7E1-4694-AC9B-DC6EFDF07F56}" presName="rootConnector" presStyleLbl="node3" presStyleIdx="8" presStyleCnt="14"/>
-      <dgm:spPr/>
-    </dgm:pt>
-    <dgm:pt modelId="{95EC03C9-B910-4067-A5D9-79BCDCFF5582}" type="pres">
-      <dgm:prSet presAssocID="{21C9422E-D7E1-4694-AC9B-DC6EFDF07F56}" presName="hierChild4" presStyleCnt="0"/>
-      <dgm:spPr/>
-    </dgm:pt>
-    <dgm:pt modelId="{03A9A325-866B-4543-8CB6-C640EB9DF1B9}" type="pres">
-      <dgm:prSet presAssocID="{21C9422E-D7E1-4694-AC9B-DC6EFDF07F56}" presName="hierChild5" presStyleCnt="0"/>
-      <dgm:spPr/>
-    </dgm:pt>
-    <dgm:pt modelId="{C3047ED1-D1E8-4A0E-B9CE-BEB9BC4A3FEE}" type="pres">
-      <dgm:prSet presAssocID="{C961276C-D867-4F53-AC98-60ED987CFF5F}" presName="Name37" presStyleLbl="parChTrans1D3" presStyleIdx="9" presStyleCnt="14"/>
-      <dgm:spPr/>
-    </dgm:pt>
-    <dgm:pt modelId="{C4BE0994-626F-4223-821A-5D7BCF80DA32}" type="pres">
-      <dgm:prSet presAssocID="{E3918A5E-E7B4-4D4B-B22F-9DD6FB3538BC}" presName="hierRoot2" presStyleCnt="0">
-        <dgm:presLayoutVars>
-          <dgm:hierBranch val="init"/>
-        </dgm:presLayoutVars>
-      </dgm:prSet>
-      <dgm:spPr/>
-    </dgm:pt>
-    <dgm:pt modelId="{6C90C440-F22C-47A2-867B-D1DF2B815B72}" type="pres">
-      <dgm:prSet presAssocID="{E3918A5E-E7B4-4D4B-B22F-9DD6FB3538BC}" presName="rootComposite" presStyleCnt="0"/>
-      <dgm:spPr/>
-    </dgm:pt>
-    <dgm:pt modelId="{E9E37E01-0636-4437-8F52-6968BC517B6F}" type="pres">
-      <dgm:prSet presAssocID="{E3918A5E-E7B4-4D4B-B22F-9DD6FB3538BC}" presName="rootText" presStyleLbl="node3" presStyleIdx="9" presStyleCnt="14">
-        <dgm:presLayoutVars>
-          <dgm:chPref val="3"/>
-        </dgm:presLayoutVars>
-      </dgm:prSet>
-      <dgm:spPr/>
-    </dgm:pt>
-    <dgm:pt modelId="{C17C89AA-1DF5-4ADB-96B4-A184EBEDD2C7}" type="pres">
-      <dgm:prSet presAssocID="{E3918A5E-E7B4-4D4B-B22F-9DD6FB3538BC}" presName="rootConnector" presStyleLbl="node3" presStyleIdx="9" presStyleCnt="14"/>
-      <dgm:spPr/>
-    </dgm:pt>
-    <dgm:pt modelId="{FE8821CD-AADF-482E-B6AA-16DB0F5167D5}" type="pres">
-      <dgm:prSet presAssocID="{E3918A5E-E7B4-4D4B-B22F-9DD6FB3538BC}" presName="hierChild4" presStyleCnt="0"/>
-      <dgm:spPr/>
-    </dgm:pt>
-    <dgm:pt modelId="{60AB2F53-8EC0-43E4-8AA3-5BDC74EEED11}" type="pres">
-      <dgm:prSet presAssocID="{E3918A5E-E7B4-4D4B-B22F-9DD6FB3538BC}" presName="hierChild5" presStyleCnt="0"/>
-      <dgm:spPr/>
-    </dgm:pt>
-    <dgm:pt modelId="{A1F68E62-C5DF-4BC7-9EF6-A6D598DADF1B}" type="pres">
-      <dgm:prSet presAssocID="{D1F8BDD8-BDA6-4E87-B725-DB28EE6F2833}" presName="Name37" presStyleLbl="parChTrans1D3" presStyleIdx="10" presStyleCnt="14"/>
-      <dgm:spPr/>
-    </dgm:pt>
-    <dgm:pt modelId="{E9A49D71-90E3-4443-B709-AD8F740CE73B}" type="pres">
-      <dgm:prSet presAssocID="{FF813D80-084D-487B-8FBE-26640D284621}" presName="hierRoot2" presStyleCnt="0">
-        <dgm:presLayoutVars>
-          <dgm:hierBranch val="init"/>
-        </dgm:presLayoutVars>
-      </dgm:prSet>
-      <dgm:spPr/>
-    </dgm:pt>
-    <dgm:pt modelId="{CB360894-4AB3-45BF-9617-7026495CCDD9}" type="pres">
-      <dgm:prSet presAssocID="{FF813D80-084D-487B-8FBE-26640D284621}" presName="rootComposite" presStyleCnt="0"/>
-      <dgm:spPr/>
-    </dgm:pt>
-    <dgm:pt modelId="{BFAB1D3C-03BB-4DF6-AECC-887FA65675C7}" type="pres">
-      <dgm:prSet presAssocID="{FF813D80-084D-487B-8FBE-26640D284621}" presName="rootText" presStyleLbl="node3" presStyleIdx="10" presStyleCnt="14">
-        <dgm:presLayoutVars>
-          <dgm:chPref val="3"/>
-        </dgm:presLayoutVars>
-      </dgm:prSet>
-      <dgm:spPr/>
-    </dgm:pt>
-    <dgm:pt modelId="{AA84132F-12F2-4669-B588-CBE0F72A5006}" type="pres">
-      <dgm:prSet presAssocID="{FF813D80-084D-487B-8FBE-26640D284621}" presName="rootConnector" presStyleLbl="node3" presStyleIdx="10" presStyleCnt="14"/>
-      <dgm:spPr/>
-    </dgm:pt>
-    <dgm:pt modelId="{D853D3F2-CFC5-4997-B423-078BC7BC422F}" type="pres">
-      <dgm:prSet presAssocID="{FF813D80-084D-487B-8FBE-26640D284621}" presName="hierChild4" presStyleCnt="0"/>
-      <dgm:spPr/>
-    </dgm:pt>
-    <dgm:pt modelId="{3EF87474-9828-4C2D-A62C-0FB1F9002A2D}" type="pres">
-      <dgm:prSet presAssocID="{FF813D80-084D-487B-8FBE-26640D284621}" presName="hierChild5" presStyleCnt="0"/>
-      <dgm:spPr/>
-    </dgm:pt>
-    <dgm:pt modelId="{99EA3061-0BB9-4133-A6A0-BBED59A1CE6B}" type="pres">
-      <dgm:prSet presAssocID="{D9CD24F0-674B-4D9D-AB2D-43CD63F5C106}" presName="Name37" presStyleLbl="parChTrans1D3" presStyleIdx="11" presStyleCnt="14"/>
-      <dgm:spPr/>
-    </dgm:pt>
-    <dgm:pt modelId="{FBA1F464-B1EC-4974-845E-290BB2187644}" type="pres">
-      <dgm:prSet presAssocID="{67ED2A95-6BD4-47BF-B11B-DBB15D90574F}" presName="hierRoot2" presStyleCnt="0">
-        <dgm:presLayoutVars>
-          <dgm:hierBranch val="init"/>
-        </dgm:presLayoutVars>
-      </dgm:prSet>
-      <dgm:spPr/>
-    </dgm:pt>
-    <dgm:pt modelId="{C19AE7EA-1BE5-4795-9831-2A2DD4786F98}" type="pres">
-      <dgm:prSet presAssocID="{67ED2A95-6BD4-47BF-B11B-DBB15D90574F}" presName="rootComposite" presStyleCnt="0"/>
-      <dgm:spPr/>
-    </dgm:pt>
-    <dgm:pt modelId="{EA075A45-38E9-4771-A436-30C274453CF0}" type="pres">
-      <dgm:prSet presAssocID="{67ED2A95-6BD4-47BF-B11B-DBB15D90574F}" presName="rootText" presStyleLbl="node3" presStyleIdx="11" presStyleCnt="14">
-        <dgm:presLayoutVars>
-          <dgm:chPref val="3"/>
-        </dgm:presLayoutVars>
-      </dgm:prSet>
-      <dgm:spPr/>
-    </dgm:pt>
-    <dgm:pt modelId="{8136856B-AD24-40C0-88C0-BA55B51C16C1}" type="pres">
-      <dgm:prSet presAssocID="{67ED2A95-6BD4-47BF-B11B-DBB15D90574F}" presName="rootConnector" presStyleLbl="node3" presStyleIdx="11" presStyleCnt="14"/>
-      <dgm:spPr/>
-    </dgm:pt>
-    <dgm:pt modelId="{6D528F7C-1223-401A-BE4B-38E402CFA37F}" type="pres">
-      <dgm:prSet presAssocID="{67ED2A95-6BD4-47BF-B11B-DBB15D90574F}" presName="hierChild4" presStyleCnt="0"/>
-      <dgm:spPr/>
-    </dgm:pt>
-    <dgm:pt modelId="{0B32F68E-7C3B-4CC9-B764-2A22CE9798D7}" type="pres">
-      <dgm:prSet presAssocID="{67ED2A95-6BD4-47BF-B11B-DBB15D90574F}" presName="hierChild5" presStyleCnt="0"/>
-      <dgm:spPr/>
-    </dgm:pt>
-    <dgm:pt modelId="{EDDA92B3-ECDB-4741-B493-B79BC7D217C8}" type="pres">
-      <dgm:prSet presAssocID="{C4B7B700-57EE-48FB-BB6A-981EABE8607B}" presName="hierChild5" presStyleCnt="0"/>
-      <dgm:spPr/>
-    </dgm:pt>
-    <dgm:pt modelId="{A42EB118-ADE1-4FDB-8155-54D8ED197F13}" type="pres">
-      <dgm:prSet presAssocID="{643FCEE4-2923-4905-A3DA-8F347B52BF5C}" presName="Name37" presStyleLbl="parChTrans1D2" presStyleIdx="2" presStyleCnt="3"/>
-      <dgm:spPr/>
-    </dgm:pt>
-    <dgm:pt modelId="{98B5BAB5-C382-42BC-AF53-4F6D0AEA2795}" type="pres">
-      <dgm:prSet presAssocID="{F239FD4F-6DF9-4B7F-B28A-43479503E29A}" presName="hierRoot2" presStyleCnt="0">
-        <dgm:presLayoutVars>
-          <dgm:hierBranch val="init"/>
-        </dgm:presLayoutVars>
-      </dgm:prSet>
-      <dgm:spPr/>
-    </dgm:pt>
-    <dgm:pt modelId="{85629C58-D1B2-4755-86C5-EEDC730EC521}" type="pres">
-      <dgm:prSet presAssocID="{F239FD4F-6DF9-4B7F-B28A-43479503E29A}" presName="rootComposite" presStyleCnt="0"/>
-      <dgm:spPr/>
-    </dgm:pt>
-    <dgm:pt modelId="{F2B7B9DF-A3D8-4702-AEDA-495AB5D4B57E}" type="pres">
-      <dgm:prSet presAssocID="{F239FD4F-6DF9-4B7F-B28A-43479503E29A}" presName="rootText" presStyleLbl="node2" presStyleIdx="2" presStyleCnt="3">
-        <dgm:presLayoutVars>
-          <dgm:chPref val="3"/>
-        </dgm:presLayoutVars>
-      </dgm:prSet>
-      <dgm:spPr/>
-    </dgm:pt>
-    <dgm:pt modelId="{DB151854-823F-452D-8715-82D944993300}" type="pres">
-      <dgm:prSet presAssocID="{F239FD4F-6DF9-4B7F-B28A-43479503E29A}" presName="rootConnector" presStyleLbl="node2" presStyleIdx="2" presStyleCnt="3"/>
-      <dgm:spPr/>
-    </dgm:pt>
-    <dgm:pt modelId="{08D06065-C81E-47E7-990C-665AD0DF2DBB}" type="pres">
-      <dgm:prSet presAssocID="{F239FD4F-6DF9-4B7F-B28A-43479503E29A}" presName="hierChild4" presStyleCnt="0"/>
-      <dgm:spPr/>
-    </dgm:pt>
-    <dgm:pt modelId="{956B07D1-C312-43D3-AC49-F9AD7C4146AC}" type="pres">
-      <dgm:prSet presAssocID="{D691A476-8910-495E-A8CB-D4F35C9B2956}" presName="Name37" presStyleLbl="parChTrans1D3" presStyleIdx="12" presStyleCnt="14"/>
-      <dgm:spPr/>
-    </dgm:pt>
-    <dgm:pt modelId="{67733259-43B8-4DBD-AD8C-A5EB6BAB67B2}" type="pres">
-      <dgm:prSet presAssocID="{7DD04C47-10F3-4A28-88E3-D613C13134CF}" presName="hierRoot2" presStyleCnt="0">
-        <dgm:presLayoutVars>
-          <dgm:hierBranch val="init"/>
-        </dgm:presLayoutVars>
-      </dgm:prSet>
-      <dgm:spPr/>
-    </dgm:pt>
-    <dgm:pt modelId="{F2928352-4EE7-4197-8EE1-31088D814C77}" type="pres">
-      <dgm:prSet presAssocID="{7DD04C47-10F3-4A28-88E3-D613C13134CF}" presName="rootComposite" presStyleCnt="0"/>
-      <dgm:spPr/>
-    </dgm:pt>
-    <dgm:pt modelId="{95F2C858-D290-4320-A488-93DC114044EE}" type="pres">
-      <dgm:prSet presAssocID="{7DD04C47-10F3-4A28-88E3-D613C13134CF}" presName="rootText" presStyleLbl="node3" presStyleIdx="12" presStyleCnt="14">
-        <dgm:presLayoutVars>
-          <dgm:chPref val="3"/>
-        </dgm:presLayoutVars>
-      </dgm:prSet>
-      <dgm:spPr/>
       <dgm:t>
         <a:bodyPr/>
         <a:lstStyle/>
@@ -6493,9 +6046,947 @@
         </a:p>
       </dgm:t>
     </dgm:pt>
+    <dgm:pt modelId="{45908914-D09C-4666-813A-C17D9CA71BCA}" type="pres">
+      <dgm:prSet presAssocID="{FED24788-F206-4E25-A9A7-3B15682F15FF}" presName="hierRoot1" presStyleCnt="0">
+        <dgm:presLayoutVars>
+          <dgm:hierBranch val="init"/>
+        </dgm:presLayoutVars>
+      </dgm:prSet>
+      <dgm:spPr/>
+    </dgm:pt>
+    <dgm:pt modelId="{40724AF3-2DB9-46FF-8BDA-2F1BF1DA50FC}" type="pres">
+      <dgm:prSet presAssocID="{FED24788-F206-4E25-A9A7-3B15682F15FF}" presName="rootComposite1" presStyleCnt="0"/>
+      <dgm:spPr/>
+    </dgm:pt>
+    <dgm:pt modelId="{DCA6370B-AD8C-4DAB-8D69-45C427AA1D26}" type="pres">
+      <dgm:prSet presAssocID="{FED24788-F206-4E25-A9A7-3B15682F15FF}" presName="rootText1" presStyleLbl="node0" presStyleIdx="0" presStyleCnt="1">
+        <dgm:presLayoutVars>
+          <dgm:chPref val="3"/>
+        </dgm:presLayoutVars>
+      </dgm:prSet>
+      <dgm:spPr/>
+      <dgm:t>
+        <a:bodyPr/>
+        <a:lstStyle/>
+        <a:p>
+          <a:endParaRPr lang="es-ES"/>
+        </a:p>
+      </dgm:t>
+    </dgm:pt>
+    <dgm:pt modelId="{51A62907-4AFF-4DCA-8BED-49290058B367}" type="pres">
+      <dgm:prSet presAssocID="{FED24788-F206-4E25-A9A7-3B15682F15FF}" presName="rootConnector1" presStyleLbl="node1" presStyleIdx="0" presStyleCnt="0"/>
+      <dgm:spPr/>
+      <dgm:t>
+        <a:bodyPr/>
+        <a:lstStyle/>
+        <a:p>
+          <a:endParaRPr lang="es-ES"/>
+        </a:p>
+      </dgm:t>
+    </dgm:pt>
+    <dgm:pt modelId="{492902A2-10D7-4178-A680-9E4B0E2BF3B9}" type="pres">
+      <dgm:prSet presAssocID="{FED24788-F206-4E25-A9A7-3B15682F15FF}" presName="hierChild2" presStyleCnt="0"/>
+      <dgm:spPr/>
+    </dgm:pt>
+    <dgm:pt modelId="{199EE760-871F-435C-8201-774C4CF56B7E}" type="pres">
+      <dgm:prSet presAssocID="{DBA6A89C-5E68-44FC-B07A-907F604DC1AE}" presName="Name37" presStyleLbl="parChTrans1D2" presStyleIdx="0" presStyleCnt="3"/>
+      <dgm:spPr/>
+      <dgm:t>
+        <a:bodyPr/>
+        <a:lstStyle/>
+        <a:p>
+          <a:endParaRPr lang="es-ES"/>
+        </a:p>
+      </dgm:t>
+    </dgm:pt>
+    <dgm:pt modelId="{CBC60F5B-EE08-42DD-97E0-554C247A750B}" type="pres">
+      <dgm:prSet presAssocID="{DD56CD02-14C1-4F0B-BEF0-0418EE3E8B08}" presName="hierRoot2" presStyleCnt="0">
+        <dgm:presLayoutVars>
+          <dgm:hierBranch val="init"/>
+        </dgm:presLayoutVars>
+      </dgm:prSet>
+      <dgm:spPr/>
+    </dgm:pt>
+    <dgm:pt modelId="{59BB70B9-B14B-4923-BCE0-64BCC797B8AC}" type="pres">
+      <dgm:prSet presAssocID="{DD56CD02-14C1-4F0B-BEF0-0418EE3E8B08}" presName="rootComposite" presStyleCnt="0"/>
+      <dgm:spPr/>
+    </dgm:pt>
+    <dgm:pt modelId="{B6A45386-D251-4EF2-97FB-6D445F4338D3}" type="pres">
+      <dgm:prSet presAssocID="{DD56CD02-14C1-4F0B-BEF0-0418EE3E8B08}" presName="rootText" presStyleLbl="node2" presStyleIdx="0" presStyleCnt="3">
+        <dgm:presLayoutVars>
+          <dgm:chPref val="3"/>
+        </dgm:presLayoutVars>
+      </dgm:prSet>
+      <dgm:spPr/>
+      <dgm:t>
+        <a:bodyPr/>
+        <a:lstStyle/>
+        <a:p>
+          <a:endParaRPr lang="es-ES"/>
+        </a:p>
+      </dgm:t>
+    </dgm:pt>
+    <dgm:pt modelId="{41E2C036-81C8-4744-A000-FDD2029F1D35}" type="pres">
+      <dgm:prSet presAssocID="{DD56CD02-14C1-4F0B-BEF0-0418EE3E8B08}" presName="rootConnector" presStyleLbl="node2" presStyleIdx="0" presStyleCnt="3"/>
+      <dgm:spPr/>
+      <dgm:t>
+        <a:bodyPr/>
+        <a:lstStyle/>
+        <a:p>
+          <a:endParaRPr lang="es-ES"/>
+        </a:p>
+      </dgm:t>
+    </dgm:pt>
+    <dgm:pt modelId="{075256B8-8559-467C-9F20-803576140785}" type="pres">
+      <dgm:prSet presAssocID="{DD56CD02-14C1-4F0B-BEF0-0418EE3E8B08}" presName="hierChild4" presStyleCnt="0"/>
+      <dgm:spPr/>
+    </dgm:pt>
+    <dgm:pt modelId="{B73FFBCD-8081-4C74-AF9E-CD47C208E908}" type="pres">
+      <dgm:prSet presAssocID="{244B2A20-22C2-478E-B324-75874734436A}" presName="Name37" presStyleLbl="parChTrans1D3" presStyleIdx="0" presStyleCnt="14"/>
+      <dgm:spPr/>
+      <dgm:t>
+        <a:bodyPr/>
+        <a:lstStyle/>
+        <a:p>
+          <a:endParaRPr lang="es-ES"/>
+        </a:p>
+      </dgm:t>
+    </dgm:pt>
+    <dgm:pt modelId="{D70A472D-BFC3-4846-B777-5655B8847E5D}" type="pres">
+      <dgm:prSet presAssocID="{625C6E6B-2C30-4360-9DA4-51878C4214CE}" presName="hierRoot2" presStyleCnt="0">
+        <dgm:presLayoutVars>
+          <dgm:hierBranch val="init"/>
+        </dgm:presLayoutVars>
+      </dgm:prSet>
+      <dgm:spPr/>
+    </dgm:pt>
+    <dgm:pt modelId="{32A349C3-47A5-4B6A-8D5A-FAC528206E1F}" type="pres">
+      <dgm:prSet presAssocID="{625C6E6B-2C30-4360-9DA4-51878C4214CE}" presName="rootComposite" presStyleCnt="0"/>
+      <dgm:spPr/>
+    </dgm:pt>
+    <dgm:pt modelId="{F264EBE2-6CCF-4754-8FD6-A0592E639FE1}" type="pres">
+      <dgm:prSet presAssocID="{625C6E6B-2C30-4360-9DA4-51878C4214CE}" presName="rootText" presStyleLbl="node3" presStyleIdx="0" presStyleCnt="14">
+        <dgm:presLayoutVars>
+          <dgm:chPref val="3"/>
+        </dgm:presLayoutVars>
+      </dgm:prSet>
+      <dgm:spPr/>
+      <dgm:t>
+        <a:bodyPr/>
+        <a:lstStyle/>
+        <a:p>
+          <a:endParaRPr lang="es-ES"/>
+        </a:p>
+      </dgm:t>
+    </dgm:pt>
+    <dgm:pt modelId="{6D7ECE33-0EDC-45B3-9D95-940AB96B1DDE}" type="pres">
+      <dgm:prSet presAssocID="{625C6E6B-2C30-4360-9DA4-51878C4214CE}" presName="rootConnector" presStyleLbl="node3" presStyleIdx="0" presStyleCnt="14"/>
+      <dgm:spPr/>
+      <dgm:t>
+        <a:bodyPr/>
+        <a:lstStyle/>
+        <a:p>
+          <a:endParaRPr lang="es-ES"/>
+        </a:p>
+      </dgm:t>
+    </dgm:pt>
+    <dgm:pt modelId="{2752759D-1C37-4652-821B-B4836476187C}" type="pres">
+      <dgm:prSet presAssocID="{625C6E6B-2C30-4360-9DA4-51878C4214CE}" presName="hierChild4" presStyleCnt="0"/>
+      <dgm:spPr/>
+    </dgm:pt>
+    <dgm:pt modelId="{D8A51D0A-0244-48E8-8AAB-A6C0CA76BBF0}" type="pres">
+      <dgm:prSet presAssocID="{625C6E6B-2C30-4360-9DA4-51878C4214CE}" presName="hierChild5" presStyleCnt="0"/>
+      <dgm:spPr/>
+    </dgm:pt>
+    <dgm:pt modelId="{FDE283D7-A4FD-4F16-8783-4176171A34D8}" type="pres">
+      <dgm:prSet presAssocID="{F80F5B6B-5C08-40D5-AF74-AEA55C3E85B1}" presName="Name37" presStyleLbl="parChTrans1D3" presStyleIdx="1" presStyleCnt="14"/>
+      <dgm:spPr/>
+      <dgm:t>
+        <a:bodyPr/>
+        <a:lstStyle/>
+        <a:p>
+          <a:endParaRPr lang="es-ES"/>
+        </a:p>
+      </dgm:t>
+    </dgm:pt>
+    <dgm:pt modelId="{2A46E2B8-56DF-449F-8292-84DA807AC20E}" type="pres">
+      <dgm:prSet presAssocID="{8755DA2B-BAE2-477D-94B0-61B7AB8A1F11}" presName="hierRoot2" presStyleCnt="0">
+        <dgm:presLayoutVars>
+          <dgm:hierBranch val="init"/>
+        </dgm:presLayoutVars>
+      </dgm:prSet>
+      <dgm:spPr/>
+    </dgm:pt>
+    <dgm:pt modelId="{426DB37E-807F-4A1D-81E0-F01C2297A752}" type="pres">
+      <dgm:prSet presAssocID="{8755DA2B-BAE2-477D-94B0-61B7AB8A1F11}" presName="rootComposite" presStyleCnt="0"/>
+      <dgm:spPr/>
+    </dgm:pt>
+    <dgm:pt modelId="{599FF33E-F248-42A1-A360-9BC71F434576}" type="pres">
+      <dgm:prSet presAssocID="{8755DA2B-BAE2-477D-94B0-61B7AB8A1F11}" presName="rootText" presStyleLbl="node3" presStyleIdx="1" presStyleCnt="14">
+        <dgm:presLayoutVars>
+          <dgm:chPref val="3"/>
+        </dgm:presLayoutVars>
+      </dgm:prSet>
+      <dgm:spPr/>
+      <dgm:t>
+        <a:bodyPr/>
+        <a:lstStyle/>
+        <a:p>
+          <a:endParaRPr lang="es-ES"/>
+        </a:p>
+      </dgm:t>
+    </dgm:pt>
+    <dgm:pt modelId="{250225F2-2377-4165-BC67-193D2F370403}" type="pres">
+      <dgm:prSet presAssocID="{8755DA2B-BAE2-477D-94B0-61B7AB8A1F11}" presName="rootConnector" presStyleLbl="node3" presStyleIdx="1" presStyleCnt="14"/>
+      <dgm:spPr/>
+      <dgm:t>
+        <a:bodyPr/>
+        <a:lstStyle/>
+        <a:p>
+          <a:endParaRPr lang="es-ES"/>
+        </a:p>
+      </dgm:t>
+    </dgm:pt>
+    <dgm:pt modelId="{0705FB10-5F02-43BB-8AED-E6358E829AA8}" type="pres">
+      <dgm:prSet presAssocID="{8755DA2B-BAE2-477D-94B0-61B7AB8A1F11}" presName="hierChild4" presStyleCnt="0"/>
+      <dgm:spPr/>
+    </dgm:pt>
+    <dgm:pt modelId="{C43C7F82-9A0F-444D-8486-BC938FBFEC1F}" type="pres">
+      <dgm:prSet presAssocID="{8755DA2B-BAE2-477D-94B0-61B7AB8A1F11}" presName="hierChild5" presStyleCnt="0"/>
+      <dgm:spPr/>
+    </dgm:pt>
+    <dgm:pt modelId="{D0F9B01D-8DB7-4CFD-BC34-08F2FCCE92C4}" type="pres">
+      <dgm:prSet presAssocID="{A94411C4-2D10-4F36-A536-3D564ECEA5A0}" presName="Name37" presStyleLbl="parChTrans1D3" presStyleIdx="2" presStyleCnt="14"/>
+      <dgm:spPr/>
+      <dgm:t>
+        <a:bodyPr/>
+        <a:lstStyle/>
+        <a:p>
+          <a:endParaRPr lang="es-ES"/>
+        </a:p>
+      </dgm:t>
+    </dgm:pt>
+    <dgm:pt modelId="{E5294890-596B-4625-9406-A4E4CEC852B4}" type="pres">
+      <dgm:prSet presAssocID="{5B6B334E-5A0F-4CEE-9477-C65EB088D17D}" presName="hierRoot2" presStyleCnt="0">
+        <dgm:presLayoutVars>
+          <dgm:hierBranch val="init"/>
+        </dgm:presLayoutVars>
+      </dgm:prSet>
+      <dgm:spPr/>
+    </dgm:pt>
+    <dgm:pt modelId="{EB913C9D-63B0-494C-AC6D-A2D75625133C}" type="pres">
+      <dgm:prSet presAssocID="{5B6B334E-5A0F-4CEE-9477-C65EB088D17D}" presName="rootComposite" presStyleCnt="0"/>
+      <dgm:spPr/>
+    </dgm:pt>
+    <dgm:pt modelId="{0CE5C055-CD2A-4191-BEF6-3B5EA3BE28B8}" type="pres">
+      <dgm:prSet presAssocID="{5B6B334E-5A0F-4CEE-9477-C65EB088D17D}" presName="rootText" presStyleLbl="node3" presStyleIdx="2" presStyleCnt="14">
+        <dgm:presLayoutVars>
+          <dgm:chPref val="3"/>
+        </dgm:presLayoutVars>
+      </dgm:prSet>
+      <dgm:spPr/>
+      <dgm:t>
+        <a:bodyPr/>
+        <a:lstStyle/>
+        <a:p>
+          <a:endParaRPr lang="es-ES"/>
+        </a:p>
+      </dgm:t>
+    </dgm:pt>
+    <dgm:pt modelId="{F75A8307-D3D8-42D2-9429-F61FE22DCD4E}" type="pres">
+      <dgm:prSet presAssocID="{5B6B334E-5A0F-4CEE-9477-C65EB088D17D}" presName="rootConnector" presStyleLbl="node3" presStyleIdx="2" presStyleCnt="14"/>
+      <dgm:spPr/>
+      <dgm:t>
+        <a:bodyPr/>
+        <a:lstStyle/>
+        <a:p>
+          <a:endParaRPr lang="es-ES"/>
+        </a:p>
+      </dgm:t>
+    </dgm:pt>
+    <dgm:pt modelId="{E307EDCE-E55F-448E-BF93-0F3D317BCADB}" type="pres">
+      <dgm:prSet presAssocID="{5B6B334E-5A0F-4CEE-9477-C65EB088D17D}" presName="hierChild4" presStyleCnt="0"/>
+      <dgm:spPr/>
+    </dgm:pt>
+    <dgm:pt modelId="{E1FE82DF-8789-4186-8592-FF0713035F20}" type="pres">
+      <dgm:prSet presAssocID="{5B6B334E-5A0F-4CEE-9477-C65EB088D17D}" presName="hierChild5" presStyleCnt="0"/>
+      <dgm:spPr/>
+    </dgm:pt>
+    <dgm:pt modelId="{B7CF7FED-2C74-4774-A971-80BF6D0896FA}" type="pres">
+      <dgm:prSet presAssocID="{57126A0F-9AF0-4D50-B6B9-E249A61820B5}" presName="Name37" presStyleLbl="parChTrans1D3" presStyleIdx="3" presStyleCnt="14"/>
+      <dgm:spPr/>
+      <dgm:t>
+        <a:bodyPr/>
+        <a:lstStyle/>
+        <a:p>
+          <a:endParaRPr lang="es-ES"/>
+        </a:p>
+      </dgm:t>
+    </dgm:pt>
+    <dgm:pt modelId="{626681E8-F67E-4D45-9EB8-97F26FF7B63E}" type="pres">
+      <dgm:prSet presAssocID="{F36DBA69-2BB0-4FD4-A2B5-13DC4C0E706A}" presName="hierRoot2" presStyleCnt="0">
+        <dgm:presLayoutVars>
+          <dgm:hierBranch val="init"/>
+        </dgm:presLayoutVars>
+      </dgm:prSet>
+      <dgm:spPr/>
+    </dgm:pt>
+    <dgm:pt modelId="{976A6DC4-24F6-4031-B67C-C2B073F7C6B5}" type="pres">
+      <dgm:prSet presAssocID="{F36DBA69-2BB0-4FD4-A2B5-13DC4C0E706A}" presName="rootComposite" presStyleCnt="0"/>
+      <dgm:spPr/>
+    </dgm:pt>
+    <dgm:pt modelId="{E1A81E86-417E-4333-BE48-E0E13A817794}" type="pres">
+      <dgm:prSet presAssocID="{F36DBA69-2BB0-4FD4-A2B5-13DC4C0E706A}" presName="rootText" presStyleLbl="node3" presStyleIdx="3" presStyleCnt="14">
+        <dgm:presLayoutVars>
+          <dgm:chPref val="3"/>
+        </dgm:presLayoutVars>
+      </dgm:prSet>
+      <dgm:spPr/>
+      <dgm:t>
+        <a:bodyPr/>
+        <a:lstStyle/>
+        <a:p>
+          <a:endParaRPr lang="es-ES"/>
+        </a:p>
+      </dgm:t>
+    </dgm:pt>
+    <dgm:pt modelId="{0D23F7B0-A1A2-47AF-B6EA-2A837391F1A5}" type="pres">
+      <dgm:prSet presAssocID="{F36DBA69-2BB0-4FD4-A2B5-13DC4C0E706A}" presName="rootConnector" presStyleLbl="node3" presStyleIdx="3" presStyleCnt="14"/>
+      <dgm:spPr/>
+      <dgm:t>
+        <a:bodyPr/>
+        <a:lstStyle/>
+        <a:p>
+          <a:endParaRPr lang="es-ES"/>
+        </a:p>
+      </dgm:t>
+    </dgm:pt>
+    <dgm:pt modelId="{68F12E1B-3639-4581-B6B4-ABB469C1585D}" type="pres">
+      <dgm:prSet presAssocID="{F36DBA69-2BB0-4FD4-A2B5-13DC4C0E706A}" presName="hierChild4" presStyleCnt="0"/>
+      <dgm:spPr/>
+    </dgm:pt>
+    <dgm:pt modelId="{EF91E204-7C9B-4217-ACE3-EEF4C47DFB58}" type="pres">
+      <dgm:prSet presAssocID="{F36DBA69-2BB0-4FD4-A2B5-13DC4C0E706A}" presName="hierChild5" presStyleCnt="0"/>
+      <dgm:spPr/>
+    </dgm:pt>
+    <dgm:pt modelId="{358482FF-1DFF-46D7-902C-0368EBF32F79}" type="pres">
+      <dgm:prSet presAssocID="{DD56CD02-14C1-4F0B-BEF0-0418EE3E8B08}" presName="hierChild5" presStyleCnt="0"/>
+      <dgm:spPr/>
+    </dgm:pt>
+    <dgm:pt modelId="{561E979C-924D-4443-AEFD-1EA2C1CE6D30}" type="pres">
+      <dgm:prSet presAssocID="{D38FE7B2-8FA9-4C61-916C-B8B5FBAFACD8}" presName="Name37" presStyleLbl="parChTrans1D2" presStyleIdx="1" presStyleCnt="3"/>
+      <dgm:spPr/>
+      <dgm:t>
+        <a:bodyPr/>
+        <a:lstStyle/>
+        <a:p>
+          <a:endParaRPr lang="es-ES"/>
+        </a:p>
+      </dgm:t>
+    </dgm:pt>
+    <dgm:pt modelId="{EAC4373C-62AA-4EB1-80B1-5B8F9BA166D7}" type="pres">
+      <dgm:prSet presAssocID="{C4B7B700-57EE-48FB-BB6A-981EABE8607B}" presName="hierRoot2" presStyleCnt="0">
+        <dgm:presLayoutVars>
+          <dgm:hierBranch val="init"/>
+        </dgm:presLayoutVars>
+      </dgm:prSet>
+      <dgm:spPr/>
+    </dgm:pt>
+    <dgm:pt modelId="{BDB43935-1890-4C32-8FE9-6621D128AAD1}" type="pres">
+      <dgm:prSet presAssocID="{C4B7B700-57EE-48FB-BB6A-981EABE8607B}" presName="rootComposite" presStyleCnt="0"/>
+      <dgm:spPr/>
+    </dgm:pt>
+    <dgm:pt modelId="{231D215F-D0F6-468E-A7A1-57629C76B68D}" type="pres">
+      <dgm:prSet presAssocID="{C4B7B700-57EE-48FB-BB6A-981EABE8607B}" presName="rootText" presStyleLbl="node2" presStyleIdx="1" presStyleCnt="3">
+        <dgm:presLayoutVars>
+          <dgm:chPref val="3"/>
+        </dgm:presLayoutVars>
+      </dgm:prSet>
+      <dgm:spPr/>
+      <dgm:t>
+        <a:bodyPr/>
+        <a:lstStyle/>
+        <a:p>
+          <a:endParaRPr lang="es-ES"/>
+        </a:p>
+      </dgm:t>
+    </dgm:pt>
+    <dgm:pt modelId="{2A2897EE-214B-46F4-B76E-F06D55AF2A67}" type="pres">
+      <dgm:prSet presAssocID="{C4B7B700-57EE-48FB-BB6A-981EABE8607B}" presName="rootConnector" presStyleLbl="node2" presStyleIdx="1" presStyleCnt="3"/>
+      <dgm:spPr/>
+      <dgm:t>
+        <a:bodyPr/>
+        <a:lstStyle/>
+        <a:p>
+          <a:endParaRPr lang="es-ES"/>
+        </a:p>
+      </dgm:t>
+    </dgm:pt>
+    <dgm:pt modelId="{69AF2823-C8E3-4A0E-92D0-ED77E66CBC99}" type="pres">
+      <dgm:prSet presAssocID="{C4B7B700-57EE-48FB-BB6A-981EABE8607B}" presName="hierChild4" presStyleCnt="0"/>
+      <dgm:spPr/>
+    </dgm:pt>
+    <dgm:pt modelId="{DB91ACEB-AC6A-4416-B9CC-502B4C335B21}" type="pres">
+      <dgm:prSet presAssocID="{E3B9225E-BEBB-4138-A88D-E1C92D76CF5D}" presName="Name37" presStyleLbl="parChTrans1D3" presStyleIdx="4" presStyleCnt="14"/>
+      <dgm:spPr/>
+      <dgm:t>
+        <a:bodyPr/>
+        <a:lstStyle/>
+        <a:p>
+          <a:endParaRPr lang="es-ES"/>
+        </a:p>
+      </dgm:t>
+    </dgm:pt>
+    <dgm:pt modelId="{E18BA373-1D7C-4AC5-AFF7-78D7CC7A4302}" type="pres">
+      <dgm:prSet presAssocID="{57194EFA-4E3C-453F-BC37-64686E3C0EAE}" presName="hierRoot2" presStyleCnt="0">
+        <dgm:presLayoutVars>
+          <dgm:hierBranch val="init"/>
+        </dgm:presLayoutVars>
+      </dgm:prSet>
+      <dgm:spPr/>
+    </dgm:pt>
+    <dgm:pt modelId="{3F063EB8-39CC-4DC1-AB0F-15456CB73E34}" type="pres">
+      <dgm:prSet presAssocID="{57194EFA-4E3C-453F-BC37-64686E3C0EAE}" presName="rootComposite" presStyleCnt="0"/>
+      <dgm:spPr/>
+    </dgm:pt>
+    <dgm:pt modelId="{C4D92E4B-9666-4E87-91E8-E08468038D7D}" type="pres">
+      <dgm:prSet presAssocID="{57194EFA-4E3C-453F-BC37-64686E3C0EAE}" presName="rootText" presStyleLbl="node3" presStyleIdx="4" presStyleCnt="14">
+        <dgm:presLayoutVars>
+          <dgm:chPref val="3"/>
+        </dgm:presLayoutVars>
+      </dgm:prSet>
+      <dgm:spPr/>
+      <dgm:t>
+        <a:bodyPr/>
+        <a:lstStyle/>
+        <a:p>
+          <a:endParaRPr lang="es-ES"/>
+        </a:p>
+      </dgm:t>
+    </dgm:pt>
+    <dgm:pt modelId="{F1D5CC31-6898-4523-A679-4BAF40C0CC79}" type="pres">
+      <dgm:prSet presAssocID="{57194EFA-4E3C-453F-BC37-64686E3C0EAE}" presName="rootConnector" presStyleLbl="node3" presStyleIdx="4" presStyleCnt="14"/>
+      <dgm:spPr/>
+      <dgm:t>
+        <a:bodyPr/>
+        <a:lstStyle/>
+        <a:p>
+          <a:endParaRPr lang="es-ES"/>
+        </a:p>
+      </dgm:t>
+    </dgm:pt>
+    <dgm:pt modelId="{1E916C62-A6D5-4C2B-892C-14938FD6F054}" type="pres">
+      <dgm:prSet presAssocID="{57194EFA-4E3C-453F-BC37-64686E3C0EAE}" presName="hierChild4" presStyleCnt="0"/>
+      <dgm:spPr/>
+    </dgm:pt>
+    <dgm:pt modelId="{4C420C5E-A219-4E88-BB61-413333A2DC77}" type="pres">
+      <dgm:prSet presAssocID="{57194EFA-4E3C-453F-BC37-64686E3C0EAE}" presName="hierChild5" presStyleCnt="0"/>
+      <dgm:spPr/>
+    </dgm:pt>
+    <dgm:pt modelId="{054D74B0-93D3-4CEB-AF27-37D014A81A34}" type="pres">
+      <dgm:prSet presAssocID="{BC741DDC-E91C-492B-84B4-09C3AD7AB092}" presName="Name37" presStyleLbl="parChTrans1D3" presStyleIdx="5" presStyleCnt="14"/>
+      <dgm:spPr/>
+      <dgm:t>
+        <a:bodyPr/>
+        <a:lstStyle/>
+        <a:p>
+          <a:endParaRPr lang="es-ES"/>
+        </a:p>
+      </dgm:t>
+    </dgm:pt>
+    <dgm:pt modelId="{65896DCB-F39B-4373-9EFD-069A88BD152A}" type="pres">
+      <dgm:prSet presAssocID="{F28A0CE5-EBB2-4C1B-B488-D5C2551D8C6D}" presName="hierRoot2" presStyleCnt="0">
+        <dgm:presLayoutVars>
+          <dgm:hierBranch val="init"/>
+        </dgm:presLayoutVars>
+      </dgm:prSet>
+      <dgm:spPr/>
+    </dgm:pt>
+    <dgm:pt modelId="{B333190B-B34A-491B-B22A-56C4A54BF20A}" type="pres">
+      <dgm:prSet presAssocID="{F28A0CE5-EBB2-4C1B-B488-D5C2551D8C6D}" presName="rootComposite" presStyleCnt="0"/>
+      <dgm:spPr/>
+    </dgm:pt>
+    <dgm:pt modelId="{1E07E316-26AE-45D8-AE1D-348381BD5780}" type="pres">
+      <dgm:prSet presAssocID="{F28A0CE5-EBB2-4C1B-B488-D5C2551D8C6D}" presName="rootText" presStyleLbl="node3" presStyleIdx="5" presStyleCnt="14">
+        <dgm:presLayoutVars>
+          <dgm:chPref val="3"/>
+        </dgm:presLayoutVars>
+      </dgm:prSet>
+      <dgm:spPr/>
+      <dgm:t>
+        <a:bodyPr/>
+        <a:lstStyle/>
+        <a:p>
+          <a:endParaRPr lang="es-ES"/>
+        </a:p>
+      </dgm:t>
+    </dgm:pt>
+    <dgm:pt modelId="{00B5849C-D214-42FE-AC7A-B42817A2B584}" type="pres">
+      <dgm:prSet presAssocID="{F28A0CE5-EBB2-4C1B-B488-D5C2551D8C6D}" presName="rootConnector" presStyleLbl="node3" presStyleIdx="5" presStyleCnt="14"/>
+      <dgm:spPr/>
+      <dgm:t>
+        <a:bodyPr/>
+        <a:lstStyle/>
+        <a:p>
+          <a:endParaRPr lang="es-ES"/>
+        </a:p>
+      </dgm:t>
+    </dgm:pt>
+    <dgm:pt modelId="{5EE36230-7AD5-4B04-9850-8A09C91033E0}" type="pres">
+      <dgm:prSet presAssocID="{F28A0CE5-EBB2-4C1B-B488-D5C2551D8C6D}" presName="hierChild4" presStyleCnt="0"/>
+      <dgm:spPr/>
+    </dgm:pt>
+    <dgm:pt modelId="{4561F11C-A6B8-4D1C-A4F1-9A06DD4D5159}" type="pres">
+      <dgm:prSet presAssocID="{F28A0CE5-EBB2-4C1B-B488-D5C2551D8C6D}" presName="hierChild5" presStyleCnt="0"/>
+      <dgm:spPr/>
+    </dgm:pt>
+    <dgm:pt modelId="{FD519477-EB05-4F8F-A56D-683158579F59}" type="pres">
+      <dgm:prSet presAssocID="{2090CA91-FAAC-49C5-A8B1-098CF8BF48A7}" presName="Name37" presStyleLbl="parChTrans1D3" presStyleIdx="6" presStyleCnt="14"/>
+      <dgm:spPr/>
+      <dgm:t>
+        <a:bodyPr/>
+        <a:lstStyle/>
+        <a:p>
+          <a:endParaRPr lang="es-ES"/>
+        </a:p>
+      </dgm:t>
+    </dgm:pt>
+    <dgm:pt modelId="{CDF8630F-417D-46BF-B3DB-98D59BB9549E}" type="pres">
+      <dgm:prSet presAssocID="{33243CEE-13A6-4E1A-A700-D6674BFB7406}" presName="hierRoot2" presStyleCnt="0">
+        <dgm:presLayoutVars>
+          <dgm:hierBranch val="init"/>
+        </dgm:presLayoutVars>
+      </dgm:prSet>
+      <dgm:spPr/>
+    </dgm:pt>
+    <dgm:pt modelId="{21444DC5-CAD9-4335-9773-6B2B6184E1F9}" type="pres">
+      <dgm:prSet presAssocID="{33243CEE-13A6-4E1A-A700-D6674BFB7406}" presName="rootComposite" presStyleCnt="0"/>
+      <dgm:spPr/>
+    </dgm:pt>
+    <dgm:pt modelId="{0CD86144-29ED-452A-880B-46584954505D}" type="pres">
+      <dgm:prSet presAssocID="{33243CEE-13A6-4E1A-A700-D6674BFB7406}" presName="rootText" presStyleLbl="node3" presStyleIdx="6" presStyleCnt="14">
+        <dgm:presLayoutVars>
+          <dgm:chPref val="3"/>
+        </dgm:presLayoutVars>
+      </dgm:prSet>
+      <dgm:spPr/>
+      <dgm:t>
+        <a:bodyPr/>
+        <a:lstStyle/>
+        <a:p>
+          <a:endParaRPr lang="es-ES"/>
+        </a:p>
+      </dgm:t>
+    </dgm:pt>
+    <dgm:pt modelId="{9B7FA473-153A-48D9-9F54-9A6960A5DF31}" type="pres">
+      <dgm:prSet presAssocID="{33243CEE-13A6-4E1A-A700-D6674BFB7406}" presName="rootConnector" presStyleLbl="node3" presStyleIdx="6" presStyleCnt="14"/>
+      <dgm:spPr/>
+      <dgm:t>
+        <a:bodyPr/>
+        <a:lstStyle/>
+        <a:p>
+          <a:endParaRPr lang="es-ES"/>
+        </a:p>
+      </dgm:t>
+    </dgm:pt>
+    <dgm:pt modelId="{C32227D7-F31B-484E-8CDF-38AD512A2FD3}" type="pres">
+      <dgm:prSet presAssocID="{33243CEE-13A6-4E1A-A700-D6674BFB7406}" presName="hierChild4" presStyleCnt="0"/>
+      <dgm:spPr/>
+    </dgm:pt>
+    <dgm:pt modelId="{CAD79BEB-9CDE-4350-AD87-8A15FC4523FD}" type="pres">
+      <dgm:prSet presAssocID="{33243CEE-13A6-4E1A-A700-D6674BFB7406}" presName="hierChild5" presStyleCnt="0"/>
+      <dgm:spPr/>
+    </dgm:pt>
+    <dgm:pt modelId="{51EDBCBD-E151-4194-8782-7312A8318FEF}" type="pres">
+      <dgm:prSet presAssocID="{6C82D04E-A7FD-440F-BA9C-6EDC9E598DDB}" presName="Name37" presStyleLbl="parChTrans1D3" presStyleIdx="7" presStyleCnt="14"/>
+      <dgm:spPr/>
+      <dgm:t>
+        <a:bodyPr/>
+        <a:lstStyle/>
+        <a:p>
+          <a:endParaRPr lang="es-ES"/>
+        </a:p>
+      </dgm:t>
+    </dgm:pt>
+    <dgm:pt modelId="{2A67E173-ECF6-4F75-8BBE-BD232F16FFC6}" type="pres">
+      <dgm:prSet presAssocID="{4BCCAF59-35BC-44E8-9351-2B8B56956AD0}" presName="hierRoot2" presStyleCnt="0">
+        <dgm:presLayoutVars>
+          <dgm:hierBranch val="init"/>
+        </dgm:presLayoutVars>
+      </dgm:prSet>
+      <dgm:spPr/>
+    </dgm:pt>
+    <dgm:pt modelId="{B6A49D0D-602D-4EC5-90DA-C74C4534D84F}" type="pres">
+      <dgm:prSet presAssocID="{4BCCAF59-35BC-44E8-9351-2B8B56956AD0}" presName="rootComposite" presStyleCnt="0"/>
+      <dgm:spPr/>
+    </dgm:pt>
+    <dgm:pt modelId="{59028F50-E430-45B7-AF33-4D1380F748D5}" type="pres">
+      <dgm:prSet presAssocID="{4BCCAF59-35BC-44E8-9351-2B8B56956AD0}" presName="rootText" presStyleLbl="node3" presStyleIdx="7" presStyleCnt="14">
+        <dgm:presLayoutVars>
+          <dgm:chPref val="3"/>
+        </dgm:presLayoutVars>
+      </dgm:prSet>
+      <dgm:spPr/>
+      <dgm:t>
+        <a:bodyPr/>
+        <a:lstStyle/>
+        <a:p>
+          <a:endParaRPr lang="es-ES"/>
+        </a:p>
+      </dgm:t>
+    </dgm:pt>
+    <dgm:pt modelId="{1C202FA5-251E-4F90-BA4F-A123B94F53F2}" type="pres">
+      <dgm:prSet presAssocID="{4BCCAF59-35BC-44E8-9351-2B8B56956AD0}" presName="rootConnector" presStyleLbl="node3" presStyleIdx="7" presStyleCnt="14"/>
+      <dgm:spPr/>
+      <dgm:t>
+        <a:bodyPr/>
+        <a:lstStyle/>
+        <a:p>
+          <a:endParaRPr lang="es-ES"/>
+        </a:p>
+      </dgm:t>
+    </dgm:pt>
+    <dgm:pt modelId="{95262781-AA0B-40C5-9446-DA10FC7429DA}" type="pres">
+      <dgm:prSet presAssocID="{4BCCAF59-35BC-44E8-9351-2B8B56956AD0}" presName="hierChild4" presStyleCnt="0"/>
+      <dgm:spPr/>
+    </dgm:pt>
+    <dgm:pt modelId="{8C8755F9-B9C1-4D83-99EE-E90FB8543B05}" type="pres">
+      <dgm:prSet presAssocID="{4BCCAF59-35BC-44E8-9351-2B8B56956AD0}" presName="hierChild5" presStyleCnt="0"/>
+      <dgm:spPr/>
+    </dgm:pt>
+    <dgm:pt modelId="{57819EAC-643B-44B2-92CF-781890EE29AC}" type="pres">
+      <dgm:prSet presAssocID="{9B8CC0C8-4EE2-4CF9-A08E-3ABDBEDFD46B}" presName="Name37" presStyleLbl="parChTrans1D3" presStyleIdx="8" presStyleCnt="14"/>
+      <dgm:spPr/>
+      <dgm:t>
+        <a:bodyPr/>
+        <a:lstStyle/>
+        <a:p>
+          <a:endParaRPr lang="es-ES"/>
+        </a:p>
+      </dgm:t>
+    </dgm:pt>
+    <dgm:pt modelId="{C64E7C06-131D-492C-91C4-24936AB53F95}" type="pres">
+      <dgm:prSet presAssocID="{21C9422E-D7E1-4694-AC9B-DC6EFDF07F56}" presName="hierRoot2" presStyleCnt="0">
+        <dgm:presLayoutVars>
+          <dgm:hierBranch val="init"/>
+        </dgm:presLayoutVars>
+      </dgm:prSet>
+      <dgm:spPr/>
+    </dgm:pt>
+    <dgm:pt modelId="{CAD46074-AB94-4550-8784-C5EBD295B2F0}" type="pres">
+      <dgm:prSet presAssocID="{21C9422E-D7E1-4694-AC9B-DC6EFDF07F56}" presName="rootComposite" presStyleCnt="0"/>
+      <dgm:spPr/>
+    </dgm:pt>
+    <dgm:pt modelId="{1A6D1588-7474-47C3-8512-875D3CBB859D}" type="pres">
+      <dgm:prSet presAssocID="{21C9422E-D7E1-4694-AC9B-DC6EFDF07F56}" presName="rootText" presStyleLbl="node3" presStyleIdx="8" presStyleCnt="14">
+        <dgm:presLayoutVars>
+          <dgm:chPref val="3"/>
+        </dgm:presLayoutVars>
+      </dgm:prSet>
+      <dgm:spPr/>
+      <dgm:t>
+        <a:bodyPr/>
+        <a:lstStyle/>
+        <a:p>
+          <a:endParaRPr lang="es-ES"/>
+        </a:p>
+      </dgm:t>
+    </dgm:pt>
+    <dgm:pt modelId="{7DCAD7E1-B0E9-49CC-A452-90A8DACD8390}" type="pres">
+      <dgm:prSet presAssocID="{21C9422E-D7E1-4694-AC9B-DC6EFDF07F56}" presName="rootConnector" presStyleLbl="node3" presStyleIdx="8" presStyleCnt="14"/>
+      <dgm:spPr/>
+      <dgm:t>
+        <a:bodyPr/>
+        <a:lstStyle/>
+        <a:p>
+          <a:endParaRPr lang="es-ES"/>
+        </a:p>
+      </dgm:t>
+    </dgm:pt>
+    <dgm:pt modelId="{95EC03C9-B910-4067-A5D9-79BCDCFF5582}" type="pres">
+      <dgm:prSet presAssocID="{21C9422E-D7E1-4694-AC9B-DC6EFDF07F56}" presName="hierChild4" presStyleCnt="0"/>
+      <dgm:spPr/>
+    </dgm:pt>
+    <dgm:pt modelId="{03A9A325-866B-4543-8CB6-C640EB9DF1B9}" type="pres">
+      <dgm:prSet presAssocID="{21C9422E-D7E1-4694-AC9B-DC6EFDF07F56}" presName="hierChild5" presStyleCnt="0"/>
+      <dgm:spPr/>
+    </dgm:pt>
+    <dgm:pt modelId="{C3047ED1-D1E8-4A0E-B9CE-BEB9BC4A3FEE}" type="pres">
+      <dgm:prSet presAssocID="{C961276C-D867-4F53-AC98-60ED987CFF5F}" presName="Name37" presStyleLbl="parChTrans1D3" presStyleIdx="9" presStyleCnt="14"/>
+      <dgm:spPr/>
+      <dgm:t>
+        <a:bodyPr/>
+        <a:lstStyle/>
+        <a:p>
+          <a:endParaRPr lang="es-ES"/>
+        </a:p>
+      </dgm:t>
+    </dgm:pt>
+    <dgm:pt modelId="{C4BE0994-626F-4223-821A-5D7BCF80DA32}" type="pres">
+      <dgm:prSet presAssocID="{E3918A5E-E7B4-4D4B-B22F-9DD6FB3538BC}" presName="hierRoot2" presStyleCnt="0">
+        <dgm:presLayoutVars>
+          <dgm:hierBranch val="init"/>
+        </dgm:presLayoutVars>
+      </dgm:prSet>
+      <dgm:spPr/>
+    </dgm:pt>
+    <dgm:pt modelId="{6C90C440-F22C-47A2-867B-D1DF2B815B72}" type="pres">
+      <dgm:prSet presAssocID="{E3918A5E-E7B4-4D4B-B22F-9DD6FB3538BC}" presName="rootComposite" presStyleCnt="0"/>
+      <dgm:spPr/>
+    </dgm:pt>
+    <dgm:pt modelId="{E9E37E01-0636-4437-8F52-6968BC517B6F}" type="pres">
+      <dgm:prSet presAssocID="{E3918A5E-E7B4-4D4B-B22F-9DD6FB3538BC}" presName="rootText" presStyleLbl="node3" presStyleIdx="9" presStyleCnt="14">
+        <dgm:presLayoutVars>
+          <dgm:chPref val="3"/>
+        </dgm:presLayoutVars>
+      </dgm:prSet>
+      <dgm:spPr/>
+      <dgm:t>
+        <a:bodyPr/>
+        <a:lstStyle/>
+        <a:p>
+          <a:endParaRPr lang="es-ES"/>
+        </a:p>
+      </dgm:t>
+    </dgm:pt>
+    <dgm:pt modelId="{C17C89AA-1DF5-4ADB-96B4-A184EBEDD2C7}" type="pres">
+      <dgm:prSet presAssocID="{E3918A5E-E7B4-4D4B-B22F-9DD6FB3538BC}" presName="rootConnector" presStyleLbl="node3" presStyleIdx="9" presStyleCnt="14"/>
+      <dgm:spPr/>
+      <dgm:t>
+        <a:bodyPr/>
+        <a:lstStyle/>
+        <a:p>
+          <a:endParaRPr lang="es-ES"/>
+        </a:p>
+      </dgm:t>
+    </dgm:pt>
+    <dgm:pt modelId="{FE8821CD-AADF-482E-B6AA-16DB0F5167D5}" type="pres">
+      <dgm:prSet presAssocID="{E3918A5E-E7B4-4D4B-B22F-9DD6FB3538BC}" presName="hierChild4" presStyleCnt="0"/>
+      <dgm:spPr/>
+    </dgm:pt>
+    <dgm:pt modelId="{60AB2F53-8EC0-43E4-8AA3-5BDC74EEED11}" type="pres">
+      <dgm:prSet presAssocID="{E3918A5E-E7B4-4D4B-B22F-9DD6FB3538BC}" presName="hierChild5" presStyleCnt="0"/>
+      <dgm:spPr/>
+    </dgm:pt>
+    <dgm:pt modelId="{A1F68E62-C5DF-4BC7-9EF6-A6D598DADF1B}" type="pres">
+      <dgm:prSet presAssocID="{D1F8BDD8-BDA6-4E87-B725-DB28EE6F2833}" presName="Name37" presStyleLbl="parChTrans1D3" presStyleIdx="10" presStyleCnt="14"/>
+      <dgm:spPr/>
+      <dgm:t>
+        <a:bodyPr/>
+        <a:lstStyle/>
+        <a:p>
+          <a:endParaRPr lang="es-ES"/>
+        </a:p>
+      </dgm:t>
+    </dgm:pt>
+    <dgm:pt modelId="{E9A49D71-90E3-4443-B709-AD8F740CE73B}" type="pres">
+      <dgm:prSet presAssocID="{FF813D80-084D-487B-8FBE-26640D284621}" presName="hierRoot2" presStyleCnt="0">
+        <dgm:presLayoutVars>
+          <dgm:hierBranch val="init"/>
+        </dgm:presLayoutVars>
+      </dgm:prSet>
+      <dgm:spPr/>
+    </dgm:pt>
+    <dgm:pt modelId="{CB360894-4AB3-45BF-9617-7026495CCDD9}" type="pres">
+      <dgm:prSet presAssocID="{FF813D80-084D-487B-8FBE-26640D284621}" presName="rootComposite" presStyleCnt="0"/>
+      <dgm:spPr/>
+    </dgm:pt>
+    <dgm:pt modelId="{BFAB1D3C-03BB-4DF6-AECC-887FA65675C7}" type="pres">
+      <dgm:prSet presAssocID="{FF813D80-084D-487B-8FBE-26640D284621}" presName="rootText" presStyleLbl="node3" presStyleIdx="10" presStyleCnt="14">
+        <dgm:presLayoutVars>
+          <dgm:chPref val="3"/>
+        </dgm:presLayoutVars>
+      </dgm:prSet>
+      <dgm:spPr/>
+      <dgm:t>
+        <a:bodyPr/>
+        <a:lstStyle/>
+        <a:p>
+          <a:endParaRPr lang="es-ES"/>
+        </a:p>
+      </dgm:t>
+    </dgm:pt>
+    <dgm:pt modelId="{AA84132F-12F2-4669-B588-CBE0F72A5006}" type="pres">
+      <dgm:prSet presAssocID="{FF813D80-084D-487B-8FBE-26640D284621}" presName="rootConnector" presStyleLbl="node3" presStyleIdx="10" presStyleCnt="14"/>
+      <dgm:spPr/>
+      <dgm:t>
+        <a:bodyPr/>
+        <a:lstStyle/>
+        <a:p>
+          <a:endParaRPr lang="es-ES"/>
+        </a:p>
+      </dgm:t>
+    </dgm:pt>
+    <dgm:pt modelId="{D853D3F2-CFC5-4997-B423-078BC7BC422F}" type="pres">
+      <dgm:prSet presAssocID="{FF813D80-084D-487B-8FBE-26640D284621}" presName="hierChild4" presStyleCnt="0"/>
+      <dgm:spPr/>
+    </dgm:pt>
+    <dgm:pt modelId="{3EF87474-9828-4C2D-A62C-0FB1F9002A2D}" type="pres">
+      <dgm:prSet presAssocID="{FF813D80-084D-487B-8FBE-26640D284621}" presName="hierChild5" presStyleCnt="0"/>
+      <dgm:spPr/>
+    </dgm:pt>
+    <dgm:pt modelId="{99EA3061-0BB9-4133-A6A0-BBED59A1CE6B}" type="pres">
+      <dgm:prSet presAssocID="{D9CD24F0-674B-4D9D-AB2D-43CD63F5C106}" presName="Name37" presStyleLbl="parChTrans1D3" presStyleIdx="11" presStyleCnt="14"/>
+      <dgm:spPr/>
+      <dgm:t>
+        <a:bodyPr/>
+        <a:lstStyle/>
+        <a:p>
+          <a:endParaRPr lang="es-ES"/>
+        </a:p>
+      </dgm:t>
+    </dgm:pt>
+    <dgm:pt modelId="{FBA1F464-B1EC-4974-845E-290BB2187644}" type="pres">
+      <dgm:prSet presAssocID="{67ED2A95-6BD4-47BF-B11B-DBB15D90574F}" presName="hierRoot2" presStyleCnt="0">
+        <dgm:presLayoutVars>
+          <dgm:hierBranch val="init"/>
+        </dgm:presLayoutVars>
+      </dgm:prSet>
+      <dgm:spPr/>
+    </dgm:pt>
+    <dgm:pt modelId="{C19AE7EA-1BE5-4795-9831-2A2DD4786F98}" type="pres">
+      <dgm:prSet presAssocID="{67ED2A95-6BD4-47BF-B11B-DBB15D90574F}" presName="rootComposite" presStyleCnt="0"/>
+      <dgm:spPr/>
+    </dgm:pt>
+    <dgm:pt modelId="{EA075A45-38E9-4771-A436-30C274453CF0}" type="pres">
+      <dgm:prSet presAssocID="{67ED2A95-6BD4-47BF-B11B-DBB15D90574F}" presName="rootText" presStyleLbl="node3" presStyleIdx="11" presStyleCnt="14">
+        <dgm:presLayoutVars>
+          <dgm:chPref val="3"/>
+        </dgm:presLayoutVars>
+      </dgm:prSet>
+      <dgm:spPr/>
+      <dgm:t>
+        <a:bodyPr/>
+        <a:lstStyle/>
+        <a:p>
+          <a:endParaRPr lang="es-ES"/>
+        </a:p>
+      </dgm:t>
+    </dgm:pt>
+    <dgm:pt modelId="{8136856B-AD24-40C0-88C0-BA55B51C16C1}" type="pres">
+      <dgm:prSet presAssocID="{67ED2A95-6BD4-47BF-B11B-DBB15D90574F}" presName="rootConnector" presStyleLbl="node3" presStyleIdx="11" presStyleCnt="14"/>
+      <dgm:spPr/>
+      <dgm:t>
+        <a:bodyPr/>
+        <a:lstStyle/>
+        <a:p>
+          <a:endParaRPr lang="es-ES"/>
+        </a:p>
+      </dgm:t>
+    </dgm:pt>
+    <dgm:pt modelId="{6D528F7C-1223-401A-BE4B-38E402CFA37F}" type="pres">
+      <dgm:prSet presAssocID="{67ED2A95-6BD4-47BF-B11B-DBB15D90574F}" presName="hierChild4" presStyleCnt="0"/>
+      <dgm:spPr/>
+    </dgm:pt>
+    <dgm:pt modelId="{0B32F68E-7C3B-4CC9-B764-2A22CE9798D7}" type="pres">
+      <dgm:prSet presAssocID="{67ED2A95-6BD4-47BF-B11B-DBB15D90574F}" presName="hierChild5" presStyleCnt="0"/>
+      <dgm:spPr/>
+    </dgm:pt>
+    <dgm:pt modelId="{EDDA92B3-ECDB-4741-B493-B79BC7D217C8}" type="pres">
+      <dgm:prSet presAssocID="{C4B7B700-57EE-48FB-BB6A-981EABE8607B}" presName="hierChild5" presStyleCnt="0"/>
+      <dgm:spPr/>
+    </dgm:pt>
+    <dgm:pt modelId="{A42EB118-ADE1-4FDB-8155-54D8ED197F13}" type="pres">
+      <dgm:prSet presAssocID="{643FCEE4-2923-4905-A3DA-8F347B52BF5C}" presName="Name37" presStyleLbl="parChTrans1D2" presStyleIdx="2" presStyleCnt="3"/>
+      <dgm:spPr/>
+      <dgm:t>
+        <a:bodyPr/>
+        <a:lstStyle/>
+        <a:p>
+          <a:endParaRPr lang="es-ES"/>
+        </a:p>
+      </dgm:t>
+    </dgm:pt>
+    <dgm:pt modelId="{98B5BAB5-C382-42BC-AF53-4F6D0AEA2795}" type="pres">
+      <dgm:prSet presAssocID="{F239FD4F-6DF9-4B7F-B28A-43479503E29A}" presName="hierRoot2" presStyleCnt="0">
+        <dgm:presLayoutVars>
+          <dgm:hierBranch val="init"/>
+        </dgm:presLayoutVars>
+      </dgm:prSet>
+      <dgm:spPr/>
+    </dgm:pt>
+    <dgm:pt modelId="{85629C58-D1B2-4755-86C5-EEDC730EC521}" type="pres">
+      <dgm:prSet presAssocID="{F239FD4F-6DF9-4B7F-B28A-43479503E29A}" presName="rootComposite" presStyleCnt="0"/>
+      <dgm:spPr/>
+    </dgm:pt>
+    <dgm:pt modelId="{F2B7B9DF-A3D8-4702-AEDA-495AB5D4B57E}" type="pres">
+      <dgm:prSet presAssocID="{F239FD4F-6DF9-4B7F-B28A-43479503E29A}" presName="rootText" presStyleLbl="node2" presStyleIdx="2" presStyleCnt="3">
+        <dgm:presLayoutVars>
+          <dgm:chPref val="3"/>
+        </dgm:presLayoutVars>
+      </dgm:prSet>
+      <dgm:spPr/>
+      <dgm:t>
+        <a:bodyPr/>
+        <a:lstStyle/>
+        <a:p>
+          <a:endParaRPr lang="es-ES"/>
+        </a:p>
+      </dgm:t>
+    </dgm:pt>
+    <dgm:pt modelId="{DB151854-823F-452D-8715-82D944993300}" type="pres">
+      <dgm:prSet presAssocID="{F239FD4F-6DF9-4B7F-B28A-43479503E29A}" presName="rootConnector" presStyleLbl="node2" presStyleIdx="2" presStyleCnt="3"/>
+      <dgm:spPr/>
+      <dgm:t>
+        <a:bodyPr/>
+        <a:lstStyle/>
+        <a:p>
+          <a:endParaRPr lang="es-ES"/>
+        </a:p>
+      </dgm:t>
+    </dgm:pt>
+    <dgm:pt modelId="{08D06065-C81E-47E7-990C-665AD0DF2DBB}" type="pres">
+      <dgm:prSet presAssocID="{F239FD4F-6DF9-4B7F-B28A-43479503E29A}" presName="hierChild4" presStyleCnt="0"/>
+      <dgm:spPr/>
+    </dgm:pt>
+    <dgm:pt modelId="{956B07D1-C312-43D3-AC49-F9AD7C4146AC}" type="pres">
+      <dgm:prSet presAssocID="{D691A476-8910-495E-A8CB-D4F35C9B2956}" presName="Name37" presStyleLbl="parChTrans1D3" presStyleIdx="12" presStyleCnt="14"/>
+      <dgm:spPr/>
+      <dgm:t>
+        <a:bodyPr/>
+        <a:lstStyle/>
+        <a:p>
+          <a:endParaRPr lang="es-ES"/>
+        </a:p>
+      </dgm:t>
+    </dgm:pt>
+    <dgm:pt modelId="{67733259-43B8-4DBD-AD8C-A5EB6BAB67B2}" type="pres">
+      <dgm:prSet presAssocID="{7DD04C47-10F3-4A28-88E3-D613C13134CF}" presName="hierRoot2" presStyleCnt="0">
+        <dgm:presLayoutVars>
+          <dgm:hierBranch val="init"/>
+        </dgm:presLayoutVars>
+      </dgm:prSet>
+      <dgm:spPr/>
+    </dgm:pt>
+    <dgm:pt modelId="{F2928352-4EE7-4197-8EE1-31088D814C77}" type="pres">
+      <dgm:prSet presAssocID="{7DD04C47-10F3-4A28-88E3-D613C13134CF}" presName="rootComposite" presStyleCnt="0"/>
+      <dgm:spPr/>
+    </dgm:pt>
+    <dgm:pt modelId="{95F2C858-D290-4320-A488-93DC114044EE}" type="pres">
+      <dgm:prSet presAssocID="{7DD04C47-10F3-4A28-88E3-D613C13134CF}" presName="rootText" presStyleLbl="node3" presStyleIdx="12" presStyleCnt="14">
+        <dgm:presLayoutVars>
+          <dgm:chPref val="3"/>
+        </dgm:presLayoutVars>
+      </dgm:prSet>
+      <dgm:spPr/>
+      <dgm:t>
+        <a:bodyPr/>
+        <a:lstStyle/>
+        <a:p>
+          <a:endParaRPr lang="es-ES"/>
+        </a:p>
+      </dgm:t>
+    </dgm:pt>
     <dgm:pt modelId="{94DCA54A-1D85-41AF-B787-6A36BF4186B5}" type="pres">
       <dgm:prSet presAssocID="{7DD04C47-10F3-4A28-88E3-D613C13134CF}" presName="rootConnector" presStyleLbl="node3" presStyleIdx="12" presStyleCnt="14"/>
       <dgm:spPr/>
+      <dgm:t>
+        <a:bodyPr/>
+        <a:lstStyle/>
+        <a:p>
+          <a:endParaRPr lang="es-ES"/>
+        </a:p>
+      </dgm:t>
     </dgm:pt>
     <dgm:pt modelId="{1B521EBA-BFF5-4C35-95EC-97E394514FC6}" type="pres">
       <dgm:prSet presAssocID="{7DD04C47-10F3-4A28-88E3-D613C13134CF}" presName="hierChild4" presStyleCnt="0"/>
@@ -6508,6 +6999,13 @@
     <dgm:pt modelId="{C708AE29-8B2A-4963-8D99-0E2D3570FCFB}" type="pres">
       <dgm:prSet presAssocID="{BFCCFB69-FADA-46C6-9148-9B6D3223191B}" presName="Name37" presStyleLbl="parChTrans1D3" presStyleIdx="13" presStyleCnt="14"/>
       <dgm:spPr/>
+      <dgm:t>
+        <a:bodyPr/>
+        <a:lstStyle/>
+        <a:p>
+          <a:endParaRPr lang="es-ES"/>
+        </a:p>
+      </dgm:t>
     </dgm:pt>
     <dgm:pt modelId="{906ECE49-E4F7-49BE-8808-50EFDF795ED1}" type="pres">
       <dgm:prSet presAssocID="{984027AD-9BA5-447F-899A-E8D57481DD64}" presName="hierRoot2" presStyleCnt="0">
@@ -6528,10 +7026,24 @@
         </dgm:presLayoutVars>
       </dgm:prSet>
       <dgm:spPr/>
+      <dgm:t>
+        <a:bodyPr/>
+        <a:lstStyle/>
+        <a:p>
+          <a:endParaRPr lang="es-ES"/>
+        </a:p>
+      </dgm:t>
     </dgm:pt>
     <dgm:pt modelId="{00BB8B5A-ECA6-4299-B00A-FF41401FC8FB}" type="pres">
       <dgm:prSet presAssocID="{984027AD-9BA5-447F-899A-E8D57481DD64}" presName="rootConnector" presStyleLbl="node3" presStyleIdx="13" presStyleCnt="14"/>
       <dgm:spPr/>
+      <dgm:t>
+        <a:bodyPr/>
+        <a:lstStyle/>
+        <a:p>
+          <a:endParaRPr lang="es-ES"/>
+        </a:p>
+      </dgm:t>
     </dgm:pt>
     <dgm:pt modelId="{16A95DF7-4624-41CA-BEF9-7A7D9098CF28}" type="pres">
       <dgm:prSet presAssocID="{984027AD-9BA5-447F-899A-E8D57481DD64}" presName="hierChild4" presStyleCnt="0"/>
@@ -6551,78 +7063,78 @@
     </dgm:pt>
   </dgm:ptLst>
   <dgm:cxnLst>
-    <dgm:cxn modelId="{B0C3DB73-806F-4A0E-9F33-167317B4987D}" type="presOf" srcId="{FF813D80-084D-487B-8FBE-26640D284621}" destId="{BFAB1D3C-03BB-4DF6-AECC-887FA65675C7}" srcOrd="0" destOrd="0" presId="urn:microsoft.com/office/officeart/2005/8/layout/orgChart1"/>
-    <dgm:cxn modelId="{2EE3815E-9981-477F-BFA3-9F1F20B5013B}" type="presOf" srcId="{FF813D80-084D-487B-8FBE-26640D284621}" destId="{AA84132F-12F2-4669-B588-CBE0F72A5006}" srcOrd="1" destOrd="0" presId="urn:microsoft.com/office/officeart/2005/8/layout/orgChart1"/>
-    <dgm:cxn modelId="{25FCC82F-BEFE-4E74-8FBD-900653642E0D}" type="presOf" srcId="{21C9422E-D7E1-4694-AC9B-DC6EFDF07F56}" destId="{1A6D1588-7474-47C3-8512-875D3CBB859D}" srcOrd="0" destOrd="0" presId="urn:microsoft.com/office/officeart/2005/8/layout/orgChart1"/>
-    <dgm:cxn modelId="{5E325501-4739-49CE-A83B-B2C22ED847AA}" type="presOf" srcId="{C4B7B700-57EE-48FB-BB6A-981EABE8607B}" destId="{231D215F-D0F6-468E-A7A1-57629C76B68D}" srcOrd="0" destOrd="0" presId="urn:microsoft.com/office/officeart/2005/8/layout/orgChart1"/>
-    <dgm:cxn modelId="{3647E617-D53C-4E7E-9528-D0A1111F6EA4}" type="presOf" srcId="{F239FD4F-6DF9-4B7F-B28A-43479503E29A}" destId="{DB151854-823F-452D-8715-82D944993300}" srcOrd="1" destOrd="0" presId="urn:microsoft.com/office/officeart/2005/8/layout/orgChart1"/>
-    <dgm:cxn modelId="{3E9227CD-FD0F-45A9-B23F-1F80E88B5384}" type="presOf" srcId="{BFCCFB69-FADA-46C6-9148-9B6D3223191B}" destId="{C708AE29-8B2A-4963-8D99-0E2D3570FCFB}" srcOrd="0" destOrd="0" presId="urn:microsoft.com/office/officeart/2005/8/layout/orgChart1"/>
-    <dgm:cxn modelId="{A403E2F1-5E52-4036-A03A-A6871520EAE3}" type="presOf" srcId="{7DD04C47-10F3-4A28-88E3-D613C13134CF}" destId="{94DCA54A-1D85-41AF-B787-6A36BF4186B5}" srcOrd="1" destOrd="0" presId="urn:microsoft.com/office/officeart/2005/8/layout/orgChart1"/>
-    <dgm:cxn modelId="{3682DE3B-D126-4D01-9E7B-692E926F1DEC}" type="presOf" srcId="{4BCCAF59-35BC-44E8-9351-2B8B56956AD0}" destId="{1C202FA5-251E-4F90-BA4F-A123B94F53F2}" srcOrd="1" destOrd="0" presId="urn:microsoft.com/office/officeart/2005/8/layout/orgChart1"/>
-    <dgm:cxn modelId="{CD971484-1D1F-4B81-8829-278793A1D654}" type="presOf" srcId="{FED24788-F206-4E25-A9A7-3B15682F15FF}" destId="{DCA6370B-AD8C-4DAB-8D69-45C427AA1D26}" srcOrd="0" destOrd="0" presId="urn:microsoft.com/office/officeart/2005/8/layout/orgChart1"/>
-    <dgm:cxn modelId="{9FCC4658-D324-42ED-91F1-C56314EC7EFD}" type="presOf" srcId="{F36DBA69-2BB0-4FD4-A2B5-13DC4C0E706A}" destId="{E1A81E86-417E-4333-BE48-E0E13A817794}" srcOrd="0" destOrd="0" presId="urn:microsoft.com/office/officeart/2005/8/layout/orgChart1"/>
-    <dgm:cxn modelId="{8840F21D-FFCD-47E8-B4A0-DBE3F2DB6BAF}" type="presOf" srcId="{C961276C-D867-4F53-AC98-60ED987CFF5F}" destId="{C3047ED1-D1E8-4A0E-B9CE-BEB9BC4A3FEE}" srcOrd="0" destOrd="0" presId="urn:microsoft.com/office/officeart/2005/8/layout/orgChart1"/>
-    <dgm:cxn modelId="{6BB95DA3-6D55-4FEA-A4B6-FB190EED085B}" srcId="{C4B7B700-57EE-48FB-BB6A-981EABE8607B}" destId="{21C9422E-D7E1-4694-AC9B-DC6EFDF07F56}" srcOrd="4" destOrd="0" parTransId="{9B8CC0C8-4EE2-4CF9-A08E-3ABDBEDFD46B}" sibTransId="{8E508BFA-9D1B-4108-8541-0C01B892CA7D}"/>
-    <dgm:cxn modelId="{A361E23E-D367-4350-BBEC-D0267F2C2E5A}" type="presOf" srcId="{F80F5B6B-5C08-40D5-AF74-AEA55C3E85B1}" destId="{FDE283D7-A4FD-4F16-8783-4176171A34D8}" srcOrd="0" destOrd="0" presId="urn:microsoft.com/office/officeart/2005/8/layout/orgChart1"/>
-    <dgm:cxn modelId="{1E6BC5E3-5861-41E9-AECE-6F3CEBAF6BA5}" srcId="{F239FD4F-6DF9-4B7F-B28A-43479503E29A}" destId="{7DD04C47-10F3-4A28-88E3-D613C13134CF}" srcOrd="0" destOrd="0" parTransId="{D691A476-8910-495E-A8CB-D4F35C9B2956}" sibTransId="{75240889-4D52-4CE3-A453-2C62E612BC04}"/>
-    <dgm:cxn modelId="{051B27CA-460F-4542-8B6C-D1A27CE9DD29}" srcId="{DD56CD02-14C1-4F0B-BEF0-0418EE3E8B08}" destId="{F36DBA69-2BB0-4FD4-A2B5-13DC4C0E706A}" srcOrd="3" destOrd="0" parTransId="{57126A0F-9AF0-4D50-B6B9-E249A61820B5}" sibTransId="{B5DE4823-67B2-446E-98A8-D7E606AF2D89}"/>
-    <dgm:cxn modelId="{78E6C9EF-2D00-4656-9A64-83007DFA936F}" type="presOf" srcId="{D691A476-8910-495E-A8CB-D4F35C9B2956}" destId="{956B07D1-C312-43D3-AC49-F9AD7C4146AC}" srcOrd="0" destOrd="0" presId="urn:microsoft.com/office/officeart/2005/8/layout/orgChart1"/>
-    <dgm:cxn modelId="{B396B223-A696-47E9-805E-251DA9E994ED}" type="presOf" srcId="{F36DBA69-2BB0-4FD4-A2B5-13DC4C0E706A}" destId="{0D23F7B0-A1A2-47AF-B6EA-2A837391F1A5}" srcOrd="1" destOrd="0" presId="urn:microsoft.com/office/officeart/2005/8/layout/orgChart1"/>
-    <dgm:cxn modelId="{6C1E0209-9815-4C7E-809D-53F2AD2C1D5A}" type="presOf" srcId="{625C6E6B-2C30-4360-9DA4-51878C4214CE}" destId="{F264EBE2-6CCF-4754-8FD6-A0592E639FE1}" srcOrd="0" destOrd="0" presId="urn:microsoft.com/office/officeart/2005/8/layout/orgChart1"/>
-    <dgm:cxn modelId="{440D3748-2775-4133-AAA9-D8EEB3C1D013}" type="presOf" srcId="{E3918A5E-E7B4-4D4B-B22F-9DD6FB3538BC}" destId="{E9E37E01-0636-4437-8F52-6968BC517B6F}" srcOrd="0" destOrd="0" presId="urn:microsoft.com/office/officeart/2005/8/layout/orgChart1"/>
-    <dgm:cxn modelId="{CCDB79BC-8452-4329-825C-32449B01C3F4}" srcId="{FED24788-F206-4E25-A9A7-3B15682F15FF}" destId="{F239FD4F-6DF9-4B7F-B28A-43479503E29A}" srcOrd="2" destOrd="0" parTransId="{643FCEE4-2923-4905-A3DA-8F347B52BF5C}" sibTransId="{73D29803-4758-4A67-8787-AC18A38AE6E0}"/>
-    <dgm:cxn modelId="{07C501EF-6C8A-47A0-B189-FDB2EEF62CA7}" type="presOf" srcId="{67ED2A95-6BD4-47BF-B11B-DBB15D90574F}" destId="{EA075A45-38E9-4771-A436-30C274453CF0}" srcOrd="0" destOrd="0" presId="urn:microsoft.com/office/officeart/2005/8/layout/orgChart1"/>
-    <dgm:cxn modelId="{93E60799-AFC7-487C-80C1-D16F1E00BBEE}" srcId="{DD56CD02-14C1-4F0B-BEF0-0418EE3E8B08}" destId="{8755DA2B-BAE2-477D-94B0-61B7AB8A1F11}" srcOrd="1" destOrd="0" parTransId="{F80F5B6B-5C08-40D5-AF74-AEA55C3E85B1}" sibTransId="{EA4A1AE2-E1A4-45CE-B284-0F3638831B72}"/>
-    <dgm:cxn modelId="{6FEC483B-C635-4A2B-B12C-0D17792BA3A8}" type="presOf" srcId="{33243CEE-13A6-4E1A-A700-D6674BFB7406}" destId="{0CD86144-29ED-452A-880B-46584954505D}" srcOrd="0" destOrd="0" presId="urn:microsoft.com/office/officeart/2005/8/layout/orgChart1"/>
-    <dgm:cxn modelId="{49004500-0892-479F-BB24-46C6FABB58F3}" type="presOf" srcId="{D38FE7B2-8FA9-4C61-916C-B8B5FBAFACD8}" destId="{561E979C-924D-4443-AEFD-1EA2C1CE6D30}" srcOrd="0" destOrd="0" presId="urn:microsoft.com/office/officeart/2005/8/layout/orgChart1"/>
-    <dgm:cxn modelId="{63BF3836-1615-4F16-BE63-AF038B90B607}" srcId="{C4B7B700-57EE-48FB-BB6A-981EABE8607B}" destId="{FF813D80-084D-487B-8FBE-26640D284621}" srcOrd="6" destOrd="0" parTransId="{D1F8BDD8-BDA6-4E87-B725-DB28EE6F2833}" sibTransId="{CC4A0F83-E6AC-4BEF-9221-7FFF0E021E1E}"/>
-    <dgm:cxn modelId="{D1B0AD5D-3F5F-41A5-A4EC-752511C0B383}" type="presOf" srcId="{F28A0CE5-EBB2-4C1B-B488-D5C2551D8C6D}" destId="{1E07E316-26AE-45D8-AE1D-348381BD5780}" srcOrd="0" destOrd="0" presId="urn:microsoft.com/office/officeart/2005/8/layout/orgChart1"/>
-    <dgm:cxn modelId="{34CF949B-61FB-489D-8F43-B0D10CDF20E9}" type="presOf" srcId="{5B6B334E-5A0F-4CEE-9477-C65EB088D17D}" destId="{0CE5C055-CD2A-4191-BEF6-3B5EA3BE28B8}" srcOrd="0" destOrd="0" presId="urn:microsoft.com/office/officeart/2005/8/layout/orgChart1"/>
-    <dgm:cxn modelId="{1437026A-4297-4878-AD61-BBAB457D3898}" type="presOf" srcId="{C4B7B700-57EE-48FB-BB6A-981EABE8607B}" destId="{2A2897EE-214B-46F4-B76E-F06D55AF2A67}" srcOrd="1" destOrd="0" presId="urn:microsoft.com/office/officeart/2005/8/layout/orgChart1"/>
-    <dgm:cxn modelId="{1DD7ABA8-A7FE-4C31-A604-1D9A16F96A8F}" type="presOf" srcId="{DD56CD02-14C1-4F0B-BEF0-0418EE3E8B08}" destId="{B6A45386-D251-4EF2-97FB-6D445F4338D3}" srcOrd="0" destOrd="0" presId="urn:microsoft.com/office/officeart/2005/8/layout/orgChart1"/>
-    <dgm:cxn modelId="{01A771E2-5475-4B39-BA45-33E06B6FAD9A}" srcId="{C4B7B700-57EE-48FB-BB6A-981EABE8607B}" destId="{67ED2A95-6BD4-47BF-B11B-DBB15D90574F}" srcOrd="7" destOrd="0" parTransId="{D9CD24F0-674B-4D9D-AB2D-43CD63F5C106}" sibTransId="{29317A0A-E926-43A8-B9FA-2618A6A38A71}"/>
-    <dgm:cxn modelId="{2CBB3F2F-0D94-44EB-A16C-28083121590B}" type="presOf" srcId="{21C9422E-D7E1-4694-AC9B-DC6EFDF07F56}" destId="{7DCAD7E1-B0E9-49CC-A452-90A8DACD8390}" srcOrd="1" destOrd="0" presId="urn:microsoft.com/office/officeart/2005/8/layout/orgChart1"/>
-    <dgm:cxn modelId="{A739C1EE-C2A8-4B12-8D94-80628B986831}" srcId="{F239FD4F-6DF9-4B7F-B28A-43479503E29A}" destId="{984027AD-9BA5-447F-899A-E8D57481DD64}" srcOrd="1" destOrd="0" parTransId="{BFCCFB69-FADA-46C6-9148-9B6D3223191B}" sibTransId="{B8EBFA2D-752A-4AA5-9437-31486FDB54CC}"/>
-    <dgm:cxn modelId="{5D909185-1BED-416C-83DD-895386DA8C4A}" srcId="{DD56CD02-14C1-4F0B-BEF0-0418EE3E8B08}" destId="{5B6B334E-5A0F-4CEE-9477-C65EB088D17D}" srcOrd="2" destOrd="0" parTransId="{A94411C4-2D10-4F36-A536-3D564ECEA5A0}" sibTransId="{51F223DE-6787-4C9B-84A1-77F14EEF1243}"/>
-    <dgm:cxn modelId="{F3E2BCCF-ED8C-4958-96FB-ED61840A4F5C}" srcId="{FED24788-F206-4E25-A9A7-3B15682F15FF}" destId="{C4B7B700-57EE-48FB-BB6A-981EABE8607B}" srcOrd="1" destOrd="0" parTransId="{D38FE7B2-8FA9-4C61-916C-B8B5FBAFACD8}" sibTransId="{B93A749E-2874-4B7F-92C8-21CFB1FACE69}"/>
-    <dgm:cxn modelId="{60A933DA-FC7C-407B-BF36-0FF5D1848173}" srcId="{C4B7B700-57EE-48FB-BB6A-981EABE8607B}" destId="{57194EFA-4E3C-453F-BC37-64686E3C0EAE}" srcOrd="0" destOrd="0" parTransId="{E3B9225E-BEBB-4138-A88D-E1C92D76CF5D}" sibTransId="{63578BF4-DF7F-483E-BA44-FFFBA4A10415}"/>
-    <dgm:cxn modelId="{C9FAB606-2DCB-4F14-BB32-E721E32119F2}" srcId="{DD56CD02-14C1-4F0B-BEF0-0418EE3E8B08}" destId="{625C6E6B-2C30-4360-9DA4-51878C4214CE}" srcOrd="0" destOrd="0" parTransId="{244B2A20-22C2-478E-B324-75874734436A}" sibTransId="{8A802499-DF20-40CB-A6E7-542FA6559524}"/>
-    <dgm:cxn modelId="{BD94B283-A1DB-49F0-844A-61FB3B7F81C0}" type="presOf" srcId="{D9CD24F0-674B-4D9D-AB2D-43CD63F5C106}" destId="{99EA3061-0BB9-4133-A6A0-BBED59A1CE6B}" srcOrd="0" destOrd="0" presId="urn:microsoft.com/office/officeart/2005/8/layout/orgChart1"/>
-    <dgm:cxn modelId="{9678542B-6315-4F00-980B-8788EAF7C99F}" type="presOf" srcId="{DD56CD02-14C1-4F0B-BEF0-0418EE3E8B08}" destId="{41E2C036-81C8-4744-A000-FDD2029F1D35}" srcOrd="1" destOrd="0" presId="urn:microsoft.com/office/officeart/2005/8/layout/orgChart1"/>
-    <dgm:cxn modelId="{6D687685-38B9-4DA7-91B9-C292E49F2DDD}" type="presOf" srcId="{625C6E6B-2C30-4360-9DA4-51878C4214CE}" destId="{6D7ECE33-0EDC-45B3-9D95-940AB96B1DDE}" srcOrd="1" destOrd="0" presId="urn:microsoft.com/office/officeart/2005/8/layout/orgChart1"/>
-    <dgm:cxn modelId="{AA6A53A7-EDA5-4667-9D54-313022C26E06}" type="presOf" srcId="{2090CA91-FAAC-49C5-A8B1-098CF8BF48A7}" destId="{FD519477-EB05-4F8F-A56D-683158579F59}" srcOrd="0" destOrd="0" presId="urn:microsoft.com/office/officeart/2005/8/layout/orgChart1"/>
-    <dgm:cxn modelId="{CFFE85DB-2276-442B-8BC1-35BA730EA3A8}" srcId="{B7FA5D27-AF55-4A5A-9992-3E1924A29180}" destId="{FED24788-F206-4E25-A9A7-3B15682F15FF}" srcOrd="0" destOrd="0" parTransId="{9EFDF573-354A-462F-B9A6-D40018151C14}" sibTransId="{F06B8DCA-2629-4572-912E-E1EC34E41659}"/>
-    <dgm:cxn modelId="{99076CFB-B89B-4709-8734-5FDEEF5C885B}" type="presOf" srcId="{5B6B334E-5A0F-4CEE-9477-C65EB088D17D}" destId="{F75A8307-D3D8-42D2-9429-F61FE22DCD4E}" srcOrd="1" destOrd="0" presId="urn:microsoft.com/office/officeart/2005/8/layout/orgChart1"/>
-    <dgm:cxn modelId="{D96051A5-160F-49CD-8B72-4A87CBB4CA1D}" type="presOf" srcId="{E3918A5E-E7B4-4D4B-B22F-9DD6FB3538BC}" destId="{C17C89AA-1DF5-4ADB-96B4-A184EBEDD2C7}" srcOrd="1" destOrd="0" presId="urn:microsoft.com/office/officeart/2005/8/layout/orgChart1"/>
-    <dgm:cxn modelId="{AECBD29A-ABD4-4AF7-AE48-CD46CF74FAAF}" type="presOf" srcId="{57194EFA-4E3C-453F-BC37-64686E3C0EAE}" destId="{C4D92E4B-9666-4E87-91E8-E08468038D7D}" srcOrd="0" destOrd="0" presId="urn:microsoft.com/office/officeart/2005/8/layout/orgChart1"/>
-    <dgm:cxn modelId="{BD8624F7-20F1-42AC-A55F-DC33FF9DA142}" type="presOf" srcId="{33243CEE-13A6-4E1A-A700-D6674BFB7406}" destId="{9B7FA473-153A-48D9-9F54-9A6960A5DF31}" srcOrd="1" destOrd="0" presId="urn:microsoft.com/office/officeart/2005/8/layout/orgChart1"/>
-    <dgm:cxn modelId="{D206FF81-8BB3-40B9-8CA7-0B4807CC3CA8}" srcId="{C4B7B700-57EE-48FB-BB6A-981EABE8607B}" destId="{E3918A5E-E7B4-4D4B-B22F-9DD6FB3538BC}" srcOrd="5" destOrd="0" parTransId="{C961276C-D867-4F53-AC98-60ED987CFF5F}" sibTransId="{96EEA061-153F-4660-959D-00BE819B80B0}"/>
+    <dgm:cxn modelId="{7F6531C3-F790-4D30-B159-A49DF1E8F176}" type="presOf" srcId="{244B2A20-22C2-478E-B324-75874734436A}" destId="{B73FFBCD-8081-4C74-AF9E-CD47C208E908}" srcOrd="0" destOrd="0" presId="urn:microsoft.com/office/officeart/2005/8/layout/orgChart1"/>
+    <dgm:cxn modelId="{A7D66AAE-B84A-4C0C-9521-74AEB6E04C17}" type="presOf" srcId="{BC741DDC-E91C-492B-84B4-09C3AD7AB092}" destId="{054D74B0-93D3-4CEB-AF27-37D014A81A34}" srcOrd="0" destOrd="0" presId="urn:microsoft.com/office/officeart/2005/8/layout/orgChart1"/>
     <dgm:cxn modelId="{D72B1F45-9E8C-4223-8EBD-760B32001BE3}" type="presOf" srcId="{6C82D04E-A7FD-440F-BA9C-6EDC9E598DDB}" destId="{51EDBCBD-E151-4194-8782-7312A8318FEF}" srcOrd="0" destOrd="0" presId="urn:microsoft.com/office/officeart/2005/8/layout/orgChart1"/>
     <dgm:cxn modelId="{E427E663-AFA8-449A-A056-D0E5438BE3F0}" srcId="{FED24788-F206-4E25-A9A7-3B15682F15FF}" destId="{DD56CD02-14C1-4F0B-BEF0-0418EE3E8B08}" srcOrd="0" destOrd="0" parTransId="{DBA6A89C-5E68-44FC-B07A-907F604DC1AE}" sibTransId="{C23CE76D-8A2F-4AD3-A1B4-1205E66EC5A3}"/>
+    <dgm:cxn modelId="{83B9BD82-678C-44BB-BD0B-3DE6FDE76E9F}" type="presOf" srcId="{E3B9225E-BEBB-4138-A88D-E1C92D76CF5D}" destId="{DB91ACEB-AC6A-4416-B9CC-502B4C335B21}" srcOrd="0" destOrd="0" presId="urn:microsoft.com/office/officeart/2005/8/layout/orgChart1"/>
+    <dgm:cxn modelId="{5E325501-4739-49CE-A83B-B2C22ED847AA}" type="presOf" srcId="{C4B7B700-57EE-48FB-BB6A-981EABE8607B}" destId="{231D215F-D0F6-468E-A7A1-57629C76B68D}" srcOrd="0" destOrd="0" presId="urn:microsoft.com/office/officeart/2005/8/layout/orgChart1"/>
+    <dgm:cxn modelId="{D96051A5-160F-49CD-8B72-4A87CBB4CA1D}" type="presOf" srcId="{E3918A5E-E7B4-4D4B-B22F-9DD6FB3538BC}" destId="{C17C89AA-1DF5-4ADB-96B4-A184EBEDD2C7}" srcOrd="1" destOrd="0" presId="urn:microsoft.com/office/officeart/2005/8/layout/orgChart1"/>
+    <dgm:cxn modelId="{CD971484-1D1F-4B81-8829-278793A1D654}" type="presOf" srcId="{FED24788-F206-4E25-A9A7-3B15682F15FF}" destId="{DCA6370B-AD8C-4DAB-8D69-45C427AA1D26}" srcOrd="0" destOrd="0" presId="urn:microsoft.com/office/officeart/2005/8/layout/orgChart1"/>
+    <dgm:cxn modelId="{45CC3ED5-A90D-44EB-B3CD-C85B11C37783}" type="presOf" srcId="{FED24788-F206-4E25-A9A7-3B15682F15FF}" destId="{51A62907-4AFF-4DCA-8BED-49290058B367}" srcOrd="1" destOrd="0" presId="urn:microsoft.com/office/officeart/2005/8/layout/orgChart1"/>
+    <dgm:cxn modelId="{6FEC483B-C635-4A2B-B12C-0D17792BA3A8}" type="presOf" srcId="{33243CEE-13A6-4E1A-A700-D6674BFB7406}" destId="{0CD86144-29ED-452A-880B-46584954505D}" srcOrd="0" destOrd="0" presId="urn:microsoft.com/office/officeart/2005/8/layout/orgChart1"/>
+    <dgm:cxn modelId="{5D909185-1BED-416C-83DD-895386DA8C4A}" srcId="{DD56CD02-14C1-4F0B-BEF0-0418EE3E8B08}" destId="{5B6B334E-5A0F-4CEE-9477-C65EB088D17D}" srcOrd="2" destOrd="0" parTransId="{A94411C4-2D10-4F36-A536-3D564ECEA5A0}" sibTransId="{51F223DE-6787-4C9B-84A1-77F14EEF1243}"/>
+    <dgm:cxn modelId="{C9FAB606-2DCB-4F14-BB32-E721E32119F2}" srcId="{DD56CD02-14C1-4F0B-BEF0-0418EE3E8B08}" destId="{625C6E6B-2C30-4360-9DA4-51878C4214CE}" srcOrd="0" destOrd="0" parTransId="{244B2A20-22C2-478E-B324-75874734436A}" sibTransId="{8A802499-DF20-40CB-A6E7-542FA6559524}"/>
     <dgm:cxn modelId="{7444AAB0-8990-4D5C-BC38-240FF3EB0820}" srcId="{C4B7B700-57EE-48FB-BB6A-981EABE8607B}" destId="{F28A0CE5-EBB2-4C1B-B488-D5C2551D8C6D}" srcOrd="1" destOrd="0" parTransId="{BC741DDC-E91C-492B-84B4-09C3AD7AB092}" sibTransId="{C449D448-6BF4-45E1-ADB1-CB8FF7318A29}"/>
-    <dgm:cxn modelId="{7F6531C3-F790-4D30-B159-A49DF1E8F176}" type="presOf" srcId="{244B2A20-22C2-478E-B324-75874734436A}" destId="{B73FFBCD-8081-4C74-AF9E-CD47C208E908}" srcOrd="0" destOrd="0" presId="urn:microsoft.com/office/officeart/2005/8/layout/orgChart1"/>
+    <dgm:cxn modelId="{A739C1EE-C2A8-4B12-8D94-80628B986831}" srcId="{F239FD4F-6DF9-4B7F-B28A-43479503E29A}" destId="{984027AD-9BA5-447F-899A-E8D57481DD64}" srcOrd="1" destOrd="0" parTransId="{BFCCFB69-FADA-46C6-9148-9B6D3223191B}" sibTransId="{B8EBFA2D-752A-4AA5-9437-31486FDB54CC}"/>
+    <dgm:cxn modelId="{71FEA2FE-6D65-4E83-AAC9-609EDCBE616F}" type="presOf" srcId="{57194EFA-4E3C-453F-BC37-64686E3C0EAE}" destId="{F1D5CC31-6898-4523-A679-4BAF40C0CC79}" srcOrd="1" destOrd="0" presId="urn:microsoft.com/office/officeart/2005/8/layout/orgChart1"/>
+    <dgm:cxn modelId="{07C501EF-6C8A-47A0-B189-FDB2EEF62CA7}" type="presOf" srcId="{67ED2A95-6BD4-47BF-B11B-DBB15D90574F}" destId="{EA075A45-38E9-4771-A436-30C274453CF0}" srcOrd="0" destOrd="0" presId="urn:microsoft.com/office/officeart/2005/8/layout/orgChart1"/>
+    <dgm:cxn modelId="{ACA85AD0-9C6D-4372-86DB-CB8BD1671523}" type="presOf" srcId="{57126A0F-9AF0-4D50-B6B9-E249A61820B5}" destId="{B7CF7FED-2C74-4774-A971-80BF6D0896FA}" srcOrd="0" destOrd="0" presId="urn:microsoft.com/office/officeart/2005/8/layout/orgChart1"/>
+    <dgm:cxn modelId="{EFF0C44E-5467-4E02-B321-3721FF586E24}" type="presOf" srcId="{984027AD-9BA5-447F-899A-E8D57481DD64}" destId="{00BB8B5A-ECA6-4299-B00A-FF41401FC8FB}" srcOrd="1" destOrd="0" presId="urn:microsoft.com/office/officeart/2005/8/layout/orgChart1"/>
+    <dgm:cxn modelId="{F3E2BCCF-ED8C-4958-96FB-ED61840A4F5C}" srcId="{FED24788-F206-4E25-A9A7-3B15682F15FF}" destId="{C4B7B700-57EE-48FB-BB6A-981EABE8607B}" srcOrd="1" destOrd="0" parTransId="{D38FE7B2-8FA9-4C61-916C-B8B5FBAFACD8}" sibTransId="{B93A749E-2874-4B7F-92C8-21CFB1FACE69}"/>
+    <dgm:cxn modelId="{6C1E0209-9815-4C7E-809D-53F2AD2C1D5A}" type="presOf" srcId="{625C6E6B-2C30-4360-9DA4-51878C4214CE}" destId="{F264EBE2-6CCF-4754-8FD6-A0592E639FE1}" srcOrd="0" destOrd="0" presId="urn:microsoft.com/office/officeart/2005/8/layout/orgChart1"/>
+    <dgm:cxn modelId="{A403E2F1-5E52-4036-A03A-A6871520EAE3}" type="presOf" srcId="{7DD04C47-10F3-4A28-88E3-D613C13134CF}" destId="{94DCA54A-1D85-41AF-B787-6A36BF4186B5}" srcOrd="1" destOrd="0" presId="urn:microsoft.com/office/officeart/2005/8/layout/orgChart1"/>
+    <dgm:cxn modelId="{93E60799-AFC7-487C-80C1-D16F1E00BBEE}" srcId="{DD56CD02-14C1-4F0B-BEF0-0418EE3E8B08}" destId="{8755DA2B-BAE2-477D-94B0-61B7AB8A1F11}" srcOrd="1" destOrd="0" parTransId="{F80F5B6B-5C08-40D5-AF74-AEA55C3E85B1}" sibTransId="{EA4A1AE2-E1A4-45CE-B284-0F3638831B72}"/>
+    <dgm:cxn modelId="{AA6A53A7-EDA5-4667-9D54-313022C26E06}" type="presOf" srcId="{2090CA91-FAAC-49C5-A8B1-098CF8BF48A7}" destId="{FD519477-EB05-4F8F-A56D-683158579F59}" srcOrd="0" destOrd="0" presId="urn:microsoft.com/office/officeart/2005/8/layout/orgChart1"/>
+    <dgm:cxn modelId="{3647E617-D53C-4E7E-9528-D0A1111F6EA4}" type="presOf" srcId="{F239FD4F-6DF9-4B7F-B28A-43479503E29A}" destId="{DB151854-823F-452D-8715-82D944993300}" srcOrd="1" destOrd="0" presId="urn:microsoft.com/office/officeart/2005/8/layout/orgChart1"/>
+    <dgm:cxn modelId="{104F375A-C9EA-4873-9953-266E1B762B96}" type="presOf" srcId="{8755DA2B-BAE2-477D-94B0-61B7AB8A1F11}" destId="{250225F2-2377-4165-BC67-193D2F370403}" srcOrd="1" destOrd="0" presId="urn:microsoft.com/office/officeart/2005/8/layout/orgChart1"/>
+    <dgm:cxn modelId="{B396B223-A696-47E9-805E-251DA9E994ED}" type="presOf" srcId="{F36DBA69-2BB0-4FD4-A2B5-13DC4C0E706A}" destId="{0D23F7B0-A1A2-47AF-B6EA-2A837391F1A5}" srcOrd="1" destOrd="0" presId="urn:microsoft.com/office/officeart/2005/8/layout/orgChart1"/>
+    <dgm:cxn modelId="{91BC8E7D-4BDC-4BEA-B6A1-430E390237DC}" type="presOf" srcId="{9B8CC0C8-4EE2-4CF9-A08E-3ABDBEDFD46B}" destId="{57819EAC-643B-44B2-92CF-781890EE29AC}" srcOrd="0" destOrd="0" presId="urn:microsoft.com/office/officeart/2005/8/layout/orgChart1"/>
+    <dgm:cxn modelId="{01A771E2-5475-4B39-BA45-33E06B6FAD9A}" srcId="{C4B7B700-57EE-48FB-BB6A-981EABE8607B}" destId="{67ED2A95-6BD4-47BF-B11B-DBB15D90574F}" srcOrd="7" destOrd="0" parTransId="{D9CD24F0-674B-4D9D-AB2D-43CD63F5C106}" sibTransId="{29317A0A-E926-43A8-B9FA-2618A6A38A71}"/>
+    <dgm:cxn modelId="{AECBD29A-ABD4-4AF7-AE48-CD46CF74FAAF}" type="presOf" srcId="{57194EFA-4E3C-453F-BC37-64686E3C0EAE}" destId="{C4D92E4B-9666-4E87-91E8-E08468038D7D}" srcOrd="0" destOrd="0" presId="urn:microsoft.com/office/officeart/2005/8/layout/orgChart1"/>
+    <dgm:cxn modelId="{13667D69-997D-4F79-A082-CFAA6A6F59AF}" type="presOf" srcId="{D1F8BDD8-BDA6-4E87-B725-DB28EE6F2833}" destId="{A1F68E62-C5DF-4BC7-9EF6-A6D598DADF1B}" srcOrd="0" destOrd="0" presId="urn:microsoft.com/office/officeart/2005/8/layout/orgChart1"/>
+    <dgm:cxn modelId="{051B27CA-460F-4542-8B6C-D1A27CE9DD29}" srcId="{DD56CD02-14C1-4F0B-BEF0-0418EE3E8B08}" destId="{F36DBA69-2BB0-4FD4-A2B5-13DC4C0E706A}" srcOrd="3" destOrd="0" parTransId="{57126A0F-9AF0-4D50-B6B9-E249A61820B5}" sibTransId="{B5DE4823-67B2-446E-98A8-D7E606AF2D89}"/>
+    <dgm:cxn modelId="{CFFE85DB-2276-442B-8BC1-35BA730EA3A8}" srcId="{B7FA5D27-AF55-4A5A-9992-3E1924A29180}" destId="{FED24788-F206-4E25-A9A7-3B15682F15FF}" srcOrd="0" destOrd="0" parTransId="{9EFDF573-354A-462F-B9A6-D40018151C14}" sibTransId="{F06B8DCA-2629-4572-912E-E1EC34E41659}"/>
+    <dgm:cxn modelId="{78E6C9EF-2D00-4656-9A64-83007DFA936F}" type="presOf" srcId="{D691A476-8910-495E-A8CB-D4F35C9B2956}" destId="{956B07D1-C312-43D3-AC49-F9AD7C4146AC}" srcOrd="0" destOrd="0" presId="urn:microsoft.com/office/officeart/2005/8/layout/orgChart1"/>
+    <dgm:cxn modelId="{F2E705F4-47D0-45C4-8189-57B8B701BE08}" type="presOf" srcId="{67ED2A95-6BD4-47BF-B11B-DBB15D90574F}" destId="{8136856B-AD24-40C0-88C0-BA55B51C16C1}" srcOrd="1" destOrd="0" presId="urn:microsoft.com/office/officeart/2005/8/layout/orgChart1"/>
+    <dgm:cxn modelId="{34CF949B-61FB-489D-8F43-B0D10CDF20E9}" type="presOf" srcId="{5B6B334E-5A0F-4CEE-9477-C65EB088D17D}" destId="{0CE5C055-CD2A-4191-BEF6-3B5EA3BE28B8}" srcOrd="0" destOrd="0" presId="urn:microsoft.com/office/officeart/2005/8/layout/orgChart1"/>
+    <dgm:cxn modelId="{B3953E91-52D2-47BE-8CAD-174E09D062B1}" srcId="{C4B7B700-57EE-48FB-BB6A-981EABE8607B}" destId="{4BCCAF59-35BC-44E8-9351-2B8B56956AD0}" srcOrd="3" destOrd="0" parTransId="{6C82D04E-A7FD-440F-BA9C-6EDC9E598DDB}" sibTransId="{BCA050FC-121B-4DCE-9D29-5AE27B3CD89B}"/>
+    <dgm:cxn modelId="{DBE5716B-D0C5-4B40-A138-DE56E4978F37}" type="presOf" srcId="{F239FD4F-6DF9-4B7F-B28A-43479503E29A}" destId="{F2B7B9DF-A3D8-4702-AEDA-495AB5D4B57E}" srcOrd="0" destOrd="0" presId="urn:microsoft.com/office/officeart/2005/8/layout/orgChart1"/>
+    <dgm:cxn modelId="{BD8624F7-20F1-42AC-A55F-DC33FF9DA142}" type="presOf" srcId="{33243CEE-13A6-4E1A-A700-D6674BFB7406}" destId="{9B7FA473-153A-48D9-9F54-9A6960A5DF31}" srcOrd="1" destOrd="0" presId="urn:microsoft.com/office/officeart/2005/8/layout/orgChart1"/>
     <dgm:cxn modelId="{6FE5AEA7-40E1-4F24-8A47-A00895FE345E}" type="presOf" srcId="{F28A0CE5-EBB2-4C1B-B488-D5C2551D8C6D}" destId="{00B5849C-D214-42FE-AC7A-B42817A2B584}" srcOrd="1" destOrd="0" presId="urn:microsoft.com/office/officeart/2005/8/layout/orgChart1"/>
-    <dgm:cxn modelId="{71FEA2FE-6D65-4E83-AAC9-609EDCBE616F}" type="presOf" srcId="{57194EFA-4E3C-453F-BC37-64686E3C0EAE}" destId="{F1D5CC31-6898-4523-A679-4BAF40C0CC79}" srcOrd="1" destOrd="0" presId="urn:microsoft.com/office/officeart/2005/8/layout/orgChart1"/>
-    <dgm:cxn modelId="{B3953E91-52D2-47BE-8CAD-174E09D062B1}" srcId="{C4B7B700-57EE-48FB-BB6A-981EABE8607B}" destId="{4BCCAF59-35BC-44E8-9351-2B8B56956AD0}" srcOrd="3" destOrd="0" parTransId="{6C82D04E-A7FD-440F-BA9C-6EDC9E598DDB}" sibTransId="{BCA050FC-121B-4DCE-9D29-5AE27B3CD89B}"/>
-    <dgm:cxn modelId="{91BC8E7D-4BDC-4BEA-B6A1-430E390237DC}" type="presOf" srcId="{9B8CC0C8-4EE2-4CF9-A08E-3ABDBEDFD46B}" destId="{57819EAC-643B-44B2-92CF-781890EE29AC}" srcOrd="0" destOrd="0" presId="urn:microsoft.com/office/officeart/2005/8/layout/orgChart1"/>
-    <dgm:cxn modelId="{104F375A-C9EA-4873-9953-266E1B762B96}" type="presOf" srcId="{8755DA2B-BAE2-477D-94B0-61B7AB8A1F11}" destId="{250225F2-2377-4165-BC67-193D2F370403}" srcOrd="1" destOrd="0" presId="urn:microsoft.com/office/officeart/2005/8/layout/orgChart1"/>
+    <dgm:cxn modelId="{49004500-0892-479F-BB24-46C6FABB58F3}" type="presOf" srcId="{D38FE7B2-8FA9-4C61-916C-B8B5FBAFACD8}" destId="{561E979C-924D-4443-AEFD-1EA2C1CE6D30}" srcOrd="0" destOrd="0" presId="urn:microsoft.com/office/officeart/2005/8/layout/orgChart1"/>
+    <dgm:cxn modelId="{1DD7ABA8-A7FE-4C31-A604-1D9A16F96A8F}" type="presOf" srcId="{DD56CD02-14C1-4F0B-BEF0-0418EE3E8B08}" destId="{B6A45386-D251-4EF2-97FB-6D445F4338D3}" srcOrd="0" destOrd="0" presId="urn:microsoft.com/office/officeart/2005/8/layout/orgChart1"/>
+    <dgm:cxn modelId="{3E9227CD-FD0F-45A9-B23F-1F80E88B5384}" type="presOf" srcId="{BFCCFB69-FADA-46C6-9148-9B6D3223191B}" destId="{C708AE29-8B2A-4963-8D99-0E2D3570FCFB}" srcOrd="0" destOrd="0" presId="urn:microsoft.com/office/officeart/2005/8/layout/orgChart1"/>
+    <dgm:cxn modelId="{D5A7AE0C-868E-4CA3-B11D-9FCCF9C8D642}" type="presOf" srcId="{A94411C4-2D10-4F36-A536-3D564ECEA5A0}" destId="{D0F9B01D-8DB7-4CFD-BC34-08F2FCCE92C4}" srcOrd="0" destOrd="0" presId="urn:microsoft.com/office/officeart/2005/8/layout/orgChart1"/>
+    <dgm:cxn modelId="{D1B0AD5D-3F5F-41A5-A4EC-752511C0B383}" type="presOf" srcId="{F28A0CE5-EBB2-4C1B-B488-D5C2551D8C6D}" destId="{1E07E316-26AE-45D8-AE1D-348381BD5780}" srcOrd="0" destOrd="0" presId="urn:microsoft.com/office/officeart/2005/8/layout/orgChart1"/>
+    <dgm:cxn modelId="{B0C3DB73-806F-4A0E-9F33-167317B4987D}" type="presOf" srcId="{FF813D80-084D-487B-8FBE-26640D284621}" destId="{BFAB1D3C-03BB-4DF6-AECC-887FA65675C7}" srcOrd="0" destOrd="0" presId="urn:microsoft.com/office/officeart/2005/8/layout/orgChart1"/>
+    <dgm:cxn modelId="{1437026A-4297-4878-AD61-BBAB457D3898}" type="presOf" srcId="{C4B7B700-57EE-48FB-BB6A-981EABE8607B}" destId="{2A2897EE-214B-46F4-B76E-F06D55AF2A67}" srcOrd="1" destOrd="0" presId="urn:microsoft.com/office/officeart/2005/8/layout/orgChart1"/>
+    <dgm:cxn modelId="{CCDB79BC-8452-4329-825C-32449B01C3F4}" srcId="{FED24788-F206-4E25-A9A7-3B15682F15FF}" destId="{F239FD4F-6DF9-4B7F-B28A-43479503E29A}" srcOrd="2" destOrd="0" parTransId="{643FCEE4-2923-4905-A3DA-8F347B52BF5C}" sibTransId="{73D29803-4758-4A67-8787-AC18A38AE6E0}"/>
+    <dgm:cxn modelId="{6BB95DA3-6D55-4FEA-A4B6-FB190EED085B}" srcId="{C4B7B700-57EE-48FB-BB6A-981EABE8607B}" destId="{21C9422E-D7E1-4694-AC9B-DC6EFDF07F56}" srcOrd="4" destOrd="0" parTransId="{9B8CC0C8-4EE2-4CF9-A08E-3ABDBEDFD46B}" sibTransId="{8E508BFA-9D1B-4108-8541-0C01B892CA7D}"/>
+    <dgm:cxn modelId="{3682DE3B-D126-4D01-9E7B-692E926F1DEC}" type="presOf" srcId="{4BCCAF59-35BC-44E8-9351-2B8B56956AD0}" destId="{1C202FA5-251E-4F90-BA4F-A123B94F53F2}" srcOrd="1" destOrd="0" presId="urn:microsoft.com/office/officeart/2005/8/layout/orgChart1"/>
     <dgm:cxn modelId="{A236E56F-D5F2-4880-8D8D-9466E6DB5A3B}" type="presOf" srcId="{DBA6A89C-5E68-44FC-B07A-907F604DC1AE}" destId="{199EE760-871F-435C-8201-774C4CF56B7E}" srcOrd="0" destOrd="0" presId="urn:microsoft.com/office/officeart/2005/8/layout/orgChart1"/>
-    <dgm:cxn modelId="{F2E705F4-47D0-45C4-8189-57B8B701BE08}" type="presOf" srcId="{67ED2A95-6BD4-47BF-B11B-DBB15D90574F}" destId="{8136856B-AD24-40C0-88C0-BA55B51C16C1}" srcOrd="1" destOrd="0" presId="urn:microsoft.com/office/officeart/2005/8/layout/orgChart1"/>
-    <dgm:cxn modelId="{D5A7AE0C-868E-4CA3-B11D-9FCCF9C8D642}" type="presOf" srcId="{A94411C4-2D10-4F36-A536-3D564ECEA5A0}" destId="{D0F9B01D-8DB7-4CFD-BC34-08F2FCCE92C4}" srcOrd="0" destOrd="0" presId="urn:microsoft.com/office/officeart/2005/8/layout/orgChart1"/>
-    <dgm:cxn modelId="{EFF0C44E-5467-4E02-B321-3721FF586E24}" type="presOf" srcId="{984027AD-9BA5-447F-899A-E8D57481DD64}" destId="{00BB8B5A-ECA6-4299-B00A-FF41401FC8FB}" srcOrd="1" destOrd="0" presId="urn:microsoft.com/office/officeart/2005/8/layout/orgChart1"/>
+    <dgm:cxn modelId="{25FCC82F-BEFE-4E74-8FBD-900653642E0D}" type="presOf" srcId="{21C9422E-D7E1-4694-AC9B-DC6EFDF07F56}" destId="{1A6D1588-7474-47C3-8512-875D3CBB859D}" srcOrd="0" destOrd="0" presId="urn:microsoft.com/office/officeart/2005/8/layout/orgChart1"/>
+    <dgm:cxn modelId="{2EE3815E-9981-477F-BFA3-9F1F20B5013B}" type="presOf" srcId="{FF813D80-084D-487B-8FBE-26640D284621}" destId="{AA84132F-12F2-4669-B588-CBE0F72A5006}" srcOrd="1" destOrd="0" presId="urn:microsoft.com/office/officeart/2005/8/layout/orgChart1"/>
+    <dgm:cxn modelId="{9678542B-6315-4F00-980B-8788EAF7C99F}" type="presOf" srcId="{DD56CD02-14C1-4F0B-BEF0-0418EE3E8B08}" destId="{41E2C036-81C8-4744-A000-FDD2029F1D35}" srcOrd="1" destOrd="0" presId="urn:microsoft.com/office/officeart/2005/8/layout/orgChart1"/>
+    <dgm:cxn modelId="{51FB3F67-58F0-4575-BE85-B08D610D8835}" type="presOf" srcId="{4BCCAF59-35BC-44E8-9351-2B8B56956AD0}" destId="{59028F50-E430-45B7-AF33-4D1380F748D5}" srcOrd="0" destOrd="0" presId="urn:microsoft.com/office/officeart/2005/8/layout/orgChart1"/>
+    <dgm:cxn modelId="{06B2457C-1F8B-49BD-A338-DCD16104EF3F}" type="presOf" srcId="{B7FA5D27-AF55-4A5A-9992-3E1924A29180}" destId="{D964AA35-01B0-46CD-9E06-D5015D4036C7}" srcOrd="0" destOrd="0" presId="urn:microsoft.com/office/officeart/2005/8/layout/orgChart1"/>
+    <dgm:cxn modelId="{E07DA08D-5098-417D-90F7-E178B89C0BB7}" srcId="{C4B7B700-57EE-48FB-BB6A-981EABE8607B}" destId="{33243CEE-13A6-4E1A-A700-D6674BFB7406}" srcOrd="2" destOrd="0" parTransId="{2090CA91-FAAC-49C5-A8B1-098CF8BF48A7}" sibTransId="{BC8EAD95-2024-4618-9482-0A3A19564611}"/>
+    <dgm:cxn modelId="{60A933DA-FC7C-407B-BF36-0FF5D1848173}" srcId="{C4B7B700-57EE-48FB-BB6A-981EABE8607B}" destId="{57194EFA-4E3C-453F-BC37-64686E3C0EAE}" srcOrd="0" destOrd="0" parTransId="{E3B9225E-BEBB-4138-A88D-E1C92D76CF5D}" sibTransId="{63578BF4-DF7F-483E-BA44-FFFBA4A10415}"/>
+    <dgm:cxn modelId="{63BF3836-1615-4F16-BE63-AF038B90B607}" srcId="{C4B7B700-57EE-48FB-BB6A-981EABE8607B}" destId="{FF813D80-084D-487B-8FBE-26640D284621}" srcOrd="6" destOrd="0" parTransId="{D1F8BDD8-BDA6-4E87-B725-DB28EE6F2833}" sibTransId="{CC4A0F83-E6AC-4BEF-9221-7FFF0E021E1E}"/>
+    <dgm:cxn modelId="{440D3748-2775-4133-AAA9-D8EEB3C1D013}" type="presOf" srcId="{E3918A5E-E7B4-4D4B-B22F-9DD6FB3538BC}" destId="{E9E37E01-0636-4437-8F52-6968BC517B6F}" srcOrd="0" destOrd="0" presId="urn:microsoft.com/office/officeart/2005/8/layout/orgChart1"/>
+    <dgm:cxn modelId="{6D687685-38B9-4DA7-91B9-C292E49F2DDD}" type="presOf" srcId="{625C6E6B-2C30-4360-9DA4-51878C4214CE}" destId="{6D7ECE33-0EDC-45B3-9D95-940AB96B1DDE}" srcOrd="1" destOrd="0" presId="urn:microsoft.com/office/officeart/2005/8/layout/orgChart1"/>
+    <dgm:cxn modelId="{1E6BC5E3-5861-41E9-AECE-6F3CEBAF6BA5}" srcId="{F239FD4F-6DF9-4B7F-B28A-43479503E29A}" destId="{7DD04C47-10F3-4A28-88E3-D613C13134CF}" srcOrd="0" destOrd="0" parTransId="{D691A476-8910-495E-A8CB-D4F35C9B2956}" sibTransId="{75240889-4D52-4CE3-A453-2C62E612BC04}"/>
+    <dgm:cxn modelId="{9FCC4658-D324-42ED-91F1-C56314EC7EFD}" type="presOf" srcId="{F36DBA69-2BB0-4FD4-A2B5-13DC4C0E706A}" destId="{E1A81E86-417E-4333-BE48-E0E13A817794}" srcOrd="0" destOrd="0" presId="urn:microsoft.com/office/officeart/2005/8/layout/orgChart1"/>
     <dgm:cxn modelId="{AACDB95D-9118-4564-B4F4-BC49CBD4A57C}" type="presOf" srcId="{643FCEE4-2923-4905-A3DA-8F347B52BF5C}" destId="{A42EB118-ADE1-4FDB-8155-54D8ED197F13}" srcOrd="0" destOrd="0" presId="urn:microsoft.com/office/officeart/2005/8/layout/orgChart1"/>
+    <dgm:cxn modelId="{99076CFB-B89B-4709-8734-5FDEEF5C885B}" type="presOf" srcId="{5B6B334E-5A0F-4CEE-9477-C65EB088D17D}" destId="{F75A8307-D3D8-42D2-9429-F61FE22DCD4E}" srcOrd="1" destOrd="0" presId="urn:microsoft.com/office/officeart/2005/8/layout/orgChart1"/>
+    <dgm:cxn modelId="{2CBB3F2F-0D94-44EB-A16C-28083121590B}" type="presOf" srcId="{21C9422E-D7E1-4694-AC9B-DC6EFDF07F56}" destId="{7DCAD7E1-B0E9-49CC-A452-90A8DACD8390}" srcOrd="1" destOrd="0" presId="urn:microsoft.com/office/officeart/2005/8/layout/orgChart1"/>
+    <dgm:cxn modelId="{A361E23E-D367-4350-BBEC-D0267F2C2E5A}" type="presOf" srcId="{F80F5B6B-5C08-40D5-AF74-AEA55C3E85B1}" destId="{FDE283D7-A4FD-4F16-8783-4176171A34D8}" srcOrd="0" destOrd="0" presId="urn:microsoft.com/office/officeart/2005/8/layout/orgChart1"/>
+    <dgm:cxn modelId="{BD94B283-A1DB-49F0-844A-61FB3B7F81C0}" type="presOf" srcId="{D9CD24F0-674B-4D9D-AB2D-43CD63F5C106}" destId="{99EA3061-0BB9-4133-A6A0-BBED59A1CE6B}" srcOrd="0" destOrd="0" presId="urn:microsoft.com/office/officeart/2005/8/layout/orgChart1"/>
+    <dgm:cxn modelId="{2277F020-1B9D-4C06-A859-38DD6FAA713B}" type="presOf" srcId="{7DD04C47-10F3-4A28-88E3-D613C13134CF}" destId="{95F2C858-D290-4320-A488-93DC114044EE}" srcOrd="0" destOrd="0" presId="urn:microsoft.com/office/officeart/2005/8/layout/orgChart1"/>
     <dgm:cxn modelId="{F03ACD96-80EC-4DD3-9BAA-6DB805F6869B}" type="presOf" srcId="{8755DA2B-BAE2-477D-94B0-61B7AB8A1F11}" destId="{599FF33E-F248-42A1-A360-9BC71F434576}" srcOrd="0" destOrd="0" presId="urn:microsoft.com/office/officeart/2005/8/layout/orgChart1"/>
-    <dgm:cxn modelId="{45CC3ED5-A90D-44EB-B3CD-C85B11C37783}" type="presOf" srcId="{FED24788-F206-4E25-A9A7-3B15682F15FF}" destId="{51A62907-4AFF-4DCA-8BED-49290058B367}" srcOrd="1" destOrd="0" presId="urn:microsoft.com/office/officeart/2005/8/layout/orgChart1"/>
-    <dgm:cxn modelId="{51FB3F67-58F0-4575-BE85-B08D610D8835}" type="presOf" srcId="{4BCCAF59-35BC-44E8-9351-2B8B56956AD0}" destId="{59028F50-E430-45B7-AF33-4D1380F748D5}" srcOrd="0" destOrd="0" presId="urn:microsoft.com/office/officeart/2005/8/layout/orgChart1"/>
     <dgm:cxn modelId="{86538FD7-0FD6-47E2-A95D-982BEF219EA2}" type="presOf" srcId="{984027AD-9BA5-447F-899A-E8D57481DD64}" destId="{F4795F08-956E-4249-AA53-AF869371A215}" srcOrd="0" destOrd="0" presId="urn:microsoft.com/office/officeart/2005/8/layout/orgChart1"/>
-    <dgm:cxn modelId="{E07DA08D-5098-417D-90F7-E178B89C0BB7}" srcId="{C4B7B700-57EE-48FB-BB6A-981EABE8607B}" destId="{33243CEE-13A6-4E1A-A700-D6674BFB7406}" srcOrd="2" destOrd="0" parTransId="{2090CA91-FAAC-49C5-A8B1-098CF8BF48A7}" sibTransId="{BC8EAD95-2024-4618-9482-0A3A19564611}"/>
-    <dgm:cxn modelId="{ACA85AD0-9C6D-4372-86DB-CB8BD1671523}" type="presOf" srcId="{57126A0F-9AF0-4D50-B6B9-E249A61820B5}" destId="{B7CF7FED-2C74-4774-A971-80BF6D0896FA}" srcOrd="0" destOrd="0" presId="urn:microsoft.com/office/officeart/2005/8/layout/orgChart1"/>
-    <dgm:cxn modelId="{DBE5716B-D0C5-4B40-A138-DE56E4978F37}" type="presOf" srcId="{F239FD4F-6DF9-4B7F-B28A-43479503E29A}" destId="{F2B7B9DF-A3D8-4702-AEDA-495AB5D4B57E}" srcOrd="0" destOrd="0" presId="urn:microsoft.com/office/officeart/2005/8/layout/orgChart1"/>
-    <dgm:cxn modelId="{06B2457C-1F8B-49BD-A338-DCD16104EF3F}" type="presOf" srcId="{B7FA5D27-AF55-4A5A-9992-3E1924A29180}" destId="{D964AA35-01B0-46CD-9E06-D5015D4036C7}" srcOrd="0" destOrd="0" presId="urn:microsoft.com/office/officeart/2005/8/layout/orgChart1"/>
-    <dgm:cxn modelId="{83B9BD82-678C-44BB-BD0B-3DE6FDE76E9F}" type="presOf" srcId="{E3B9225E-BEBB-4138-A88D-E1C92D76CF5D}" destId="{DB91ACEB-AC6A-4416-B9CC-502B4C335B21}" srcOrd="0" destOrd="0" presId="urn:microsoft.com/office/officeart/2005/8/layout/orgChart1"/>
-    <dgm:cxn modelId="{2277F020-1B9D-4C06-A859-38DD6FAA713B}" type="presOf" srcId="{7DD04C47-10F3-4A28-88E3-D613C13134CF}" destId="{95F2C858-D290-4320-A488-93DC114044EE}" srcOrd="0" destOrd="0" presId="urn:microsoft.com/office/officeart/2005/8/layout/orgChart1"/>
-    <dgm:cxn modelId="{13667D69-997D-4F79-A082-CFAA6A6F59AF}" type="presOf" srcId="{D1F8BDD8-BDA6-4E87-B725-DB28EE6F2833}" destId="{A1F68E62-C5DF-4BC7-9EF6-A6D598DADF1B}" srcOrd="0" destOrd="0" presId="urn:microsoft.com/office/officeart/2005/8/layout/orgChart1"/>
-    <dgm:cxn modelId="{A7D66AAE-B84A-4C0C-9521-74AEB6E04C17}" type="presOf" srcId="{BC741DDC-E91C-492B-84B4-09C3AD7AB092}" destId="{054D74B0-93D3-4CEB-AF27-37D014A81A34}" srcOrd="0" destOrd="0" presId="urn:microsoft.com/office/officeart/2005/8/layout/orgChart1"/>
+    <dgm:cxn modelId="{D206FF81-8BB3-40B9-8CA7-0B4807CC3CA8}" srcId="{C4B7B700-57EE-48FB-BB6A-981EABE8607B}" destId="{E3918A5E-E7B4-4D4B-B22F-9DD6FB3538BC}" srcOrd="5" destOrd="0" parTransId="{C961276C-D867-4F53-AC98-60ED987CFF5F}" sibTransId="{96EEA061-153F-4660-959D-00BE819B80B0}"/>
+    <dgm:cxn modelId="{8840F21D-FFCD-47E8-B4A0-DBE3F2DB6BAF}" type="presOf" srcId="{C961276C-D867-4F53-AC98-60ED987CFF5F}" destId="{C3047ED1-D1E8-4A0E-B9CE-BEB9BC4A3FEE}" srcOrd="0" destOrd="0" presId="urn:microsoft.com/office/officeart/2005/8/layout/orgChart1"/>
     <dgm:cxn modelId="{42BA90FE-135D-417D-8CE3-CA4DB4993362}" type="presParOf" srcId="{D964AA35-01B0-46CD-9E06-D5015D4036C7}" destId="{45908914-D09C-4666-813A-C17D9CA71BCA}" srcOrd="0" destOrd="0" presId="urn:microsoft.com/office/officeart/2005/8/layout/orgChart1"/>
     <dgm:cxn modelId="{CFA4F4BC-C5C3-474F-BCF4-006BC2420839}" type="presParOf" srcId="{45908914-D09C-4666-813A-C17D9CA71BCA}" destId="{40724AF3-2DB9-46FF-8BDA-2F1BF1DA50FC}" srcOrd="0" destOrd="0" presId="urn:microsoft.com/office/officeart/2005/8/layout/orgChart1"/>
     <dgm:cxn modelId="{DA132708-D73F-4D0E-BEA5-6763A8DEC499}" type="presParOf" srcId="{40724AF3-2DB9-46FF-8BDA-2F1BF1DA50FC}" destId="{DCA6370B-AD8C-4DAB-8D69-45C427AA1D26}" srcOrd="0" destOrd="0" presId="urn:microsoft.com/office/officeart/2005/8/layout/orgChart1"/>
@@ -6952,13 +7464,20 @@
         </dgm:presLayoutVars>
       </dgm:prSet>
       <dgm:spPr/>
+      <dgm:t>
+        <a:bodyPr/>
+        <a:lstStyle/>
+        <a:p>
+          <a:endParaRPr lang="es-ES"/>
+        </a:p>
+      </dgm:t>
     </dgm:pt>
   </dgm:ptLst>
   <dgm:cxnLst>
     <dgm:cxn modelId="{6C5D2462-E71D-4A5B-923C-E824CDE35CDF}" type="presOf" srcId="{504A7F5D-58C0-4D8D-B580-866601683A0B}" destId="{01AC8F2E-D9B2-40CA-9F4E-FC5C8F69C564}" srcOrd="0" destOrd="0" presId="urn:microsoft.com/office/officeart/2005/8/layout/arrow2"/>
     <dgm:cxn modelId="{2CBFAA85-55A4-4322-B6AF-88F0F93FA7E0}" srcId="{DB7E75B7-731A-4C2C-BCDB-FAA519DABED2}" destId="{EB267BF7-7AC4-4FF3-A9BF-92EF350EBA65}" srcOrd="0" destOrd="0" parTransId="{AC773462-CB34-4920-A207-96072B1EE87B}" sibTransId="{87F23954-CEF7-4DD6-A4BF-F1699E89E896}"/>
+    <dgm:cxn modelId="{A4440F79-0AF4-4708-80C4-9DD4E4E02C93}" type="presOf" srcId="{EB267BF7-7AC4-4FF3-A9BF-92EF350EBA65}" destId="{2B22F7EF-ECD6-4C1E-8808-64EE356A958B}" srcOrd="0" destOrd="0" presId="urn:microsoft.com/office/officeart/2005/8/layout/arrow2"/>
     <dgm:cxn modelId="{B9C4886D-EFBC-4D39-AF5D-AF5E9DC6475E}" type="presOf" srcId="{DB7E75B7-731A-4C2C-BCDB-FAA519DABED2}" destId="{1F3AFD43-1282-4623-B960-556132AF1327}" srcOrd="0" destOrd="0" presId="urn:microsoft.com/office/officeart/2005/8/layout/arrow2"/>
-    <dgm:cxn modelId="{A4440F79-0AF4-4708-80C4-9DD4E4E02C93}" type="presOf" srcId="{EB267BF7-7AC4-4FF3-A9BF-92EF350EBA65}" destId="{2B22F7EF-ECD6-4C1E-8808-64EE356A958B}" srcOrd="0" destOrd="0" presId="urn:microsoft.com/office/officeart/2005/8/layout/arrow2"/>
     <dgm:cxn modelId="{0F32FAB2-B246-4E58-A13C-5EF34A573806}" srcId="{DB7E75B7-731A-4C2C-BCDB-FAA519DABED2}" destId="{504A7F5D-58C0-4D8D-B580-866601683A0B}" srcOrd="2" destOrd="0" parTransId="{56150BAB-31C8-447F-BD36-BE99DBA13C7B}" sibTransId="{1ACC8882-ECCE-4DE5-82C5-2731DDEA0CC0}"/>
     <dgm:cxn modelId="{2A220535-62EB-49D9-BAE4-0DE74807BAFC}" type="presOf" srcId="{2C0D90CB-EADD-467B-BEB0-3FC7555962D4}" destId="{A9BCE08B-E745-4E66-B683-B84FE690D03B}" srcOrd="0" destOrd="0" presId="urn:microsoft.com/office/officeart/2005/8/layout/arrow2"/>
     <dgm:cxn modelId="{541E98C7-181D-4285-AA7D-446918B9A275}" srcId="{DB7E75B7-731A-4C2C-BCDB-FAA519DABED2}" destId="{2C0D90CB-EADD-467B-BEB0-3FC7555962D4}" srcOrd="1" destOrd="0" parTransId="{964047FF-81E0-419A-AC68-8E802DB1A2FF}" sibTransId="{08CD26D7-EB48-4AF6-92CE-F3CC01BFF789}"/>
@@ -7117,14 +7636,35 @@
         </dgm:presLayoutVars>
       </dgm:prSet>
       <dgm:spPr/>
+      <dgm:t>
+        <a:bodyPr/>
+        <a:lstStyle/>
+        <a:p>
+          <a:endParaRPr lang="es-ES"/>
+        </a:p>
+      </dgm:t>
     </dgm:pt>
     <dgm:pt modelId="{6C6A59F1-29C0-455A-B1F1-6053730E1164}" type="pres">
       <dgm:prSet presAssocID="{3FE05096-5376-478D-B59B-09D2867D8E15}" presName="gear1srcNode" presStyleLbl="node1" presStyleIdx="0" presStyleCnt="3"/>
       <dgm:spPr/>
+      <dgm:t>
+        <a:bodyPr/>
+        <a:lstStyle/>
+        <a:p>
+          <a:endParaRPr lang="es-ES"/>
+        </a:p>
+      </dgm:t>
     </dgm:pt>
     <dgm:pt modelId="{07BB8751-003B-44AC-AD68-8B38B4C4C210}" type="pres">
       <dgm:prSet presAssocID="{3FE05096-5376-478D-B59B-09D2867D8E15}" presName="gear1dstNode" presStyleLbl="node1" presStyleIdx="0" presStyleCnt="3"/>
       <dgm:spPr/>
+      <dgm:t>
+        <a:bodyPr/>
+        <a:lstStyle/>
+        <a:p>
+          <a:endParaRPr lang="es-ES"/>
+        </a:p>
+      </dgm:t>
     </dgm:pt>
     <dgm:pt modelId="{F9B7A128-3E39-43EC-93E2-786DED172C9C}" type="pres">
       <dgm:prSet presAssocID="{E79D7BFF-AFDC-428E-AB47-E0609A0F6195}" presName="gear2" presStyleLbl="node1" presStyleIdx="1" presStyleCnt="3">
@@ -7134,18 +7674,46 @@
         </dgm:presLayoutVars>
       </dgm:prSet>
       <dgm:spPr/>
+      <dgm:t>
+        <a:bodyPr/>
+        <a:lstStyle/>
+        <a:p>
+          <a:endParaRPr lang="es-ES"/>
+        </a:p>
+      </dgm:t>
     </dgm:pt>
     <dgm:pt modelId="{D6AC3368-EE61-4A09-AB99-E8E8F4B6A427}" type="pres">
       <dgm:prSet presAssocID="{E79D7BFF-AFDC-428E-AB47-E0609A0F6195}" presName="gear2srcNode" presStyleLbl="node1" presStyleIdx="1" presStyleCnt="3"/>
       <dgm:spPr/>
+      <dgm:t>
+        <a:bodyPr/>
+        <a:lstStyle/>
+        <a:p>
+          <a:endParaRPr lang="es-ES"/>
+        </a:p>
+      </dgm:t>
     </dgm:pt>
     <dgm:pt modelId="{68508C2F-4234-4FC9-8E37-CA754BDE36B0}" type="pres">
       <dgm:prSet presAssocID="{E79D7BFF-AFDC-428E-AB47-E0609A0F6195}" presName="gear2dstNode" presStyleLbl="node1" presStyleIdx="1" presStyleCnt="3"/>
       <dgm:spPr/>
+      <dgm:t>
+        <a:bodyPr/>
+        <a:lstStyle/>
+        <a:p>
+          <a:endParaRPr lang="es-ES"/>
+        </a:p>
+      </dgm:t>
     </dgm:pt>
     <dgm:pt modelId="{3CDC4122-1A1B-4C86-B2DB-D6839FD37425}" type="pres">
       <dgm:prSet presAssocID="{17AE950D-8400-4790-9471-FEBB5600CC8C}" presName="gear3" presStyleLbl="node1" presStyleIdx="2" presStyleCnt="3"/>
       <dgm:spPr/>
+      <dgm:t>
+        <a:bodyPr/>
+        <a:lstStyle/>
+        <a:p>
+          <a:endParaRPr lang="es-ES"/>
+        </a:p>
+      </dgm:t>
     </dgm:pt>
     <dgm:pt modelId="{3D29AD1F-F355-4012-9F15-C00C9B19F469}" type="pres">
       <dgm:prSet presAssocID="{17AE950D-8400-4790-9471-FEBB5600CC8C}" presName="gear3tx" presStyleLbl="node1" presStyleIdx="2" presStyleCnt="3">
@@ -7155,26 +7723,68 @@
         </dgm:presLayoutVars>
       </dgm:prSet>
       <dgm:spPr/>
+      <dgm:t>
+        <a:bodyPr/>
+        <a:lstStyle/>
+        <a:p>
+          <a:endParaRPr lang="es-ES"/>
+        </a:p>
+      </dgm:t>
     </dgm:pt>
     <dgm:pt modelId="{5DA81A0F-821D-46EB-AF5C-5188571A5B8E}" type="pres">
       <dgm:prSet presAssocID="{17AE950D-8400-4790-9471-FEBB5600CC8C}" presName="gear3srcNode" presStyleLbl="node1" presStyleIdx="2" presStyleCnt="3"/>
       <dgm:spPr/>
+      <dgm:t>
+        <a:bodyPr/>
+        <a:lstStyle/>
+        <a:p>
+          <a:endParaRPr lang="es-ES"/>
+        </a:p>
+      </dgm:t>
     </dgm:pt>
     <dgm:pt modelId="{0196A7CF-DF0E-45A8-AC39-1A0221FB239B}" type="pres">
       <dgm:prSet presAssocID="{17AE950D-8400-4790-9471-FEBB5600CC8C}" presName="gear3dstNode" presStyleLbl="node1" presStyleIdx="2" presStyleCnt="3"/>
       <dgm:spPr/>
+      <dgm:t>
+        <a:bodyPr/>
+        <a:lstStyle/>
+        <a:p>
+          <a:endParaRPr lang="es-ES"/>
+        </a:p>
+      </dgm:t>
     </dgm:pt>
     <dgm:pt modelId="{BE950D1A-D6F5-4809-A389-9E6EB4D0C77F}" type="pres">
       <dgm:prSet presAssocID="{98B5B497-8FB7-41E9-B873-39F28C056CE6}" presName="connector1" presStyleLbl="sibTrans2D1" presStyleIdx="0" presStyleCnt="3"/>
       <dgm:spPr/>
+      <dgm:t>
+        <a:bodyPr/>
+        <a:lstStyle/>
+        <a:p>
+          <a:endParaRPr lang="es-ES"/>
+        </a:p>
+      </dgm:t>
     </dgm:pt>
     <dgm:pt modelId="{850DC122-6214-4AC5-A2A1-4B01B9E2146C}" type="pres">
       <dgm:prSet presAssocID="{10155D64-7220-4A47-87B4-49A0B5AA50C0}" presName="connector2" presStyleLbl="sibTrans2D1" presStyleIdx="1" presStyleCnt="3"/>
       <dgm:spPr/>
+      <dgm:t>
+        <a:bodyPr/>
+        <a:lstStyle/>
+        <a:p>
+          <a:endParaRPr lang="es-ES"/>
+        </a:p>
+      </dgm:t>
     </dgm:pt>
     <dgm:pt modelId="{C92953BC-475C-4E1D-B37F-0010BFCE01D2}" type="pres">
       <dgm:prSet presAssocID="{FE334A24-785C-4472-A2C2-DC83624B52EC}" presName="connector3" presStyleLbl="sibTrans2D1" presStyleIdx="2" presStyleCnt="3"/>
       <dgm:spPr/>
+      <dgm:t>
+        <a:bodyPr/>
+        <a:lstStyle/>
+        <a:p>
+          <a:endParaRPr lang="es-ES"/>
+        </a:p>
+      </dgm:t>
     </dgm:pt>
   </dgm:ptLst>
   <dgm:cxnLst>
@@ -7182,13 +7792,13 @@
     <dgm:cxn modelId="{CB7BFF6B-85D1-4B08-A70E-995ABDBDC3A3}" type="presOf" srcId="{3FE05096-5376-478D-B59B-09D2867D8E15}" destId="{17682E80-8ED1-466E-B9B4-E41FE5CF4393}" srcOrd="0" destOrd="0" presId="urn:microsoft.com/office/officeart/2005/8/layout/gear1"/>
     <dgm:cxn modelId="{1BBA5558-6D63-4B7E-BBBB-F51D25926967}" srcId="{11A02014-B27C-441E-BBC5-6040C635EC65}" destId="{E79D7BFF-AFDC-428E-AB47-E0609A0F6195}" srcOrd="1" destOrd="0" parTransId="{BF3083CD-AC0D-4108-8597-22AD10E5D728}" sibTransId="{10155D64-7220-4A47-87B4-49A0B5AA50C0}"/>
     <dgm:cxn modelId="{E9C519E5-281A-4BC8-9643-E5EB894FAB92}" srcId="{11A02014-B27C-441E-BBC5-6040C635EC65}" destId="{17AE950D-8400-4790-9471-FEBB5600CC8C}" srcOrd="2" destOrd="0" parTransId="{3B50C25D-884D-45D5-A97C-9B7ACDB9FBC9}" sibTransId="{FE334A24-785C-4472-A2C2-DC83624B52EC}"/>
+    <dgm:cxn modelId="{B0A8526E-07FC-4182-B5DF-8566CAD3D98C}" type="presOf" srcId="{17AE950D-8400-4790-9471-FEBB5600CC8C}" destId="{3D29AD1F-F355-4012-9F15-C00C9B19F469}" srcOrd="1" destOrd="0" presId="urn:microsoft.com/office/officeart/2005/8/layout/gear1"/>
     <dgm:cxn modelId="{956D3D5C-F986-400A-B76D-57FC1869CAB1}" type="presOf" srcId="{10155D64-7220-4A47-87B4-49A0B5AA50C0}" destId="{850DC122-6214-4AC5-A2A1-4B01B9E2146C}" srcOrd="0" destOrd="0" presId="urn:microsoft.com/office/officeart/2005/8/layout/gear1"/>
-    <dgm:cxn modelId="{B0A8526E-07FC-4182-B5DF-8566CAD3D98C}" type="presOf" srcId="{17AE950D-8400-4790-9471-FEBB5600CC8C}" destId="{3D29AD1F-F355-4012-9F15-C00C9B19F469}" srcOrd="1" destOrd="0" presId="urn:microsoft.com/office/officeart/2005/8/layout/gear1"/>
     <dgm:cxn modelId="{060F5BFA-1195-4CCE-9448-ED42CD53C08B}" type="presOf" srcId="{FE334A24-785C-4472-A2C2-DC83624B52EC}" destId="{C92953BC-475C-4E1D-B37F-0010BFCE01D2}" srcOrd="0" destOrd="0" presId="urn:microsoft.com/office/officeart/2005/8/layout/gear1"/>
     <dgm:cxn modelId="{F5F8F299-9AF0-4621-BCE4-14DCFE9DBA1B}" srcId="{11A02014-B27C-441E-BBC5-6040C635EC65}" destId="{3FE05096-5376-478D-B59B-09D2867D8E15}" srcOrd="0" destOrd="0" parTransId="{A73CA144-B3D9-4DF3-ADF3-2507F16FAE86}" sibTransId="{98B5B497-8FB7-41E9-B873-39F28C056CE6}"/>
     <dgm:cxn modelId="{C8B2819A-9703-4D3B-9D58-6939986760D2}" type="presOf" srcId="{E79D7BFF-AFDC-428E-AB47-E0609A0F6195}" destId="{F9B7A128-3E39-43EC-93E2-786DED172C9C}" srcOrd="0" destOrd="0" presId="urn:microsoft.com/office/officeart/2005/8/layout/gear1"/>
+    <dgm:cxn modelId="{83B7B483-D49C-4FD6-9EF8-23C08649A03F}" type="presOf" srcId="{11A02014-B27C-441E-BBC5-6040C635EC65}" destId="{0E96F4F2-B0CB-40E7-99A1-2F0B7CF9BC55}" srcOrd="0" destOrd="0" presId="urn:microsoft.com/office/officeart/2005/8/layout/gear1"/>
     <dgm:cxn modelId="{F7190031-0166-48CC-9F92-D03B1D7F8473}" type="presOf" srcId="{3FE05096-5376-478D-B59B-09D2867D8E15}" destId="{07BB8751-003B-44AC-AD68-8B38B4C4C210}" srcOrd="2" destOrd="0" presId="urn:microsoft.com/office/officeart/2005/8/layout/gear1"/>
-    <dgm:cxn modelId="{83B7B483-D49C-4FD6-9EF8-23C08649A03F}" type="presOf" srcId="{11A02014-B27C-441E-BBC5-6040C635EC65}" destId="{0E96F4F2-B0CB-40E7-99A1-2F0B7CF9BC55}" srcOrd="0" destOrd="0" presId="urn:microsoft.com/office/officeart/2005/8/layout/gear1"/>
     <dgm:cxn modelId="{9EF55A3A-F8AC-4978-9B3C-8FE07574076F}" type="presOf" srcId="{98B5B497-8FB7-41E9-B873-39F28C056CE6}" destId="{BE950D1A-D6F5-4809-A389-9E6EB4D0C77F}" srcOrd="0" destOrd="0" presId="urn:microsoft.com/office/officeart/2005/8/layout/gear1"/>
     <dgm:cxn modelId="{10DC9565-A0D5-45FA-AA22-6D2B2F57D2E8}" type="presOf" srcId="{E79D7BFF-AFDC-428E-AB47-E0609A0F6195}" destId="{D6AC3368-EE61-4A09-AB99-E8E8F4B6A427}" srcOrd="1" destOrd="0" presId="urn:microsoft.com/office/officeart/2005/8/layout/gear1"/>
     <dgm:cxn modelId="{E263AA19-BA04-4D02-AC49-BB77A82FE9D7}" type="presOf" srcId="{3FE05096-5376-478D-B59B-09D2867D8E15}" destId="{6C6A59F1-29C0-455A-B1F1-6053730E1164}" srcOrd="1" destOrd="0" presId="urn:microsoft.com/office/officeart/2005/8/layout/gear1"/>
@@ -7389,22 +7999,6 @@
         </dgm:presLayoutVars>
       </dgm:prSet>
       <dgm:spPr/>
-    </dgm:pt>
-    <dgm:pt modelId="{145E16A8-6945-494F-A828-C86713606516}" type="pres">
-      <dgm:prSet presAssocID="{1469884E-41F5-4D58-83EA-CCD35B46F548}" presName="ellipse" presStyleLbl="trBgShp" presStyleIdx="0" presStyleCnt="1"/>
-      <dgm:spPr/>
-    </dgm:pt>
-    <dgm:pt modelId="{4039A87A-EC83-4463-9501-9030C8AAFAD8}" type="pres">
-      <dgm:prSet presAssocID="{1469884E-41F5-4D58-83EA-CCD35B46F548}" presName="arrow1" presStyleLbl="fgShp" presStyleIdx="0" presStyleCnt="1"/>
-      <dgm:spPr/>
-    </dgm:pt>
-    <dgm:pt modelId="{5CD1DA1A-66AA-4082-874A-F5836BA6B3A9}" type="pres">
-      <dgm:prSet presAssocID="{1469884E-41F5-4D58-83EA-CCD35B46F548}" presName="rectangle" presStyleLbl="revTx" presStyleIdx="0" presStyleCnt="1">
-        <dgm:presLayoutVars>
-          <dgm:bulletEnabled val="1"/>
-        </dgm:presLayoutVars>
-      </dgm:prSet>
-      <dgm:spPr/>
       <dgm:t>
         <a:bodyPr/>
         <a:lstStyle/>
@@ -7413,6 +8007,29 @@
         </a:p>
       </dgm:t>
     </dgm:pt>
+    <dgm:pt modelId="{145E16A8-6945-494F-A828-C86713606516}" type="pres">
+      <dgm:prSet presAssocID="{1469884E-41F5-4D58-83EA-CCD35B46F548}" presName="ellipse" presStyleLbl="trBgShp" presStyleIdx="0" presStyleCnt="1"/>
+      <dgm:spPr/>
+    </dgm:pt>
+    <dgm:pt modelId="{4039A87A-EC83-4463-9501-9030C8AAFAD8}" type="pres">
+      <dgm:prSet presAssocID="{1469884E-41F5-4D58-83EA-CCD35B46F548}" presName="arrow1" presStyleLbl="fgShp" presStyleIdx="0" presStyleCnt="1"/>
+      <dgm:spPr/>
+    </dgm:pt>
+    <dgm:pt modelId="{5CD1DA1A-66AA-4082-874A-F5836BA6B3A9}" type="pres">
+      <dgm:prSet presAssocID="{1469884E-41F5-4D58-83EA-CCD35B46F548}" presName="rectangle" presStyleLbl="revTx" presStyleIdx="0" presStyleCnt="1">
+        <dgm:presLayoutVars>
+          <dgm:bulletEnabled val="1"/>
+        </dgm:presLayoutVars>
+      </dgm:prSet>
+      <dgm:spPr/>
+      <dgm:t>
+        <a:bodyPr/>
+        <a:lstStyle/>
+        <a:p>
+          <a:endParaRPr lang="es-ES"/>
+        </a:p>
+      </dgm:t>
+    </dgm:pt>
     <dgm:pt modelId="{E71868AA-FF02-4E62-88B4-0B8C2A5493E4}" type="pres">
       <dgm:prSet presAssocID="{AB21BFE1-C67E-49EE-A916-547DA438EE64}" presName="item1" presStyleLbl="node1" presStyleIdx="0" presStyleCnt="3">
         <dgm:presLayoutVars>
@@ -7420,6 +8037,13 @@
         </dgm:presLayoutVars>
       </dgm:prSet>
       <dgm:spPr/>
+      <dgm:t>
+        <a:bodyPr/>
+        <a:lstStyle/>
+        <a:p>
+          <a:endParaRPr lang="es-ES"/>
+        </a:p>
+      </dgm:t>
     </dgm:pt>
     <dgm:pt modelId="{8E0B4106-CD56-40C7-9A55-064A9725FE64}" type="pres">
       <dgm:prSet presAssocID="{20A486AC-48B5-4755-8F5A-628BAB6135E2}" presName="item2" presStyleLbl="node1" presStyleIdx="1" presStyleCnt="3">
@@ -7428,6 +8052,13 @@
         </dgm:presLayoutVars>
       </dgm:prSet>
       <dgm:spPr/>
+      <dgm:t>
+        <a:bodyPr/>
+        <a:lstStyle/>
+        <a:p>
+          <a:endParaRPr lang="es-ES"/>
+        </a:p>
+      </dgm:t>
     </dgm:pt>
     <dgm:pt modelId="{C8CA6788-2BC8-44F6-AE09-840DF4E9140D}" type="pres">
       <dgm:prSet presAssocID="{68AF84CB-BDD6-4153-846A-935C0972EF94}" presName="item3" presStyleLbl="node1" presStyleIdx="2" presStyleCnt="3">
@@ -21547,7 +22178,8 @@
           <a:p>
             <a:fld id="{63676F4A-993E-4992-BA79-656C4A405A0F}" type="datetimeFigureOut">
               <a:rPr lang="es-ES" smtClean="0"/>
-              <a:t>01/05/2015</a:t>
+              <a:pPr/>
+              <a:t>02/05/2015</a:t>
             </a:fld>
             <a:endParaRPr lang="es-ES"/>
           </a:p>
@@ -21589,6 +22221,7 @@
           <a:p>
             <a:fld id="{A2630FDF-3966-4797-876C-8F429C35D392}" type="slidenum">
               <a:rPr lang="es-ES" smtClean="0"/>
+              <a:pPr/>
               <a:t>‹Nº›</a:t>
             </a:fld>
             <a:endParaRPr lang="es-ES"/>
@@ -21712,7 +22345,8 @@
           <a:p>
             <a:fld id="{63676F4A-993E-4992-BA79-656C4A405A0F}" type="datetimeFigureOut">
               <a:rPr lang="es-ES" smtClean="0"/>
-              <a:t>01/05/2015</a:t>
+              <a:pPr/>
+              <a:t>02/05/2015</a:t>
             </a:fld>
             <a:endParaRPr lang="es-ES"/>
           </a:p>
@@ -21754,6 +22388,7 @@
           <a:p>
             <a:fld id="{A2630FDF-3966-4797-876C-8F429C35D392}" type="slidenum">
               <a:rPr lang="es-ES" smtClean="0"/>
+              <a:pPr/>
               <a:t>‹Nº›</a:t>
             </a:fld>
             <a:endParaRPr lang="es-ES"/>
@@ -21887,7 +22522,8 @@
           <a:p>
             <a:fld id="{63676F4A-993E-4992-BA79-656C4A405A0F}" type="datetimeFigureOut">
               <a:rPr lang="es-ES" smtClean="0"/>
-              <a:t>01/05/2015</a:t>
+              <a:pPr/>
+              <a:t>02/05/2015</a:t>
             </a:fld>
             <a:endParaRPr lang="es-ES"/>
           </a:p>
@@ -21929,6 +22565,7 @@
           <a:p>
             <a:fld id="{A2630FDF-3966-4797-876C-8F429C35D392}" type="slidenum">
               <a:rPr lang="es-ES" smtClean="0"/>
+              <a:pPr/>
               <a:t>‹Nº›</a:t>
             </a:fld>
             <a:endParaRPr lang="es-ES"/>
@@ -22052,7 +22689,8 @@
           <a:p>
             <a:fld id="{63676F4A-993E-4992-BA79-656C4A405A0F}" type="datetimeFigureOut">
               <a:rPr lang="es-ES" smtClean="0"/>
-              <a:t>01/05/2015</a:t>
+              <a:pPr/>
+              <a:t>02/05/2015</a:t>
             </a:fld>
             <a:endParaRPr lang="es-ES"/>
           </a:p>
@@ -22094,6 +22732,7 @@
           <a:p>
             <a:fld id="{A2630FDF-3966-4797-876C-8F429C35D392}" type="slidenum">
               <a:rPr lang="es-ES" smtClean="0"/>
+              <a:pPr/>
               <a:t>‹Nº›</a:t>
             </a:fld>
             <a:endParaRPr lang="es-ES"/>
@@ -22293,7 +22932,8 @@
           <a:p>
             <a:fld id="{63676F4A-993E-4992-BA79-656C4A405A0F}" type="datetimeFigureOut">
               <a:rPr lang="es-ES" smtClean="0"/>
-              <a:t>01/05/2015</a:t>
+              <a:pPr/>
+              <a:t>02/05/2015</a:t>
             </a:fld>
             <a:endParaRPr lang="es-ES"/>
           </a:p>
@@ -22335,6 +22975,7 @@
           <a:p>
             <a:fld id="{A2630FDF-3966-4797-876C-8F429C35D392}" type="slidenum">
               <a:rPr lang="es-ES" smtClean="0"/>
+              <a:pPr/>
               <a:t>‹Nº›</a:t>
             </a:fld>
             <a:endParaRPr lang="es-ES"/>
@@ -22576,7 +23217,8 @@
           <a:p>
             <a:fld id="{63676F4A-993E-4992-BA79-656C4A405A0F}" type="datetimeFigureOut">
               <a:rPr lang="es-ES" smtClean="0"/>
-              <a:t>01/05/2015</a:t>
+              <a:pPr/>
+              <a:t>02/05/2015</a:t>
             </a:fld>
             <a:endParaRPr lang="es-ES"/>
           </a:p>
@@ -22618,6 +23260,7 @@
           <a:p>
             <a:fld id="{A2630FDF-3966-4797-876C-8F429C35D392}" type="slidenum">
               <a:rPr lang="es-ES" smtClean="0"/>
+              <a:pPr/>
               <a:t>‹Nº›</a:t>
             </a:fld>
             <a:endParaRPr lang="es-ES"/>
@@ -22993,7 +23636,8 @@
           <a:p>
             <a:fld id="{63676F4A-993E-4992-BA79-656C4A405A0F}" type="datetimeFigureOut">
               <a:rPr lang="es-ES" smtClean="0"/>
-              <a:t>01/05/2015</a:t>
+              <a:pPr/>
+              <a:t>02/05/2015</a:t>
             </a:fld>
             <a:endParaRPr lang="es-ES"/>
           </a:p>
@@ -23035,6 +23679,7 @@
           <a:p>
             <a:fld id="{A2630FDF-3966-4797-876C-8F429C35D392}" type="slidenum">
               <a:rPr lang="es-ES" smtClean="0"/>
+              <a:pPr/>
               <a:t>‹Nº›</a:t>
             </a:fld>
             <a:endParaRPr lang="es-ES"/>
@@ -23106,7 +23751,8 @@
           <a:p>
             <a:fld id="{63676F4A-993E-4992-BA79-656C4A405A0F}" type="datetimeFigureOut">
               <a:rPr lang="es-ES" smtClean="0"/>
-              <a:t>01/05/2015</a:t>
+              <a:pPr/>
+              <a:t>02/05/2015</a:t>
             </a:fld>
             <a:endParaRPr lang="es-ES"/>
           </a:p>
@@ -23148,6 +23794,7 @@
           <a:p>
             <a:fld id="{A2630FDF-3966-4797-876C-8F429C35D392}" type="slidenum">
               <a:rPr lang="es-ES" smtClean="0"/>
+              <a:pPr/>
               <a:t>‹Nº›</a:t>
             </a:fld>
             <a:endParaRPr lang="es-ES"/>
@@ -23196,7 +23843,8 @@
           <a:p>
             <a:fld id="{63676F4A-993E-4992-BA79-656C4A405A0F}" type="datetimeFigureOut">
               <a:rPr lang="es-ES" smtClean="0"/>
-              <a:t>01/05/2015</a:t>
+              <a:pPr/>
+              <a:t>02/05/2015</a:t>
             </a:fld>
             <a:endParaRPr lang="es-ES"/>
           </a:p>
@@ -23238,6 +23886,7 @@
           <a:p>
             <a:fld id="{A2630FDF-3966-4797-876C-8F429C35D392}" type="slidenum">
               <a:rPr lang="es-ES" smtClean="0"/>
+              <a:pPr/>
               <a:t>‹Nº›</a:t>
             </a:fld>
             <a:endParaRPr lang="es-ES"/>
@@ -23468,7 +24117,8 @@
           <a:p>
             <a:fld id="{63676F4A-993E-4992-BA79-656C4A405A0F}" type="datetimeFigureOut">
               <a:rPr lang="es-ES" smtClean="0"/>
-              <a:t>01/05/2015</a:t>
+              <a:pPr/>
+              <a:t>02/05/2015</a:t>
             </a:fld>
             <a:endParaRPr lang="es-ES"/>
           </a:p>
@@ -23510,6 +24160,7 @@
           <a:p>
             <a:fld id="{A2630FDF-3966-4797-876C-8F429C35D392}" type="slidenum">
               <a:rPr lang="es-ES" smtClean="0"/>
+              <a:pPr/>
               <a:t>‹Nº›</a:t>
             </a:fld>
             <a:endParaRPr lang="es-ES"/>
@@ -23716,7 +24367,8 @@
           <a:p>
             <a:fld id="{63676F4A-993E-4992-BA79-656C4A405A0F}" type="datetimeFigureOut">
               <a:rPr lang="es-ES" smtClean="0"/>
-              <a:t>01/05/2015</a:t>
+              <a:pPr/>
+              <a:t>02/05/2015</a:t>
             </a:fld>
             <a:endParaRPr lang="es-ES"/>
           </a:p>
@@ -23758,6 +24410,7 @@
           <a:p>
             <a:fld id="{A2630FDF-3966-4797-876C-8F429C35D392}" type="slidenum">
               <a:rPr lang="es-ES" smtClean="0"/>
+              <a:pPr/>
               <a:t>‹Nº›</a:t>
             </a:fld>
             <a:endParaRPr lang="es-ES"/>
@@ -23924,7 +24577,8 @@
           <a:p>
             <a:fld id="{63676F4A-993E-4992-BA79-656C4A405A0F}" type="datetimeFigureOut">
               <a:rPr lang="es-ES" smtClean="0"/>
-              <a:t>01/05/2015</a:t>
+              <a:pPr/>
+              <a:t>02/05/2015</a:t>
             </a:fld>
             <a:endParaRPr lang="es-ES"/>
           </a:p>
@@ -24002,6 +24656,7 @@
           <a:p>
             <a:fld id="{A2630FDF-3966-4797-876C-8F429C35D392}" type="slidenum">
               <a:rPr lang="es-ES" smtClean="0"/>
+              <a:pPr/>
               <a:t>‹Nº›</a:t>
             </a:fld>
             <a:endParaRPr lang="es-ES"/>
@@ -24875,6 +25530,3020 @@
 </p:sld>
 </file>
 
+<file path=ppt/slides/slide7.xml><?xml version="1.0" encoding="utf-8"?>
+<p:sld xmlns:a="http://schemas.openxmlformats.org/drawingml/2006/main" xmlns:r="http://schemas.openxmlformats.org/officeDocument/2006/relationships" xmlns:p="http://schemas.openxmlformats.org/presentationml/2006/main">
+  <p:cSld>
+    <p:spTree>
+      <p:nvGrpSpPr>
+        <p:cNvPr id="1" name=""/>
+        <p:cNvGrpSpPr/>
+        <p:nvPr/>
+      </p:nvGrpSpPr>
+      <p:grpSpPr>
+        <a:xfrm>
+          <a:off x="0" y="0"/>
+          <a:ext cx="0" cy="0"/>
+          <a:chOff x="0" y="0"/>
+          <a:chExt cx="0" cy="0"/>
+        </a:xfrm>
+      </p:grpSpPr>
+      <p:grpSp>
+        <p:nvGrpSpPr>
+          <p:cNvPr id="176" name="175 Grupo"/>
+          <p:cNvGrpSpPr/>
+          <p:nvPr/>
+        </p:nvGrpSpPr>
+        <p:grpSpPr>
+          <a:xfrm>
+            <a:off x="251520" y="260648"/>
+            <a:ext cx="8892480" cy="6489104"/>
+            <a:chOff x="251520" y="260648"/>
+            <a:chExt cx="8892480" cy="6489104"/>
+          </a:xfrm>
+        </p:grpSpPr>
+        <p:sp>
+          <p:nvSpPr>
+            <p:cNvPr id="8" name="7 Rectángulo redondeado"/>
+            <p:cNvSpPr/>
+            <p:nvPr/>
+          </p:nvSpPr>
+          <p:spPr>
+            <a:xfrm>
+              <a:off x="251520" y="260648"/>
+              <a:ext cx="2808312" cy="6192688"/>
+            </a:xfrm>
+            <a:prstGeom prst="roundRect">
+              <a:avLst/>
+            </a:prstGeom>
+          </p:spPr>
+          <p:style>
+            <a:lnRef idx="2">
+              <a:schemeClr val="accent1"/>
+            </a:lnRef>
+            <a:fillRef idx="1">
+              <a:schemeClr val="lt1"/>
+            </a:fillRef>
+            <a:effectRef idx="0">
+              <a:schemeClr val="accent1"/>
+            </a:effectRef>
+            <a:fontRef idx="minor">
+              <a:schemeClr val="dk1"/>
+            </a:fontRef>
+          </p:style>
+          <p:txBody>
+            <a:bodyPr rtlCol="0" anchor="t"/>
+            <a:lstStyle/>
+            <a:p>
+              <a:r>
+                <a:rPr lang="es-ES" dirty="0" smtClean="0"/>
+                <a:t>Cliente</a:t>
+              </a:r>
+              <a:endParaRPr lang="es-ES" dirty="0"/>
+            </a:p>
+          </p:txBody>
+        </p:sp>
+        <p:sp>
+          <p:nvSpPr>
+            <p:cNvPr id="9" name="8 Rectángulo redondeado"/>
+            <p:cNvSpPr/>
+            <p:nvPr/>
+          </p:nvSpPr>
+          <p:spPr>
+            <a:xfrm>
+              <a:off x="3563888" y="260648"/>
+              <a:ext cx="3240360" cy="6120680"/>
+            </a:xfrm>
+            <a:prstGeom prst="roundRect">
+              <a:avLst/>
+            </a:prstGeom>
+          </p:spPr>
+          <p:style>
+            <a:lnRef idx="2">
+              <a:schemeClr val="accent1"/>
+            </a:lnRef>
+            <a:fillRef idx="1">
+              <a:schemeClr val="lt1"/>
+            </a:fillRef>
+            <a:effectRef idx="0">
+              <a:schemeClr val="accent1"/>
+            </a:effectRef>
+            <a:fontRef idx="minor">
+              <a:schemeClr val="dk1"/>
+            </a:fontRef>
+          </p:style>
+          <p:txBody>
+            <a:bodyPr rtlCol="0" anchor="t"/>
+            <a:lstStyle/>
+            <a:p>
+              <a:pPr algn="r"/>
+              <a:r>
+                <a:rPr lang="es-ES" dirty="0" smtClean="0"/>
+                <a:t>Servidor</a:t>
+              </a:r>
+              <a:endParaRPr lang="es-ES" dirty="0"/>
+            </a:p>
+          </p:txBody>
+        </p:sp>
+        <p:sp>
+          <p:nvSpPr>
+            <p:cNvPr id="10" name="9 Rectángulo redondeado"/>
+            <p:cNvSpPr/>
+            <p:nvPr/>
+          </p:nvSpPr>
+          <p:spPr>
+            <a:xfrm>
+              <a:off x="827584" y="5805264"/>
+              <a:ext cx="5544616" cy="944488"/>
+            </a:xfrm>
+            <a:prstGeom prst="roundRect">
+              <a:avLst/>
+            </a:prstGeom>
+          </p:spPr>
+          <p:style>
+            <a:lnRef idx="2">
+              <a:schemeClr val="accent1"/>
+            </a:lnRef>
+            <a:fillRef idx="1">
+              <a:schemeClr val="lt1"/>
+            </a:fillRef>
+            <a:effectRef idx="0">
+              <a:schemeClr val="accent1"/>
+            </a:effectRef>
+            <a:fontRef idx="minor">
+              <a:schemeClr val="dk1"/>
+            </a:fontRef>
+          </p:style>
+          <p:txBody>
+            <a:bodyPr rtlCol="0" anchor="t"/>
+            <a:lstStyle/>
+            <a:p>
+              <a:r>
+                <a:rPr lang="es-ES" dirty="0" err="1" smtClean="0"/>
+                <a:t>Shared</a:t>
+              </a:r>
+              <a:endParaRPr lang="es-ES" dirty="0"/>
+            </a:p>
+          </p:txBody>
+        </p:sp>
+        <p:grpSp>
+          <p:nvGrpSpPr>
+            <p:cNvPr id="48" name="47 Grupo"/>
+            <p:cNvGrpSpPr/>
+            <p:nvPr/>
+          </p:nvGrpSpPr>
+          <p:grpSpPr>
+            <a:xfrm>
+              <a:off x="6948264" y="1700808"/>
+              <a:ext cx="2195736" cy="1302839"/>
+              <a:chOff x="6948264" y="1268760"/>
+              <a:chExt cx="2195736" cy="1302839"/>
+            </a:xfrm>
+          </p:grpSpPr>
+          <p:sp>
+            <p:nvSpPr>
+              <p:cNvPr id="11" name="10 Nube"/>
+              <p:cNvSpPr/>
+              <p:nvPr/>
+            </p:nvSpPr>
+            <p:spPr>
+              <a:xfrm>
+                <a:off x="7055768" y="1412776"/>
+                <a:ext cx="2088232" cy="1080120"/>
+              </a:xfrm>
+              <a:prstGeom prst="cloud">
+                <a:avLst/>
+              </a:prstGeom>
+            </p:spPr>
+            <p:style>
+              <a:lnRef idx="2">
+                <a:schemeClr val="accent1"/>
+              </a:lnRef>
+              <a:fillRef idx="1">
+                <a:schemeClr val="lt1"/>
+              </a:fillRef>
+              <a:effectRef idx="0">
+                <a:schemeClr val="accent1"/>
+              </a:effectRef>
+              <a:fontRef idx="minor">
+                <a:schemeClr val="dk1"/>
+              </a:fontRef>
+            </p:style>
+            <p:txBody>
+              <a:bodyPr rtlCol="0" anchor="ctr"/>
+              <a:lstStyle/>
+              <a:p>
+                <a:pPr algn="ctr"/>
+                <a:r>
+                  <a:rPr lang="es-ES" dirty="0" smtClean="0"/>
+                  <a:t>Estaciones</a:t>
+                </a:r>
+                <a:endParaRPr lang="es-ES" dirty="0"/>
+              </a:p>
+            </p:txBody>
+          </p:sp>
+          <p:grpSp>
+            <p:nvGrpSpPr>
+              <p:cNvPr id="12" name="11 Grupo"/>
+              <p:cNvGrpSpPr/>
+              <p:nvPr/>
+            </p:nvGrpSpPr>
+            <p:grpSpPr>
+              <a:xfrm>
+                <a:off x="7380312" y="1268760"/>
+                <a:ext cx="427038" cy="366735"/>
+                <a:chOff x="307975" y="2599672"/>
+                <a:chExt cx="427038" cy="366735"/>
+              </a:xfrm>
+            </p:grpSpPr>
+            <p:sp>
+              <p:nvSpPr>
+                <p:cNvPr id="13" name="Rectangle 23"/>
+                <p:cNvSpPr>
+                  <a:spLocks noChangeArrowheads="1"/>
+                </p:cNvSpPr>
+                <p:nvPr/>
+              </p:nvSpPr>
+              <p:spPr bwMode="auto">
+                <a:xfrm>
+                  <a:off x="371475" y="2599672"/>
+                  <a:ext cx="363538" cy="92816"/>
+                </a:xfrm>
+                <a:prstGeom prst="rect">
+                  <a:avLst/>
+                </a:prstGeom>
+                <a:ln>
+                  <a:headEnd/>
+                  <a:tailEnd/>
+                </a:ln>
+              </p:spPr>
+              <p:style>
+                <a:lnRef idx="2">
+                  <a:schemeClr val="accent1"/>
+                </a:lnRef>
+                <a:fillRef idx="1">
+                  <a:schemeClr val="lt1"/>
+                </a:fillRef>
+                <a:effectRef idx="0">
+                  <a:schemeClr val="accent1"/>
+                </a:effectRef>
+                <a:fontRef idx="minor">
+                  <a:schemeClr val="dk1"/>
+                </a:fontRef>
+              </p:style>
+              <p:txBody>
+                <a:bodyPr wrap="none" anchor="ctr"/>
+                <a:lstStyle/>
+                <a:p>
+                  <a:endParaRPr lang="es-ES_tradnl"/>
+                </a:p>
+              </p:txBody>
+            </p:sp>
+            <p:sp>
+              <p:nvSpPr>
+                <p:cNvPr id="14" name="Line 24"/>
+                <p:cNvSpPr>
+                  <a:spLocks noChangeShapeType="1"/>
+                </p:cNvSpPr>
+                <p:nvPr/>
+              </p:nvSpPr>
+              <p:spPr bwMode="auto">
+                <a:xfrm>
+                  <a:off x="561975" y="2692487"/>
+                  <a:ext cx="0" cy="273920"/>
+                </a:xfrm>
+                <a:prstGeom prst="line">
+                  <a:avLst/>
+                </a:prstGeom>
+                <a:ln>
+                  <a:headEnd/>
+                  <a:tailEnd/>
+                </a:ln>
+              </p:spPr>
+              <p:style>
+                <a:lnRef idx="2">
+                  <a:schemeClr val="accent1"/>
+                </a:lnRef>
+                <a:fillRef idx="1">
+                  <a:schemeClr val="lt1"/>
+                </a:fillRef>
+                <a:effectRef idx="0">
+                  <a:schemeClr val="accent1"/>
+                </a:effectRef>
+                <a:fontRef idx="minor">
+                  <a:schemeClr val="dk1"/>
+                </a:fontRef>
+              </p:style>
+              <p:txBody>
+                <a:bodyPr/>
+                <a:lstStyle/>
+                <a:p>
+                  <a:endParaRPr lang="es-ES_tradnl"/>
+                </a:p>
+              </p:txBody>
+            </p:sp>
+            <p:sp>
+              <p:nvSpPr>
+                <p:cNvPr id="15" name="Rectangle 33"/>
+                <p:cNvSpPr>
+                  <a:spLocks noChangeArrowheads="1"/>
+                </p:cNvSpPr>
+                <p:nvPr/>
+              </p:nvSpPr>
+              <p:spPr bwMode="auto">
+                <a:xfrm>
+                  <a:off x="307975" y="2639288"/>
+                  <a:ext cx="363538" cy="90552"/>
+                </a:xfrm>
+                <a:prstGeom prst="rect">
+                  <a:avLst/>
+                </a:prstGeom>
+                <a:ln>
+                  <a:headEnd/>
+                  <a:tailEnd/>
+                </a:ln>
+              </p:spPr>
+              <p:style>
+                <a:lnRef idx="2">
+                  <a:schemeClr val="accent1"/>
+                </a:lnRef>
+                <a:fillRef idx="1">
+                  <a:schemeClr val="lt1"/>
+                </a:fillRef>
+                <a:effectRef idx="0">
+                  <a:schemeClr val="accent1"/>
+                </a:effectRef>
+                <a:fontRef idx="minor">
+                  <a:schemeClr val="dk1"/>
+                </a:fontRef>
+              </p:style>
+              <p:txBody>
+                <a:bodyPr wrap="none" anchor="ctr"/>
+                <a:lstStyle/>
+                <a:p>
+                  <a:endParaRPr lang="es-ES_tradnl"/>
+                </a:p>
+              </p:txBody>
+            </p:sp>
+            <p:sp>
+              <p:nvSpPr>
+                <p:cNvPr id="16" name="Line 40"/>
+                <p:cNvSpPr>
+                  <a:spLocks noChangeShapeType="1"/>
+                </p:cNvSpPr>
+                <p:nvPr/>
+              </p:nvSpPr>
+              <p:spPr bwMode="auto">
+                <a:xfrm>
+                  <a:off x="452438" y="2806809"/>
+                  <a:ext cx="230188" cy="0"/>
+                </a:xfrm>
+                <a:prstGeom prst="line">
+                  <a:avLst/>
+                </a:prstGeom>
+                <a:ln>
+                  <a:headEnd/>
+                  <a:tailEnd/>
+                </a:ln>
+              </p:spPr>
+              <p:style>
+                <a:lnRef idx="2">
+                  <a:schemeClr val="accent1"/>
+                </a:lnRef>
+                <a:fillRef idx="1">
+                  <a:schemeClr val="lt1"/>
+                </a:fillRef>
+                <a:effectRef idx="0">
+                  <a:schemeClr val="accent1"/>
+                </a:effectRef>
+                <a:fontRef idx="minor">
+                  <a:schemeClr val="dk1"/>
+                </a:fontRef>
+              </p:style>
+              <p:txBody>
+                <a:bodyPr/>
+                <a:lstStyle/>
+                <a:p>
+                  <a:endParaRPr lang="es-ES_tradnl"/>
+                </a:p>
+              </p:txBody>
+            </p:sp>
+            <p:sp>
+              <p:nvSpPr>
+                <p:cNvPr id="17" name="Line 41"/>
+                <p:cNvSpPr>
+                  <a:spLocks noChangeShapeType="1"/>
+                </p:cNvSpPr>
+                <p:nvPr/>
+              </p:nvSpPr>
+              <p:spPr bwMode="auto">
+                <a:xfrm>
+                  <a:off x="452438" y="2849821"/>
+                  <a:ext cx="230188" cy="0"/>
+                </a:xfrm>
+                <a:prstGeom prst="line">
+                  <a:avLst/>
+                </a:prstGeom>
+                <a:ln>
+                  <a:headEnd/>
+                  <a:tailEnd/>
+                </a:ln>
+              </p:spPr>
+              <p:style>
+                <a:lnRef idx="2">
+                  <a:schemeClr val="accent1"/>
+                </a:lnRef>
+                <a:fillRef idx="1">
+                  <a:schemeClr val="lt1"/>
+                </a:fillRef>
+                <a:effectRef idx="0">
+                  <a:schemeClr val="accent1"/>
+                </a:effectRef>
+                <a:fontRef idx="minor">
+                  <a:schemeClr val="dk1"/>
+                </a:fontRef>
+              </p:style>
+              <p:txBody>
+                <a:bodyPr/>
+                <a:lstStyle/>
+                <a:p>
+                  <a:endParaRPr lang="es-ES_tradnl"/>
+                </a:p>
+              </p:txBody>
+            </p:sp>
+          </p:grpSp>
+          <p:grpSp>
+            <p:nvGrpSpPr>
+              <p:cNvPr id="18" name="17 Grupo"/>
+              <p:cNvGrpSpPr/>
+              <p:nvPr/>
+            </p:nvGrpSpPr>
+            <p:grpSpPr>
+              <a:xfrm>
+                <a:off x="8460432" y="1340768"/>
+                <a:ext cx="427038" cy="366735"/>
+                <a:chOff x="307975" y="2599672"/>
+                <a:chExt cx="427038" cy="366735"/>
+              </a:xfrm>
+            </p:grpSpPr>
+            <p:sp>
+              <p:nvSpPr>
+                <p:cNvPr id="19" name="Rectangle 23"/>
+                <p:cNvSpPr>
+                  <a:spLocks noChangeArrowheads="1"/>
+                </p:cNvSpPr>
+                <p:nvPr/>
+              </p:nvSpPr>
+              <p:spPr bwMode="auto">
+                <a:xfrm>
+                  <a:off x="371475" y="2599672"/>
+                  <a:ext cx="363538" cy="92816"/>
+                </a:xfrm>
+                <a:prstGeom prst="rect">
+                  <a:avLst/>
+                </a:prstGeom>
+                <a:ln>
+                  <a:headEnd/>
+                  <a:tailEnd/>
+                </a:ln>
+              </p:spPr>
+              <p:style>
+                <a:lnRef idx="2">
+                  <a:schemeClr val="accent1"/>
+                </a:lnRef>
+                <a:fillRef idx="1">
+                  <a:schemeClr val="lt1"/>
+                </a:fillRef>
+                <a:effectRef idx="0">
+                  <a:schemeClr val="accent1"/>
+                </a:effectRef>
+                <a:fontRef idx="minor">
+                  <a:schemeClr val="dk1"/>
+                </a:fontRef>
+              </p:style>
+              <p:txBody>
+                <a:bodyPr wrap="none" anchor="ctr"/>
+                <a:lstStyle/>
+                <a:p>
+                  <a:endParaRPr lang="es-ES_tradnl"/>
+                </a:p>
+              </p:txBody>
+            </p:sp>
+            <p:sp>
+              <p:nvSpPr>
+                <p:cNvPr id="20" name="Line 24"/>
+                <p:cNvSpPr>
+                  <a:spLocks noChangeShapeType="1"/>
+                </p:cNvSpPr>
+                <p:nvPr/>
+              </p:nvSpPr>
+              <p:spPr bwMode="auto">
+                <a:xfrm>
+                  <a:off x="561975" y="2692487"/>
+                  <a:ext cx="0" cy="273920"/>
+                </a:xfrm>
+                <a:prstGeom prst="line">
+                  <a:avLst/>
+                </a:prstGeom>
+                <a:ln>
+                  <a:headEnd/>
+                  <a:tailEnd/>
+                </a:ln>
+              </p:spPr>
+              <p:style>
+                <a:lnRef idx="2">
+                  <a:schemeClr val="accent1"/>
+                </a:lnRef>
+                <a:fillRef idx="1">
+                  <a:schemeClr val="lt1"/>
+                </a:fillRef>
+                <a:effectRef idx="0">
+                  <a:schemeClr val="accent1"/>
+                </a:effectRef>
+                <a:fontRef idx="minor">
+                  <a:schemeClr val="dk1"/>
+                </a:fontRef>
+              </p:style>
+              <p:txBody>
+                <a:bodyPr/>
+                <a:lstStyle/>
+                <a:p>
+                  <a:endParaRPr lang="es-ES_tradnl"/>
+                </a:p>
+              </p:txBody>
+            </p:sp>
+            <p:sp>
+              <p:nvSpPr>
+                <p:cNvPr id="21" name="Rectangle 33"/>
+                <p:cNvSpPr>
+                  <a:spLocks noChangeArrowheads="1"/>
+                </p:cNvSpPr>
+                <p:nvPr/>
+              </p:nvSpPr>
+              <p:spPr bwMode="auto">
+                <a:xfrm>
+                  <a:off x="307975" y="2639288"/>
+                  <a:ext cx="363538" cy="90552"/>
+                </a:xfrm>
+                <a:prstGeom prst="rect">
+                  <a:avLst/>
+                </a:prstGeom>
+                <a:ln>
+                  <a:headEnd/>
+                  <a:tailEnd/>
+                </a:ln>
+              </p:spPr>
+              <p:style>
+                <a:lnRef idx="2">
+                  <a:schemeClr val="accent1"/>
+                </a:lnRef>
+                <a:fillRef idx="1">
+                  <a:schemeClr val="lt1"/>
+                </a:fillRef>
+                <a:effectRef idx="0">
+                  <a:schemeClr val="accent1"/>
+                </a:effectRef>
+                <a:fontRef idx="minor">
+                  <a:schemeClr val="dk1"/>
+                </a:fontRef>
+              </p:style>
+              <p:txBody>
+                <a:bodyPr wrap="none" anchor="ctr"/>
+                <a:lstStyle/>
+                <a:p>
+                  <a:endParaRPr lang="es-ES_tradnl"/>
+                </a:p>
+              </p:txBody>
+            </p:sp>
+            <p:sp>
+              <p:nvSpPr>
+                <p:cNvPr id="22" name="Line 40"/>
+                <p:cNvSpPr>
+                  <a:spLocks noChangeShapeType="1"/>
+                </p:cNvSpPr>
+                <p:nvPr/>
+              </p:nvSpPr>
+              <p:spPr bwMode="auto">
+                <a:xfrm>
+                  <a:off x="452438" y="2806809"/>
+                  <a:ext cx="230188" cy="0"/>
+                </a:xfrm>
+                <a:prstGeom prst="line">
+                  <a:avLst/>
+                </a:prstGeom>
+                <a:ln>
+                  <a:headEnd/>
+                  <a:tailEnd/>
+                </a:ln>
+              </p:spPr>
+              <p:style>
+                <a:lnRef idx="2">
+                  <a:schemeClr val="accent1"/>
+                </a:lnRef>
+                <a:fillRef idx="1">
+                  <a:schemeClr val="lt1"/>
+                </a:fillRef>
+                <a:effectRef idx="0">
+                  <a:schemeClr val="accent1"/>
+                </a:effectRef>
+                <a:fontRef idx="minor">
+                  <a:schemeClr val="dk1"/>
+                </a:fontRef>
+              </p:style>
+              <p:txBody>
+                <a:bodyPr/>
+                <a:lstStyle/>
+                <a:p>
+                  <a:endParaRPr lang="es-ES_tradnl"/>
+                </a:p>
+              </p:txBody>
+            </p:sp>
+            <p:sp>
+              <p:nvSpPr>
+                <p:cNvPr id="23" name="Line 41"/>
+                <p:cNvSpPr>
+                  <a:spLocks noChangeShapeType="1"/>
+                </p:cNvSpPr>
+                <p:nvPr/>
+              </p:nvSpPr>
+              <p:spPr bwMode="auto">
+                <a:xfrm>
+                  <a:off x="452438" y="2849821"/>
+                  <a:ext cx="230188" cy="0"/>
+                </a:xfrm>
+                <a:prstGeom prst="line">
+                  <a:avLst/>
+                </a:prstGeom>
+                <a:ln>
+                  <a:headEnd/>
+                  <a:tailEnd/>
+                </a:ln>
+              </p:spPr>
+              <p:style>
+                <a:lnRef idx="2">
+                  <a:schemeClr val="accent1"/>
+                </a:lnRef>
+                <a:fillRef idx="1">
+                  <a:schemeClr val="lt1"/>
+                </a:fillRef>
+                <a:effectRef idx="0">
+                  <a:schemeClr val="accent1"/>
+                </a:effectRef>
+                <a:fontRef idx="minor">
+                  <a:schemeClr val="dk1"/>
+                </a:fontRef>
+              </p:style>
+              <p:txBody>
+                <a:bodyPr/>
+                <a:lstStyle/>
+                <a:p>
+                  <a:endParaRPr lang="es-ES_tradnl"/>
+                </a:p>
+              </p:txBody>
+            </p:sp>
+          </p:grpSp>
+          <p:grpSp>
+            <p:nvGrpSpPr>
+              <p:cNvPr id="24" name="23 Grupo"/>
+              <p:cNvGrpSpPr/>
+              <p:nvPr/>
+            </p:nvGrpSpPr>
+            <p:grpSpPr>
+              <a:xfrm>
+                <a:off x="7452320" y="2204864"/>
+                <a:ext cx="427038" cy="366735"/>
+                <a:chOff x="307975" y="2599672"/>
+                <a:chExt cx="427038" cy="366735"/>
+              </a:xfrm>
+            </p:grpSpPr>
+            <p:sp>
+              <p:nvSpPr>
+                <p:cNvPr id="25" name="Rectangle 23"/>
+                <p:cNvSpPr>
+                  <a:spLocks noChangeArrowheads="1"/>
+                </p:cNvSpPr>
+                <p:nvPr/>
+              </p:nvSpPr>
+              <p:spPr bwMode="auto">
+                <a:xfrm>
+                  <a:off x="371475" y="2599672"/>
+                  <a:ext cx="363538" cy="92816"/>
+                </a:xfrm>
+                <a:prstGeom prst="rect">
+                  <a:avLst/>
+                </a:prstGeom>
+                <a:ln>
+                  <a:headEnd/>
+                  <a:tailEnd/>
+                </a:ln>
+              </p:spPr>
+              <p:style>
+                <a:lnRef idx="2">
+                  <a:schemeClr val="accent1"/>
+                </a:lnRef>
+                <a:fillRef idx="1">
+                  <a:schemeClr val="lt1"/>
+                </a:fillRef>
+                <a:effectRef idx="0">
+                  <a:schemeClr val="accent1"/>
+                </a:effectRef>
+                <a:fontRef idx="minor">
+                  <a:schemeClr val="dk1"/>
+                </a:fontRef>
+              </p:style>
+              <p:txBody>
+                <a:bodyPr wrap="none" anchor="ctr"/>
+                <a:lstStyle/>
+                <a:p>
+                  <a:endParaRPr lang="es-ES_tradnl"/>
+                </a:p>
+              </p:txBody>
+            </p:sp>
+            <p:sp>
+              <p:nvSpPr>
+                <p:cNvPr id="26" name="Line 24"/>
+                <p:cNvSpPr>
+                  <a:spLocks noChangeShapeType="1"/>
+                </p:cNvSpPr>
+                <p:nvPr/>
+              </p:nvSpPr>
+              <p:spPr bwMode="auto">
+                <a:xfrm>
+                  <a:off x="561975" y="2692487"/>
+                  <a:ext cx="0" cy="273920"/>
+                </a:xfrm>
+                <a:prstGeom prst="line">
+                  <a:avLst/>
+                </a:prstGeom>
+                <a:ln>
+                  <a:headEnd/>
+                  <a:tailEnd/>
+                </a:ln>
+              </p:spPr>
+              <p:style>
+                <a:lnRef idx="2">
+                  <a:schemeClr val="accent1"/>
+                </a:lnRef>
+                <a:fillRef idx="1">
+                  <a:schemeClr val="lt1"/>
+                </a:fillRef>
+                <a:effectRef idx="0">
+                  <a:schemeClr val="accent1"/>
+                </a:effectRef>
+                <a:fontRef idx="minor">
+                  <a:schemeClr val="dk1"/>
+                </a:fontRef>
+              </p:style>
+              <p:txBody>
+                <a:bodyPr/>
+                <a:lstStyle/>
+                <a:p>
+                  <a:endParaRPr lang="es-ES_tradnl"/>
+                </a:p>
+              </p:txBody>
+            </p:sp>
+            <p:sp>
+              <p:nvSpPr>
+                <p:cNvPr id="27" name="Rectangle 33"/>
+                <p:cNvSpPr>
+                  <a:spLocks noChangeArrowheads="1"/>
+                </p:cNvSpPr>
+                <p:nvPr/>
+              </p:nvSpPr>
+              <p:spPr bwMode="auto">
+                <a:xfrm>
+                  <a:off x="307975" y="2639288"/>
+                  <a:ext cx="363538" cy="90552"/>
+                </a:xfrm>
+                <a:prstGeom prst="rect">
+                  <a:avLst/>
+                </a:prstGeom>
+                <a:ln>
+                  <a:headEnd/>
+                  <a:tailEnd/>
+                </a:ln>
+              </p:spPr>
+              <p:style>
+                <a:lnRef idx="2">
+                  <a:schemeClr val="accent1"/>
+                </a:lnRef>
+                <a:fillRef idx="1">
+                  <a:schemeClr val="lt1"/>
+                </a:fillRef>
+                <a:effectRef idx="0">
+                  <a:schemeClr val="accent1"/>
+                </a:effectRef>
+                <a:fontRef idx="minor">
+                  <a:schemeClr val="dk1"/>
+                </a:fontRef>
+              </p:style>
+              <p:txBody>
+                <a:bodyPr wrap="none" anchor="ctr"/>
+                <a:lstStyle/>
+                <a:p>
+                  <a:endParaRPr lang="es-ES_tradnl"/>
+                </a:p>
+              </p:txBody>
+            </p:sp>
+            <p:sp>
+              <p:nvSpPr>
+                <p:cNvPr id="28" name="Line 40"/>
+                <p:cNvSpPr>
+                  <a:spLocks noChangeShapeType="1"/>
+                </p:cNvSpPr>
+                <p:nvPr/>
+              </p:nvSpPr>
+              <p:spPr bwMode="auto">
+                <a:xfrm>
+                  <a:off x="452438" y="2806809"/>
+                  <a:ext cx="230188" cy="0"/>
+                </a:xfrm>
+                <a:prstGeom prst="line">
+                  <a:avLst/>
+                </a:prstGeom>
+                <a:ln>
+                  <a:headEnd/>
+                  <a:tailEnd/>
+                </a:ln>
+              </p:spPr>
+              <p:style>
+                <a:lnRef idx="2">
+                  <a:schemeClr val="accent1"/>
+                </a:lnRef>
+                <a:fillRef idx="1">
+                  <a:schemeClr val="lt1"/>
+                </a:fillRef>
+                <a:effectRef idx="0">
+                  <a:schemeClr val="accent1"/>
+                </a:effectRef>
+                <a:fontRef idx="minor">
+                  <a:schemeClr val="dk1"/>
+                </a:fontRef>
+              </p:style>
+              <p:txBody>
+                <a:bodyPr/>
+                <a:lstStyle/>
+                <a:p>
+                  <a:endParaRPr lang="es-ES_tradnl"/>
+                </a:p>
+              </p:txBody>
+            </p:sp>
+            <p:sp>
+              <p:nvSpPr>
+                <p:cNvPr id="29" name="Line 41"/>
+                <p:cNvSpPr>
+                  <a:spLocks noChangeShapeType="1"/>
+                </p:cNvSpPr>
+                <p:nvPr/>
+              </p:nvSpPr>
+              <p:spPr bwMode="auto">
+                <a:xfrm>
+                  <a:off x="452438" y="2849821"/>
+                  <a:ext cx="230188" cy="0"/>
+                </a:xfrm>
+                <a:prstGeom prst="line">
+                  <a:avLst/>
+                </a:prstGeom>
+                <a:ln>
+                  <a:headEnd/>
+                  <a:tailEnd/>
+                </a:ln>
+              </p:spPr>
+              <p:style>
+                <a:lnRef idx="2">
+                  <a:schemeClr val="accent1"/>
+                </a:lnRef>
+                <a:fillRef idx="1">
+                  <a:schemeClr val="lt1"/>
+                </a:fillRef>
+                <a:effectRef idx="0">
+                  <a:schemeClr val="accent1"/>
+                </a:effectRef>
+                <a:fontRef idx="minor">
+                  <a:schemeClr val="dk1"/>
+                </a:fontRef>
+              </p:style>
+              <p:txBody>
+                <a:bodyPr/>
+                <a:lstStyle/>
+                <a:p>
+                  <a:endParaRPr lang="es-ES_tradnl"/>
+                </a:p>
+              </p:txBody>
+            </p:sp>
+          </p:grpSp>
+          <p:grpSp>
+            <p:nvGrpSpPr>
+              <p:cNvPr id="30" name="29 Grupo"/>
+              <p:cNvGrpSpPr/>
+              <p:nvPr/>
+            </p:nvGrpSpPr>
+            <p:grpSpPr>
+              <a:xfrm>
+                <a:off x="8316416" y="2132856"/>
+                <a:ext cx="427038" cy="366735"/>
+                <a:chOff x="307975" y="2599672"/>
+                <a:chExt cx="427038" cy="366735"/>
+              </a:xfrm>
+            </p:grpSpPr>
+            <p:sp>
+              <p:nvSpPr>
+                <p:cNvPr id="31" name="Rectangle 23"/>
+                <p:cNvSpPr>
+                  <a:spLocks noChangeArrowheads="1"/>
+                </p:cNvSpPr>
+                <p:nvPr/>
+              </p:nvSpPr>
+              <p:spPr bwMode="auto">
+                <a:xfrm>
+                  <a:off x="371475" y="2599672"/>
+                  <a:ext cx="363538" cy="92816"/>
+                </a:xfrm>
+                <a:prstGeom prst="rect">
+                  <a:avLst/>
+                </a:prstGeom>
+                <a:ln>
+                  <a:headEnd/>
+                  <a:tailEnd/>
+                </a:ln>
+              </p:spPr>
+              <p:style>
+                <a:lnRef idx="2">
+                  <a:schemeClr val="accent1"/>
+                </a:lnRef>
+                <a:fillRef idx="1">
+                  <a:schemeClr val="lt1"/>
+                </a:fillRef>
+                <a:effectRef idx="0">
+                  <a:schemeClr val="accent1"/>
+                </a:effectRef>
+                <a:fontRef idx="minor">
+                  <a:schemeClr val="dk1"/>
+                </a:fontRef>
+              </p:style>
+              <p:txBody>
+                <a:bodyPr wrap="none" anchor="ctr"/>
+                <a:lstStyle/>
+                <a:p>
+                  <a:endParaRPr lang="es-ES_tradnl"/>
+                </a:p>
+              </p:txBody>
+            </p:sp>
+            <p:sp>
+              <p:nvSpPr>
+                <p:cNvPr id="32" name="Line 24"/>
+                <p:cNvSpPr>
+                  <a:spLocks noChangeShapeType="1"/>
+                </p:cNvSpPr>
+                <p:nvPr/>
+              </p:nvSpPr>
+              <p:spPr bwMode="auto">
+                <a:xfrm>
+                  <a:off x="561975" y="2692487"/>
+                  <a:ext cx="0" cy="273920"/>
+                </a:xfrm>
+                <a:prstGeom prst="line">
+                  <a:avLst/>
+                </a:prstGeom>
+                <a:ln>
+                  <a:headEnd/>
+                  <a:tailEnd/>
+                </a:ln>
+              </p:spPr>
+              <p:style>
+                <a:lnRef idx="2">
+                  <a:schemeClr val="accent1"/>
+                </a:lnRef>
+                <a:fillRef idx="1">
+                  <a:schemeClr val="lt1"/>
+                </a:fillRef>
+                <a:effectRef idx="0">
+                  <a:schemeClr val="accent1"/>
+                </a:effectRef>
+                <a:fontRef idx="minor">
+                  <a:schemeClr val="dk1"/>
+                </a:fontRef>
+              </p:style>
+              <p:txBody>
+                <a:bodyPr/>
+                <a:lstStyle/>
+                <a:p>
+                  <a:endParaRPr lang="es-ES_tradnl"/>
+                </a:p>
+              </p:txBody>
+            </p:sp>
+            <p:sp>
+              <p:nvSpPr>
+                <p:cNvPr id="33" name="Rectangle 33"/>
+                <p:cNvSpPr>
+                  <a:spLocks noChangeArrowheads="1"/>
+                </p:cNvSpPr>
+                <p:nvPr/>
+              </p:nvSpPr>
+              <p:spPr bwMode="auto">
+                <a:xfrm>
+                  <a:off x="307975" y="2639288"/>
+                  <a:ext cx="363538" cy="90552"/>
+                </a:xfrm>
+                <a:prstGeom prst="rect">
+                  <a:avLst/>
+                </a:prstGeom>
+                <a:ln>
+                  <a:headEnd/>
+                  <a:tailEnd/>
+                </a:ln>
+              </p:spPr>
+              <p:style>
+                <a:lnRef idx="2">
+                  <a:schemeClr val="accent1"/>
+                </a:lnRef>
+                <a:fillRef idx="1">
+                  <a:schemeClr val="lt1"/>
+                </a:fillRef>
+                <a:effectRef idx="0">
+                  <a:schemeClr val="accent1"/>
+                </a:effectRef>
+                <a:fontRef idx="minor">
+                  <a:schemeClr val="dk1"/>
+                </a:fontRef>
+              </p:style>
+              <p:txBody>
+                <a:bodyPr wrap="none" anchor="ctr"/>
+                <a:lstStyle/>
+                <a:p>
+                  <a:endParaRPr lang="es-ES_tradnl"/>
+                </a:p>
+              </p:txBody>
+            </p:sp>
+            <p:sp>
+              <p:nvSpPr>
+                <p:cNvPr id="34" name="Line 40"/>
+                <p:cNvSpPr>
+                  <a:spLocks noChangeShapeType="1"/>
+                </p:cNvSpPr>
+                <p:nvPr/>
+              </p:nvSpPr>
+              <p:spPr bwMode="auto">
+                <a:xfrm>
+                  <a:off x="452438" y="2806809"/>
+                  <a:ext cx="230188" cy="0"/>
+                </a:xfrm>
+                <a:prstGeom prst="line">
+                  <a:avLst/>
+                </a:prstGeom>
+                <a:ln>
+                  <a:headEnd/>
+                  <a:tailEnd/>
+                </a:ln>
+              </p:spPr>
+              <p:style>
+                <a:lnRef idx="2">
+                  <a:schemeClr val="accent1"/>
+                </a:lnRef>
+                <a:fillRef idx="1">
+                  <a:schemeClr val="lt1"/>
+                </a:fillRef>
+                <a:effectRef idx="0">
+                  <a:schemeClr val="accent1"/>
+                </a:effectRef>
+                <a:fontRef idx="minor">
+                  <a:schemeClr val="dk1"/>
+                </a:fontRef>
+              </p:style>
+              <p:txBody>
+                <a:bodyPr/>
+                <a:lstStyle/>
+                <a:p>
+                  <a:endParaRPr lang="es-ES_tradnl"/>
+                </a:p>
+              </p:txBody>
+            </p:sp>
+            <p:sp>
+              <p:nvSpPr>
+                <p:cNvPr id="35" name="Line 41"/>
+                <p:cNvSpPr>
+                  <a:spLocks noChangeShapeType="1"/>
+                </p:cNvSpPr>
+                <p:nvPr/>
+              </p:nvSpPr>
+              <p:spPr bwMode="auto">
+                <a:xfrm>
+                  <a:off x="452438" y="2849821"/>
+                  <a:ext cx="230188" cy="0"/>
+                </a:xfrm>
+                <a:prstGeom prst="line">
+                  <a:avLst/>
+                </a:prstGeom>
+                <a:ln>
+                  <a:headEnd/>
+                  <a:tailEnd/>
+                </a:ln>
+              </p:spPr>
+              <p:style>
+                <a:lnRef idx="2">
+                  <a:schemeClr val="accent1"/>
+                </a:lnRef>
+                <a:fillRef idx="1">
+                  <a:schemeClr val="lt1"/>
+                </a:fillRef>
+                <a:effectRef idx="0">
+                  <a:schemeClr val="accent1"/>
+                </a:effectRef>
+                <a:fontRef idx="minor">
+                  <a:schemeClr val="dk1"/>
+                </a:fontRef>
+              </p:style>
+              <p:txBody>
+                <a:bodyPr/>
+                <a:lstStyle/>
+                <a:p>
+                  <a:endParaRPr lang="es-ES_tradnl"/>
+                </a:p>
+              </p:txBody>
+            </p:sp>
+          </p:grpSp>
+          <p:grpSp>
+            <p:nvGrpSpPr>
+              <p:cNvPr id="36" name="35 Grupo"/>
+              <p:cNvGrpSpPr/>
+              <p:nvPr/>
+            </p:nvGrpSpPr>
+            <p:grpSpPr>
+              <a:xfrm>
+                <a:off x="8028384" y="1412776"/>
+                <a:ext cx="427038" cy="366735"/>
+                <a:chOff x="307975" y="2599672"/>
+                <a:chExt cx="427038" cy="366735"/>
+              </a:xfrm>
+            </p:grpSpPr>
+            <p:sp>
+              <p:nvSpPr>
+                <p:cNvPr id="37" name="Rectangle 23"/>
+                <p:cNvSpPr>
+                  <a:spLocks noChangeArrowheads="1"/>
+                </p:cNvSpPr>
+                <p:nvPr/>
+              </p:nvSpPr>
+              <p:spPr bwMode="auto">
+                <a:xfrm>
+                  <a:off x="371475" y="2599672"/>
+                  <a:ext cx="363538" cy="92816"/>
+                </a:xfrm>
+                <a:prstGeom prst="rect">
+                  <a:avLst/>
+                </a:prstGeom>
+                <a:ln>
+                  <a:headEnd/>
+                  <a:tailEnd/>
+                </a:ln>
+              </p:spPr>
+              <p:style>
+                <a:lnRef idx="2">
+                  <a:schemeClr val="accent1"/>
+                </a:lnRef>
+                <a:fillRef idx="1">
+                  <a:schemeClr val="lt1"/>
+                </a:fillRef>
+                <a:effectRef idx="0">
+                  <a:schemeClr val="accent1"/>
+                </a:effectRef>
+                <a:fontRef idx="minor">
+                  <a:schemeClr val="dk1"/>
+                </a:fontRef>
+              </p:style>
+              <p:txBody>
+                <a:bodyPr wrap="none" anchor="ctr"/>
+                <a:lstStyle/>
+                <a:p>
+                  <a:endParaRPr lang="es-ES_tradnl"/>
+                </a:p>
+              </p:txBody>
+            </p:sp>
+            <p:sp>
+              <p:nvSpPr>
+                <p:cNvPr id="38" name="Line 24"/>
+                <p:cNvSpPr>
+                  <a:spLocks noChangeShapeType="1"/>
+                </p:cNvSpPr>
+                <p:nvPr/>
+              </p:nvSpPr>
+              <p:spPr bwMode="auto">
+                <a:xfrm>
+                  <a:off x="561975" y="2692487"/>
+                  <a:ext cx="0" cy="273920"/>
+                </a:xfrm>
+                <a:prstGeom prst="line">
+                  <a:avLst/>
+                </a:prstGeom>
+                <a:ln>
+                  <a:headEnd/>
+                  <a:tailEnd/>
+                </a:ln>
+              </p:spPr>
+              <p:style>
+                <a:lnRef idx="2">
+                  <a:schemeClr val="accent1"/>
+                </a:lnRef>
+                <a:fillRef idx="1">
+                  <a:schemeClr val="lt1"/>
+                </a:fillRef>
+                <a:effectRef idx="0">
+                  <a:schemeClr val="accent1"/>
+                </a:effectRef>
+                <a:fontRef idx="minor">
+                  <a:schemeClr val="dk1"/>
+                </a:fontRef>
+              </p:style>
+              <p:txBody>
+                <a:bodyPr/>
+                <a:lstStyle/>
+                <a:p>
+                  <a:endParaRPr lang="es-ES_tradnl"/>
+                </a:p>
+              </p:txBody>
+            </p:sp>
+            <p:sp>
+              <p:nvSpPr>
+                <p:cNvPr id="39" name="Rectangle 33"/>
+                <p:cNvSpPr>
+                  <a:spLocks noChangeArrowheads="1"/>
+                </p:cNvSpPr>
+                <p:nvPr/>
+              </p:nvSpPr>
+              <p:spPr bwMode="auto">
+                <a:xfrm>
+                  <a:off x="307975" y="2639288"/>
+                  <a:ext cx="363538" cy="90552"/>
+                </a:xfrm>
+                <a:prstGeom prst="rect">
+                  <a:avLst/>
+                </a:prstGeom>
+                <a:ln>
+                  <a:headEnd/>
+                  <a:tailEnd/>
+                </a:ln>
+              </p:spPr>
+              <p:style>
+                <a:lnRef idx="2">
+                  <a:schemeClr val="accent1"/>
+                </a:lnRef>
+                <a:fillRef idx="1">
+                  <a:schemeClr val="lt1"/>
+                </a:fillRef>
+                <a:effectRef idx="0">
+                  <a:schemeClr val="accent1"/>
+                </a:effectRef>
+                <a:fontRef idx="minor">
+                  <a:schemeClr val="dk1"/>
+                </a:fontRef>
+              </p:style>
+              <p:txBody>
+                <a:bodyPr wrap="none" anchor="ctr"/>
+                <a:lstStyle/>
+                <a:p>
+                  <a:endParaRPr lang="es-ES_tradnl"/>
+                </a:p>
+              </p:txBody>
+            </p:sp>
+            <p:sp>
+              <p:nvSpPr>
+                <p:cNvPr id="40" name="Line 40"/>
+                <p:cNvSpPr>
+                  <a:spLocks noChangeShapeType="1"/>
+                </p:cNvSpPr>
+                <p:nvPr/>
+              </p:nvSpPr>
+              <p:spPr bwMode="auto">
+                <a:xfrm>
+                  <a:off x="452438" y="2806809"/>
+                  <a:ext cx="230188" cy="0"/>
+                </a:xfrm>
+                <a:prstGeom prst="line">
+                  <a:avLst/>
+                </a:prstGeom>
+                <a:ln>
+                  <a:headEnd/>
+                  <a:tailEnd/>
+                </a:ln>
+              </p:spPr>
+              <p:style>
+                <a:lnRef idx="2">
+                  <a:schemeClr val="accent1"/>
+                </a:lnRef>
+                <a:fillRef idx="1">
+                  <a:schemeClr val="lt1"/>
+                </a:fillRef>
+                <a:effectRef idx="0">
+                  <a:schemeClr val="accent1"/>
+                </a:effectRef>
+                <a:fontRef idx="minor">
+                  <a:schemeClr val="dk1"/>
+                </a:fontRef>
+              </p:style>
+              <p:txBody>
+                <a:bodyPr/>
+                <a:lstStyle/>
+                <a:p>
+                  <a:endParaRPr lang="es-ES_tradnl"/>
+                </a:p>
+              </p:txBody>
+            </p:sp>
+            <p:sp>
+              <p:nvSpPr>
+                <p:cNvPr id="41" name="Line 41"/>
+                <p:cNvSpPr>
+                  <a:spLocks noChangeShapeType="1"/>
+                </p:cNvSpPr>
+                <p:nvPr/>
+              </p:nvSpPr>
+              <p:spPr bwMode="auto">
+                <a:xfrm>
+                  <a:off x="452438" y="2849821"/>
+                  <a:ext cx="230188" cy="0"/>
+                </a:xfrm>
+                <a:prstGeom prst="line">
+                  <a:avLst/>
+                </a:prstGeom>
+                <a:ln>
+                  <a:headEnd/>
+                  <a:tailEnd/>
+                </a:ln>
+              </p:spPr>
+              <p:style>
+                <a:lnRef idx="2">
+                  <a:schemeClr val="accent1"/>
+                </a:lnRef>
+                <a:fillRef idx="1">
+                  <a:schemeClr val="lt1"/>
+                </a:fillRef>
+                <a:effectRef idx="0">
+                  <a:schemeClr val="accent1"/>
+                </a:effectRef>
+                <a:fontRef idx="minor">
+                  <a:schemeClr val="dk1"/>
+                </a:fontRef>
+              </p:style>
+              <p:txBody>
+                <a:bodyPr/>
+                <a:lstStyle/>
+                <a:p>
+                  <a:endParaRPr lang="es-ES_tradnl"/>
+                </a:p>
+              </p:txBody>
+            </p:sp>
+          </p:grpSp>
+          <p:grpSp>
+            <p:nvGrpSpPr>
+              <p:cNvPr id="42" name="41 Grupo"/>
+              <p:cNvGrpSpPr/>
+              <p:nvPr/>
+            </p:nvGrpSpPr>
+            <p:grpSpPr>
+              <a:xfrm>
+                <a:off x="6948264" y="1700808"/>
+                <a:ext cx="427038" cy="366735"/>
+                <a:chOff x="307975" y="2599672"/>
+                <a:chExt cx="427038" cy="366735"/>
+              </a:xfrm>
+            </p:grpSpPr>
+            <p:sp>
+              <p:nvSpPr>
+                <p:cNvPr id="43" name="Rectangle 23"/>
+                <p:cNvSpPr>
+                  <a:spLocks noChangeArrowheads="1"/>
+                </p:cNvSpPr>
+                <p:nvPr/>
+              </p:nvSpPr>
+              <p:spPr bwMode="auto">
+                <a:xfrm>
+                  <a:off x="371475" y="2599672"/>
+                  <a:ext cx="363538" cy="92816"/>
+                </a:xfrm>
+                <a:prstGeom prst="rect">
+                  <a:avLst/>
+                </a:prstGeom>
+                <a:ln>
+                  <a:headEnd/>
+                  <a:tailEnd/>
+                </a:ln>
+              </p:spPr>
+              <p:style>
+                <a:lnRef idx="2">
+                  <a:schemeClr val="accent1"/>
+                </a:lnRef>
+                <a:fillRef idx="1">
+                  <a:schemeClr val="lt1"/>
+                </a:fillRef>
+                <a:effectRef idx="0">
+                  <a:schemeClr val="accent1"/>
+                </a:effectRef>
+                <a:fontRef idx="minor">
+                  <a:schemeClr val="dk1"/>
+                </a:fontRef>
+              </p:style>
+              <p:txBody>
+                <a:bodyPr wrap="none" anchor="ctr"/>
+                <a:lstStyle/>
+                <a:p>
+                  <a:endParaRPr lang="es-ES_tradnl"/>
+                </a:p>
+              </p:txBody>
+            </p:sp>
+            <p:sp>
+              <p:nvSpPr>
+                <p:cNvPr id="44" name="Line 24"/>
+                <p:cNvSpPr>
+                  <a:spLocks noChangeShapeType="1"/>
+                </p:cNvSpPr>
+                <p:nvPr/>
+              </p:nvSpPr>
+              <p:spPr bwMode="auto">
+                <a:xfrm>
+                  <a:off x="561975" y="2692487"/>
+                  <a:ext cx="0" cy="273920"/>
+                </a:xfrm>
+                <a:prstGeom prst="line">
+                  <a:avLst/>
+                </a:prstGeom>
+                <a:ln>
+                  <a:headEnd/>
+                  <a:tailEnd/>
+                </a:ln>
+              </p:spPr>
+              <p:style>
+                <a:lnRef idx="2">
+                  <a:schemeClr val="accent1"/>
+                </a:lnRef>
+                <a:fillRef idx="1">
+                  <a:schemeClr val="lt1"/>
+                </a:fillRef>
+                <a:effectRef idx="0">
+                  <a:schemeClr val="accent1"/>
+                </a:effectRef>
+                <a:fontRef idx="minor">
+                  <a:schemeClr val="dk1"/>
+                </a:fontRef>
+              </p:style>
+              <p:txBody>
+                <a:bodyPr/>
+                <a:lstStyle/>
+                <a:p>
+                  <a:endParaRPr lang="es-ES_tradnl"/>
+                </a:p>
+              </p:txBody>
+            </p:sp>
+            <p:sp>
+              <p:nvSpPr>
+                <p:cNvPr id="45" name="Rectangle 33"/>
+                <p:cNvSpPr>
+                  <a:spLocks noChangeArrowheads="1"/>
+                </p:cNvSpPr>
+                <p:nvPr/>
+              </p:nvSpPr>
+              <p:spPr bwMode="auto">
+                <a:xfrm>
+                  <a:off x="307975" y="2639288"/>
+                  <a:ext cx="363538" cy="90552"/>
+                </a:xfrm>
+                <a:prstGeom prst="rect">
+                  <a:avLst/>
+                </a:prstGeom>
+                <a:ln>
+                  <a:headEnd/>
+                  <a:tailEnd/>
+                </a:ln>
+              </p:spPr>
+              <p:style>
+                <a:lnRef idx="2">
+                  <a:schemeClr val="accent1"/>
+                </a:lnRef>
+                <a:fillRef idx="1">
+                  <a:schemeClr val="lt1"/>
+                </a:fillRef>
+                <a:effectRef idx="0">
+                  <a:schemeClr val="accent1"/>
+                </a:effectRef>
+                <a:fontRef idx="minor">
+                  <a:schemeClr val="dk1"/>
+                </a:fontRef>
+              </p:style>
+              <p:txBody>
+                <a:bodyPr wrap="none" anchor="ctr"/>
+                <a:lstStyle/>
+                <a:p>
+                  <a:endParaRPr lang="es-ES_tradnl"/>
+                </a:p>
+              </p:txBody>
+            </p:sp>
+            <p:sp>
+              <p:nvSpPr>
+                <p:cNvPr id="46" name="Line 40"/>
+                <p:cNvSpPr>
+                  <a:spLocks noChangeShapeType="1"/>
+                </p:cNvSpPr>
+                <p:nvPr/>
+              </p:nvSpPr>
+              <p:spPr bwMode="auto">
+                <a:xfrm>
+                  <a:off x="452438" y="2806809"/>
+                  <a:ext cx="230188" cy="0"/>
+                </a:xfrm>
+                <a:prstGeom prst="line">
+                  <a:avLst/>
+                </a:prstGeom>
+                <a:ln>
+                  <a:headEnd/>
+                  <a:tailEnd/>
+                </a:ln>
+              </p:spPr>
+              <p:style>
+                <a:lnRef idx="2">
+                  <a:schemeClr val="accent1"/>
+                </a:lnRef>
+                <a:fillRef idx="1">
+                  <a:schemeClr val="lt1"/>
+                </a:fillRef>
+                <a:effectRef idx="0">
+                  <a:schemeClr val="accent1"/>
+                </a:effectRef>
+                <a:fontRef idx="minor">
+                  <a:schemeClr val="dk1"/>
+                </a:fontRef>
+              </p:style>
+              <p:txBody>
+                <a:bodyPr/>
+                <a:lstStyle/>
+                <a:p>
+                  <a:endParaRPr lang="es-ES_tradnl"/>
+                </a:p>
+              </p:txBody>
+            </p:sp>
+            <p:sp>
+              <p:nvSpPr>
+                <p:cNvPr id="47" name="Line 41"/>
+                <p:cNvSpPr>
+                  <a:spLocks noChangeShapeType="1"/>
+                </p:cNvSpPr>
+                <p:nvPr/>
+              </p:nvSpPr>
+              <p:spPr bwMode="auto">
+                <a:xfrm>
+                  <a:off x="452438" y="2849821"/>
+                  <a:ext cx="230188" cy="0"/>
+                </a:xfrm>
+                <a:prstGeom prst="line">
+                  <a:avLst/>
+                </a:prstGeom>
+                <a:ln>
+                  <a:headEnd/>
+                  <a:tailEnd/>
+                </a:ln>
+              </p:spPr>
+              <p:style>
+                <a:lnRef idx="2">
+                  <a:schemeClr val="accent1"/>
+                </a:lnRef>
+                <a:fillRef idx="1">
+                  <a:schemeClr val="lt1"/>
+                </a:fillRef>
+                <a:effectRef idx="0">
+                  <a:schemeClr val="accent1"/>
+                </a:effectRef>
+                <a:fontRef idx="minor">
+                  <a:schemeClr val="dk1"/>
+                </a:fontRef>
+              </p:style>
+              <p:txBody>
+                <a:bodyPr/>
+                <a:lstStyle/>
+                <a:p>
+                  <a:endParaRPr lang="es-ES_tradnl"/>
+                </a:p>
+              </p:txBody>
+            </p:sp>
+          </p:grpSp>
+        </p:grpSp>
+        <p:sp>
+          <p:nvSpPr>
+            <p:cNvPr id="49" name="48 Disco magnético"/>
+            <p:cNvSpPr/>
+            <p:nvPr/>
+          </p:nvSpPr>
+          <p:spPr>
+            <a:xfrm>
+              <a:off x="7668344" y="3789040"/>
+              <a:ext cx="1080120" cy="720080"/>
+            </a:xfrm>
+            <a:prstGeom prst="flowChartMagneticDisk">
+              <a:avLst/>
+            </a:prstGeom>
+          </p:spPr>
+          <p:style>
+            <a:lnRef idx="2">
+              <a:schemeClr val="accent1"/>
+            </a:lnRef>
+            <a:fillRef idx="1">
+              <a:schemeClr val="lt1"/>
+            </a:fillRef>
+            <a:effectRef idx="0">
+              <a:schemeClr val="accent1"/>
+            </a:effectRef>
+            <a:fontRef idx="minor">
+              <a:schemeClr val="dk1"/>
+            </a:fontRef>
+          </p:style>
+          <p:txBody>
+            <a:bodyPr rtlCol="0" anchor="ctr"/>
+            <a:lstStyle/>
+            <a:p>
+              <a:pPr algn="ctr"/>
+              <a:r>
+                <a:rPr lang="es-ES" dirty="0" smtClean="0"/>
+                <a:t>BD</a:t>
+              </a:r>
+              <a:endParaRPr lang="es-ES" dirty="0"/>
+            </a:p>
+          </p:txBody>
+        </p:sp>
+        <p:sp>
+          <p:nvSpPr>
+            <p:cNvPr id="50" name="49 Rectángulo redondeado"/>
+            <p:cNvSpPr/>
+            <p:nvPr/>
+          </p:nvSpPr>
+          <p:spPr>
+            <a:xfrm>
+              <a:off x="3635896" y="4653136"/>
+              <a:ext cx="1512168" cy="720080"/>
+            </a:xfrm>
+            <a:prstGeom prst="roundRect">
+              <a:avLst/>
+            </a:prstGeom>
+          </p:spPr>
+          <p:style>
+            <a:lnRef idx="2">
+              <a:schemeClr val="accent1">
+                <a:shade val="50000"/>
+              </a:schemeClr>
+            </a:lnRef>
+            <a:fillRef idx="1">
+              <a:schemeClr val="accent1"/>
+            </a:fillRef>
+            <a:effectRef idx="0">
+              <a:schemeClr val="accent1"/>
+            </a:effectRef>
+            <a:fontRef idx="minor">
+              <a:schemeClr val="lt1"/>
+            </a:fontRef>
+          </p:style>
+          <p:txBody>
+            <a:bodyPr rtlCol="0" anchor="ctr"/>
+            <a:lstStyle/>
+            <a:p>
+              <a:pPr algn="ctr"/>
+              <a:r>
+                <a:rPr lang="es-ES" dirty="0" err="1" smtClean="0"/>
+                <a:t>Value</a:t>
+              </a:r>
+              <a:r>
+                <a:rPr lang="es-ES" dirty="0" smtClean="0"/>
+                <a:t> </a:t>
+              </a:r>
+              <a:r>
+                <a:rPr lang="es-ES" dirty="0" err="1" smtClean="0"/>
+                <a:t>Objects</a:t>
+              </a:r>
+              <a:endParaRPr lang="es-ES" dirty="0"/>
+            </a:p>
+          </p:txBody>
+        </p:sp>
+        <p:sp>
+          <p:nvSpPr>
+            <p:cNvPr id="51" name="50 Rectángulo redondeado"/>
+            <p:cNvSpPr/>
+            <p:nvPr/>
+          </p:nvSpPr>
+          <p:spPr>
+            <a:xfrm>
+              <a:off x="4932040" y="2780928"/>
+              <a:ext cx="1656184" cy="720080"/>
+            </a:xfrm>
+            <a:prstGeom prst="roundRect">
+              <a:avLst/>
+            </a:prstGeom>
+          </p:spPr>
+          <p:style>
+            <a:lnRef idx="2">
+              <a:schemeClr val="accent1">
+                <a:shade val="50000"/>
+              </a:schemeClr>
+            </a:lnRef>
+            <a:fillRef idx="1">
+              <a:schemeClr val="accent1"/>
+            </a:fillRef>
+            <a:effectRef idx="0">
+              <a:schemeClr val="accent1"/>
+            </a:effectRef>
+            <a:fontRef idx="minor">
+              <a:schemeClr val="lt1"/>
+            </a:fontRef>
+          </p:style>
+          <p:txBody>
+            <a:bodyPr rtlCol="0" anchor="ctr"/>
+            <a:lstStyle/>
+            <a:p>
+              <a:pPr algn="ctr"/>
+              <a:r>
+                <a:rPr lang="es-ES" dirty="0" smtClean="0"/>
+                <a:t>Data Access </a:t>
+              </a:r>
+              <a:r>
+                <a:rPr lang="es-ES" dirty="0" err="1" smtClean="0"/>
+                <a:t>Objects</a:t>
+              </a:r>
+              <a:endParaRPr lang="es-ES" dirty="0"/>
+            </a:p>
+          </p:txBody>
+        </p:sp>
+        <p:sp>
+          <p:nvSpPr>
+            <p:cNvPr id="52" name="51 Rectángulo redondeado"/>
+            <p:cNvSpPr/>
+            <p:nvPr/>
+          </p:nvSpPr>
+          <p:spPr>
+            <a:xfrm>
+              <a:off x="5292080" y="1412776"/>
+              <a:ext cx="1440160" cy="720080"/>
+            </a:xfrm>
+            <a:prstGeom prst="roundRect">
+              <a:avLst/>
+            </a:prstGeom>
+          </p:spPr>
+          <p:style>
+            <a:lnRef idx="2">
+              <a:schemeClr val="accent1">
+                <a:shade val="50000"/>
+              </a:schemeClr>
+            </a:lnRef>
+            <a:fillRef idx="1">
+              <a:schemeClr val="accent1"/>
+            </a:fillRef>
+            <a:effectRef idx="0">
+              <a:schemeClr val="accent1"/>
+            </a:effectRef>
+            <a:fontRef idx="minor">
+              <a:schemeClr val="lt1"/>
+            </a:fontRef>
+          </p:style>
+          <p:txBody>
+            <a:bodyPr rtlCol="0" anchor="ctr"/>
+            <a:lstStyle/>
+            <a:p>
+              <a:pPr algn="ctr"/>
+              <a:r>
+                <a:rPr lang="es-ES" dirty="0" err="1" smtClean="0"/>
+                <a:t>Jobs</a:t>
+              </a:r>
+              <a:endParaRPr lang="es-ES" dirty="0"/>
+            </a:p>
+          </p:txBody>
+        </p:sp>
+        <p:sp>
+          <p:nvSpPr>
+            <p:cNvPr id="53" name="52 Rectángulo redondeado"/>
+            <p:cNvSpPr/>
+            <p:nvPr/>
+          </p:nvSpPr>
+          <p:spPr>
+            <a:xfrm>
+              <a:off x="3635896" y="1412776"/>
+              <a:ext cx="1512168" cy="720080"/>
+            </a:xfrm>
+            <a:prstGeom prst="roundRect">
+              <a:avLst/>
+            </a:prstGeom>
+          </p:spPr>
+          <p:style>
+            <a:lnRef idx="2">
+              <a:schemeClr val="accent1">
+                <a:shade val="50000"/>
+              </a:schemeClr>
+            </a:lnRef>
+            <a:fillRef idx="1">
+              <a:schemeClr val="accent1"/>
+            </a:fillRef>
+            <a:effectRef idx="0">
+              <a:schemeClr val="accent1"/>
+            </a:effectRef>
+            <a:fontRef idx="minor">
+              <a:schemeClr val="lt1"/>
+            </a:fontRef>
+          </p:style>
+          <p:txBody>
+            <a:bodyPr rtlCol="0" anchor="ctr"/>
+            <a:lstStyle/>
+            <a:p>
+              <a:pPr algn="ctr"/>
+              <a:r>
+                <a:rPr lang="es-ES" dirty="0" smtClean="0"/>
+                <a:t>Servicios</a:t>
+              </a:r>
+              <a:endParaRPr lang="es-ES" dirty="0"/>
+            </a:p>
+          </p:txBody>
+        </p:sp>
+        <p:sp>
+          <p:nvSpPr>
+            <p:cNvPr id="54" name="53 Rectángulo redondeado"/>
+            <p:cNvSpPr/>
+            <p:nvPr/>
+          </p:nvSpPr>
+          <p:spPr>
+            <a:xfrm>
+              <a:off x="3635896" y="3717032"/>
+              <a:ext cx="1512168" cy="720080"/>
+            </a:xfrm>
+            <a:prstGeom prst="roundRect">
+              <a:avLst/>
+            </a:prstGeom>
+          </p:spPr>
+          <p:style>
+            <a:lnRef idx="2">
+              <a:schemeClr val="accent1">
+                <a:shade val="50000"/>
+              </a:schemeClr>
+            </a:lnRef>
+            <a:fillRef idx="1">
+              <a:schemeClr val="accent1"/>
+            </a:fillRef>
+            <a:effectRef idx="0">
+              <a:schemeClr val="accent1"/>
+            </a:effectRef>
+            <a:fontRef idx="minor">
+              <a:schemeClr val="lt1"/>
+            </a:fontRef>
+          </p:style>
+          <p:txBody>
+            <a:bodyPr rtlCol="0" anchor="ctr"/>
+            <a:lstStyle/>
+            <a:p>
+              <a:pPr algn="ctr"/>
+              <a:r>
+                <a:rPr lang="es-ES" dirty="0" smtClean="0"/>
+                <a:t>Data Transfer </a:t>
+              </a:r>
+              <a:r>
+                <a:rPr lang="es-ES" dirty="0" err="1" smtClean="0"/>
+                <a:t>Objects</a:t>
+              </a:r>
+              <a:endParaRPr lang="es-ES" dirty="0"/>
+            </a:p>
+          </p:txBody>
+        </p:sp>
+        <p:cxnSp>
+          <p:nvCxnSpPr>
+            <p:cNvPr id="56" name="55 Conector curvado"/>
+            <p:cNvCxnSpPr>
+              <a:stCxn id="52" idx="2"/>
+              <a:endCxn id="51" idx="0"/>
+            </p:cNvCxnSpPr>
+            <p:nvPr/>
+          </p:nvCxnSpPr>
+          <p:spPr>
+            <a:xfrm rot="5400000">
+              <a:off x="5562110" y="2330878"/>
+              <a:ext cx="648072" cy="252028"/>
+            </a:xfrm>
+            <a:prstGeom prst="curvedConnector3">
+              <a:avLst>
+                <a:gd name="adj1" fmla="val 50000"/>
+              </a:avLst>
+            </a:prstGeom>
+            <a:ln w="28575">
+              <a:solidFill>
+                <a:schemeClr val="accent1">
+                  <a:lumMod val="50000"/>
+                </a:schemeClr>
+              </a:solidFill>
+              <a:headEnd type="none" w="med" len="med"/>
+              <a:tailEnd type="triangle" w="med" len="med"/>
+            </a:ln>
+          </p:spPr>
+          <p:style>
+            <a:lnRef idx="1">
+              <a:schemeClr val="accent1"/>
+            </a:lnRef>
+            <a:fillRef idx="0">
+              <a:schemeClr val="accent1"/>
+            </a:fillRef>
+            <a:effectRef idx="0">
+              <a:schemeClr val="accent1"/>
+            </a:effectRef>
+            <a:fontRef idx="minor">
+              <a:schemeClr val="tx1"/>
+            </a:fontRef>
+          </p:style>
+        </p:cxnSp>
+        <p:cxnSp>
+          <p:nvCxnSpPr>
+            <p:cNvPr id="67" name="58 Conector curvado"/>
+            <p:cNvCxnSpPr>
+              <a:stCxn id="51" idx="3"/>
+              <a:endCxn id="49" idx="2"/>
+            </p:cNvCxnSpPr>
+            <p:nvPr/>
+          </p:nvCxnSpPr>
+          <p:spPr>
+            <a:xfrm>
+              <a:off x="6588224" y="3140968"/>
+              <a:ext cx="1080120" cy="1008112"/>
+            </a:xfrm>
+            <a:prstGeom prst="curvedConnector3">
+              <a:avLst>
+                <a:gd name="adj1" fmla="val 50000"/>
+              </a:avLst>
+            </a:prstGeom>
+            <a:ln w="28575">
+              <a:solidFill>
+                <a:schemeClr val="accent1">
+                  <a:lumMod val="50000"/>
+                </a:schemeClr>
+              </a:solidFill>
+              <a:headEnd type="none" w="med" len="med"/>
+              <a:tailEnd type="triangle" w="med" len="med"/>
+            </a:ln>
+          </p:spPr>
+          <p:style>
+            <a:lnRef idx="1">
+              <a:schemeClr val="accent1"/>
+            </a:lnRef>
+            <a:fillRef idx="0">
+              <a:schemeClr val="accent1"/>
+            </a:fillRef>
+            <a:effectRef idx="0">
+              <a:schemeClr val="accent1"/>
+            </a:effectRef>
+            <a:fontRef idx="minor">
+              <a:schemeClr val="tx1"/>
+            </a:fontRef>
+          </p:style>
+        </p:cxnSp>
+        <p:cxnSp>
+          <p:nvCxnSpPr>
+            <p:cNvPr id="59" name="58 Conector curvado"/>
+            <p:cNvCxnSpPr>
+              <a:stCxn id="52" idx="0"/>
+              <a:endCxn id="39" idx="1"/>
+            </p:cNvCxnSpPr>
+            <p:nvPr/>
+          </p:nvCxnSpPr>
+          <p:spPr>
+            <a:xfrm rot="16200000" flipH="1">
+              <a:off x="6761802" y="663134"/>
+              <a:ext cx="516940" cy="2016224"/>
+            </a:xfrm>
+            <a:prstGeom prst="curvedConnector4">
+              <a:avLst>
+                <a:gd name="adj1" fmla="val -44222"/>
+                <a:gd name="adj2" fmla="val 98092"/>
+              </a:avLst>
+            </a:prstGeom>
+            <a:ln w="28575">
+              <a:solidFill>
+                <a:schemeClr val="accent1">
+                  <a:lumMod val="50000"/>
+                </a:schemeClr>
+              </a:solidFill>
+              <a:headEnd type="none" w="med" len="med"/>
+              <a:tailEnd type="triangle" w="med" len="med"/>
+            </a:ln>
+          </p:spPr>
+          <p:style>
+            <a:lnRef idx="1">
+              <a:schemeClr val="accent1"/>
+            </a:lnRef>
+            <a:fillRef idx="0">
+              <a:schemeClr val="accent1"/>
+            </a:fillRef>
+            <a:effectRef idx="0">
+              <a:schemeClr val="accent1"/>
+            </a:effectRef>
+            <a:fontRef idx="minor">
+              <a:schemeClr val="tx1"/>
+            </a:fontRef>
+          </p:style>
+        </p:cxnSp>
+        <p:cxnSp>
+          <p:nvCxnSpPr>
+            <p:cNvPr id="71" name="70 Conector curvado"/>
+            <p:cNvCxnSpPr>
+              <a:stCxn id="53" idx="2"/>
+              <a:endCxn id="51" idx="0"/>
+            </p:cNvCxnSpPr>
+            <p:nvPr/>
+          </p:nvCxnSpPr>
+          <p:spPr>
+            <a:xfrm rot="16200000" flipH="1">
+              <a:off x="4752020" y="1772816"/>
+              <a:ext cx="648072" cy="1368152"/>
+            </a:xfrm>
+            <a:prstGeom prst="curvedConnector3">
+              <a:avLst>
+                <a:gd name="adj1" fmla="val 50000"/>
+              </a:avLst>
+            </a:prstGeom>
+            <a:ln w="28575">
+              <a:solidFill>
+                <a:schemeClr val="accent1">
+                  <a:lumMod val="50000"/>
+                </a:schemeClr>
+              </a:solidFill>
+              <a:headEnd type="none" w="med" len="med"/>
+              <a:tailEnd type="triangle" w="med" len="med"/>
+            </a:ln>
+          </p:spPr>
+          <p:style>
+            <a:lnRef idx="1">
+              <a:schemeClr val="accent1"/>
+            </a:lnRef>
+            <a:fillRef idx="0">
+              <a:schemeClr val="accent1"/>
+            </a:fillRef>
+            <a:effectRef idx="0">
+              <a:schemeClr val="accent1"/>
+            </a:effectRef>
+            <a:fontRef idx="minor">
+              <a:schemeClr val="tx1"/>
+            </a:fontRef>
+          </p:style>
+        </p:cxnSp>
+        <p:cxnSp>
+          <p:nvCxnSpPr>
+            <p:cNvPr id="72" name="71 Conector curvado"/>
+            <p:cNvCxnSpPr>
+              <a:stCxn id="53" idx="2"/>
+              <a:endCxn id="54" idx="0"/>
+            </p:cNvCxnSpPr>
+            <p:nvPr/>
+          </p:nvCxnSpPr>
+          <p:spPr>
+            <a:xfrm rot="5400000">
+              <a:off x="3599892" y="2924944"/>
+              <a:ext cx="1584176" cy="12700"/>
+            </a:xfrm>
+            <a:prstGeom prst="curvedConnector3">
+              <a:avLst>
+                <a:gd name="adj1" fmla="val 50000"/>
+              </a:avLst>
+            </a:prstGeom>
+            <a:ln w="28575">
+              <a:solidFill>
+                <a:schemeClr val="accent1">
+                  <a:lumMod val="50000"/>
+                </a:schemeClr>
+              </a:solidFill>
+              <a:headEnd type="none" w="med" len="med"/>
+              <a:tailEnd type="triangle" w="med" len="med"/>
+            </a:ln>
+          </p:spPr>
+          <p:style>
+            <a:lnRef idx="1">
+              <a:schemeClr val="accent1"/>
+            </a:lnRef>
+            <a:fillRef idx="0">
+              <a:schemeClr val="accent1"/>
+            </a:fillRef>
+            <a:effectRef idx="0">
+              <a:schemeClr val="accent1"/>
+            </a:effectRef>
+            <a:fontRef idx="minor">
+              <a:schemeClr val="tx1"/>
+            </a:fontRef>
+          </p:style>
+        </p:cxnSp>
+        <p:cxnSp>
+          <p:nvCxnSpPr>
+            <p:cNvPr id="88" name="58 Conector curvado"/>
+            <p:cNvCxnSpPr>
+              <a:stCxn id="51" idx="2"/>
+              <a:endCxn id="50" idx="3"/>
+            </p:cNvCxnSpPr>
+            <p:nvPr/>
+          </p:nvCxnSpPr>
+          <p:spPr>
+            <a:xfrm rot="5400000">
+              <a:off x="4698014" y="3951058"/>
+              <a:ext cx="1512168" cy="612068"/>
+            </a:xfrm>
+            <a:prstGeom prst="curvedConnector2">
+              <a:avLst/>
+            </a:prstGeom>
+            <a:ln w="28575">
+              <a:solidFill>
+                <a:schemeClr val="accent1">
+                  <a:lumMod val="50000"/>
+                </a:schemeClr>
+              </a:solidFill>
+              <a:headEnd type="none" w="med" len="med"/>
+              <a:tailEnd type="triangle" w="med" len="med"/>
+            </a:ln>
+          </p:spPr>
+          <p:style>
+            <a:lnRef idx="1">
+              <a:schemeClr val="accent1"/>
+            </a:lnRef>
+            <a:fillRef idx="0">
+              <a:schemeClr val="accent1"/>
+            </a:fillRef>
+            <a:effectRef idx="0">
+              <a:schemeClr val="accent1"/>
+            </a:effectRef>
+            <a:fontRef idx="minor">
+              <a:schemeClr val="tx1"/>
+            </a:fontRef>
+          </p:style>
+        </p:cxnSp>
+        <p:cxnSp>
+          <p:nvCxnSpPr>
+            <p:cNvPr id="105" name="104 Conector curvado"/>
+            <p:cNvCxnSpPr>
+              <a:stCxn id="52" idx="2"/>
+              <a:endCxn id="50" idx="0"/>
+            </p:cNvCxnSpPr>
+            <p:nvPr/>
+          </p:nvCxnSpPr>
+          <p:spPr>
+            <a:xfrm rot="5400000">
+              <a:off x="3941930" y="2582906"/>
+              <a:ext cx="2520280" cy="1620180"/>
+            </a:xfrm>
+            <a:prstGeom prst="curvedConnector3">
+              <a:avLst>
+                <a:gd name="adj1" fmla="val 50000"/>
+              </a:avLst>
+            </a:prstGeom>
+            <a:ln w="28575">
+              <a:solidFill>
+                <a:schemeClr val="accent1">
+                  <a:lumMod val="50000"/>
+                </a:schemeClr>
+              </a:solidFill>
+              <a:prstDash val="dash"/>
+              <a:headEnd type="none" w="med" len="med"/>
+              <a:tailEnd type="triangle" w="med" len="med"/>
+            </a:ln>
+          </p:spPr>
+          <p:style>
+            <a:lnRef idx="1">
+              <a:schemeClr val="accent1"/>
+            </a:lnRef>
+            <a:fillRef idx="0">
+              <a:schemeClr val="accent1"/>
+            </a:fillRef>
+            <a:effectRef idx="0">
+              <a:schemeClr val="accent1"/>
+            </a:effectRef>
+            <a:fontRef idx="minor">
+              <a:schemeClr val="tx1"/>
+            </a:fontRef>
+          </p:style>
+        </p:cxnSp>
+        <p:cxnSp>
+          <p:nvCxnSpPr>
+            <p:cNvPr id="108" name="107 Conector curvado"/>
+            <p:cNvCxnSpPr>
+              <a:stCxn id="53" idx="3"/>
+              <a:endCxn id="50" idx="3"/>
+            </p:cNvCxnSpPr>
+            <p:nvPr/>
+          </p:nvCxnSpPr>
+          <p:spPr>
+            <a:xfrm>
+              <a:off x="5148064" y="1772816"/>
+              <a:ext cx="12700" cy="3240360"/>
+            </a:xfrm>
+            <a:prstGeom prst="curvedConnector3">
+              <a:avLst>
+                <a:gd name="adj1" fmla="val 1800000"/>
+              </a:avLst>
+            </a:prstGeom>
+            <a:ln w="28575">
+              <a:solidFill>
+                <a:schemeClr val="accent1">
+                  <a:lumMod val="50000"/>
+                </a:schemeClr>
+              </a:solidFill>
+              <a:prstDash val="dash"/>
+              <a:headEnd type="none" w="med" len="med"/>
+              <a:tailEnd type="triangle" w="med" len="med"/>
+            </a:ln>
+          </p:spPr>
+          <p:style>
+            <a:lnRef idx="1">
+              <a:schemeClr val="accent1"/>
+            </a:lnRef>
+            <a:fillRef idx="0">
+              <a:schemeClr val="accent1"/>
+            </a:fillRef>
+            <a:effectRef idx="0">
+              <a:schemeClr val="accent1"/>
+            </a:effectRef>
+            <a:fontRef idx="minor">
+              <a:schemeClr val="tx1"/>
+            </a:fontRef>
+          </p:style>
+        </p:cxnSp>
+        <p:sp>
+          <p:nvSpPr>
+            <p:cNvPr id="116" name="115 Rectángulo redondeado"/>
+            <p:cNvSpPr/>
+            <p:nvPr/>
+          </p:nvSpPr>
+          <p:spPr>
+            <a:xfrm>
+              <a:off x="611560" y="4365104"/>
+              <a:ext cx="1512168" cy="720080"/>
+            </a:xfrm>
+            <a:prstGeom prst="roundRect">
+              <a:avLst/>
+            </a:prstGeom>
+          </p:spPr>
+          <p:style>
+            <a:lnRef idx="2">
+              <a:schemeClr val="accent1">
+                <a:shade val="50000"/>
+              </a:schemeClr>
+            </a:lnRef>
+            <a:fillRef idx="1">
+              <a:schemeClr val="accent1"/>
+            </a:fillRef>
+            <a:effectRef idx="0">
+              <a:schemeClr val="accent1"/>
+            </a:effectRef>
+            <a:fontRef idx="minor">
+              <a:schemeClr val="lt1"/>
+            </a:fontRef>
+          </p:style>
+          <p:txBody>
+            <a:bodyPr rtlCol="0" anchor="ctr"/>
+            <a:lstStyle/>
+            <a:p>
+              <a:pPr algn="ctr"/>
+              <a:r>
+                <a:rPr lang="es-ES" dirty="0" err="1" smtClean="0"/>
+                <a:t>Proxies</a:t>
+              </a:r>
+              <a:r>
+                <a:rPr lang="es-ES" dirty="0" smtClean="0"/>
+                <a:t> del Modelo</a:t>
+              </a:r>
+              <a:endParaRPr lang="es-ES" dirty="0"/>
+            </a:p>
+          </p:txBody>
+        </p:sp>
+        <p:sp>
+          <p:nvSpPr>
+            <p:cNvPr id="117" name="116 Rectángulo redondeado"/>
+            <p:cNvSpPr/>
+            <p:nvPr/>
+          </p:nvSpPr>
+          <p:spPr>
+            <a:xfrm>
+              <a:off x="1259632" y="3284984"/>
+              <a:ext cx="1512168" cy="720080"/>
+            </a:xfrm>
+            <a:prstGeom prst="roundRect">
+              <a:avLst/>
+            </a:prstGeom>
+          </p:spPr>
+          <p:style>
+            <a:lnRef idx="2">
+              <a:schemeClr val="accent1">
+                <a:shade val="50000"/>
+              </a:schemeClr>
+            </a:lnRef>
+            <a:fillRef idx="1">
+              <a:schemeClr val="accent1"/>
+            </a:fillRef>
+            <a:effectRef idx="0">
+              <a:schemeClr val="accent1"/>
+            </a:effectRef>
+            <a:fontRef idx="minor">
+              <a:schemeClr val="lt1"/>
+            </a:fontRef>
+          </p:style>
+          <p:txBody>
+            <a:bodyPr rtlCol="0" anchor="ctr"/>
+            <a:lstStyle/>
+            <a:p>
+              <a:pPr algn="ctr"/>
+              <a:r>
+                <a:rPr lang="es-ES" dirty="0" err="1" smtClean="0"/>
+                <a:t>Stubs</a:t>
+              </a:r>
+              <a:r>
+                <a:rPr lang="es-ES" dirty="0" smtClean="0"/>
+                <a:t> de servicios</a:t>
+              </a:r>
+              <a:endParaRPr lang="es-ES" dirty="0"/>
+            </a:p>
+          </p:txBody>
+        </p:sp>
+        <p:cxnSp>
+          <p:nvCxnSpPr>
+            <p:cNvPr id="118" name="117 Conector curvado"/>
+            <p:cNvCxnSpPr>
+              <a:stCxn id="116" idx="3"/>
+              <a:endCxn id="54" idx="1"/>
+            </p:cNvCxnSpPr>
+            <p:nvPr/>
+          </p:nvCxnSpPr>
+          <p:spPr>
+            <a:xfrm flipV="1">
+              <a:off x="2123728" y="4077072"/>
+              <a:ext cx="1512168" cy="648072"/>
+            </a:xfrm>
+            <a:prstGeom prst="curvedConnector3">
+              <a:avLst>
+                <a:gd name="adj1" fmla="val 50000"/>
+              </a:avLst>
+            </a:prstGeom>
+            <a:ln w="28575">
+              <a:solidFill>
+                <a:schemeClr val="accent1">
+                  <a:lumMod val="50000"/>
+                </a:schemeClr>
+              </a:solidFill>
+              <a:prstDash val="sysDot"/>
+              <a:headEnd type="triangle" w="med" len="med"/>
+              <a:tailEnd type="triangle" w="med" len="med"/>
+            </a:ln>
+          </p:spPr>
+          <p:style>
+            <a:lnRef idx="1">
+              <a:schemeClr val="accent1"/>
+            </a:lnRef>
+            <a:fillRef idx="0">
+              <a:schemeClr val="accent1"/>
+            </a:fillRef>
+            <a:effectRef idx="0">
+              <a:schemeClr val="accent1"/>
+            </a:effectRef>
+            <a:fontRef idx="minor">
+              <a:schemeClr val="tx1"/>
+            </a:fontRef>
+          </p:style>
+        </p:cxnSp>
+        <p:cxnSp>
+          <p:nvCxnSpPr>
+            <p:cNvPr id="121" name="120 Conector curvado"/>
+            <p:cNvCxnSpPr>
+              <a:stCxn id="116" idx="3"/>
+              <a:endCxn id="50" idx="1"/>
+            </p:cNvCxnSpPr>
+            <p:nvPr/>
+          </p:nvCxnSpPr>
+          <p:spPr>
+            <a:xfrm>
+              <a:off x="2123728" y="4725144"/>
+              <a:ext cx="1512168" cy="288032"/>
+            </a:xfrm>
+            <a:prstGeom prst="curvedConnector3">
+              <a:avLst>
+                <a:gd name="adj1" fmla="val 50000"/>
+              </a:avLst>
+            </a:prstGeom>
+            <a:ln w="28575">
+              <a:solidFill>
+                <a:schemeClr val="accent1">
+                  <a:lumMod val="50000"/>
+                </a:schemeClr>
+              </a:solidFill>
+              <a:prstDash val="sysDot"/>
+              <a:headEnd type="triangle" w="med" len="med"/>
+              <a:tailEnd type="triangle" w="med" len="med"/>
+            </a:ln>
+          </p:spPr>
+          <p:style>
+            <a:lnRef idx="1">
+              <a:schemeClr val="accent1"/>
+            </a:lnRef>
+            <a:fillRef idx="0">
+              <a:schemeClr val="accent1"/>
+            </a:fillRef>
+            <a:effectRef idx="0">
+              <a:schemeClr val="accent1"/>
+            </a:effectRef>
+            <a:fontRef idx="minor">
+              <a:schemeClr val="tx1"/>
+            </a:fontRef>
+          </p:style>
+        </p:cxnSp>
+        <p:sp>
+          <p:nvSpPr>
+            <p:cNvPr id="127" name="126 Rectángulo redondeado"/>
+            <p:cNvSpPr/>
+            <p:nvPr/>
+          </p:nvSpPr>
+          <p:spPr>
+            <a:xfrm>
+              <a:off x="899592" y="980728"/>
+              <a:ext cx="1512168" cy="720080"/>
+            </a:xfrm>
+            <a:prstGeom prst="roundRect">
+              <a:avLst/>
+            </a:prstGeom>
+          </p:spPr>
+          <p:style>
+            <a:lnRef idx="2">
+              <a:schemeClr val="accent1">
+                <a:shade val="50000"/>
+              </a:schemeClr>
+            </a:lnRef>
+            <a:fillRef idx="1">
+              <a:schemeClr val="accent1"/>
+            </a:fillRef>
+            <a:effectRef idx="0">
+              <a:schemeClr val="accent1"/>
+            </a:effectRef>
+            <a:fontRef idx="minor">
+              <a:schemeClr val="lt1"/>
+            </a:fontRef>
+          </p:style>
+          <p:txBody>
+            <a:bodyPr rtlCol="0" anchor="ctr"/>
+            <a:lstStyle/>
+            <a:p>
+              <a:pPr algn="ctr"/>
+              <a:r>
+                <a:rPr lang="es-ES" dirty="0" smtClean="0"/>
+                <a:t>Places</a:t>
+              </a:r>
+              <a:endParaRPr lang="es-ES" dirty="0"/>
+            </a:p>
+          </p:txBody>
+        </p:sp>
+        <p:cxnSp>
+          <p:nvCxnSpPr>
+            <p:cNvPr id="128" name="127 Conector curvado"/>
+            <p:cNvCxnSpPr>
+              <a:stCxn id="117" idx="3"/>
+              <a:endCxn id="53" idx="1"/>
+            </p:cNvCxnSpPr>
+            <p:nvPr/>
+          </p:nvCxnSpPr>
+          <p:spPr>
+            <a:xfrm flipV="1">
+              <a:off x="2771800" y="1772816"/>
+              <a:ext cx="864096" cy="1872208"/>
+            </a:xfrm>
+            <a:prstGeom prst="curvedConnector3">
+              <a:avLst>
+                <a:gd name="adj1" fmla="val 50000"/>
+              </a:avLst>
+            </a:prstGeom>
+            <a:ln w="28575">
+              <a:solidFill>
+                <a:schemeClr val="accent1">
+                  <a:lumMod val="50000"/>
+                </a:schemeClr>
+              </a:solidFill>
+              <a:prstDash val="sysDot"/>
+              <a:headEnd type="triangle" w="med" len="med"/>
+              <a:tailEnd type="triangle" w="med" len="med"/>
+            </a:ln>
+          </p:spPr>
+          <p:style>
+            <a:lnRef idx="1">
+              <a:schemeClr val="accent1"/>
+            </a:lnRef>
+            <a:fillRef idx="0">
+              <a:schemeClr val="accent1"/>
+            </a:fillRef>
+            <a:effectRef idx="0">
+              <a:schemeClr val="accent1"/>
+            </a:effectRef>
+            <a:fontRef idx="minor">
+              <a:schemeClr val="tx1"/>
+            </a:fontRef>
+          </p:style>
+        </p:cxnSp>
+        <p:sp>
+          <p:nvSpPr>
+            <p:cNvPr id="132" name="131 Rectángulo redondeado"/>
+            <p:cNvSpPr/>
+            <p:nvPr/>
+          </p:nvSpPr>
+          <p:spPr>
+            <a:xfrm>
+              <a:off x="295818" y="1988840"/>
+              <a:ext cx="1296144" cy="720080"/>
+            </a:xfrm>
+            <a:prstGeom prst="roundRect">
+              <a:avLst/>
+            </a:prstGeom>
+          </p:spPr>
+          <p:style>
+            <a:lnRef idx="2">
+              <a:schemeClr val="accent1">
+                <a:shade val="50000"/>
+              </a:schemeClr>
+            </a:lnRef>
+            <a:fillRef idx="1">
+              <a:schemeClr val="accent1"/>
+            </a:fillRef>
+            <a:effectRef idx="0">
+              <a:schemeClr val="accent1"/>
+            </a:effectRef>
+            <a:fontRef idx="minor">
+              <a:schemeClr val="lt1"/>
+            </a:fontRef>
+          </p:style>
+          <p:txBody>
+            <a:bodyPr rtlCol="0" anchor="ctr"/>
+            <a:lstStyle/>
+            <a:p>
+              <a:pPr algn="ctr"/>
+              <a:r>
+                <a:rPr lang="es-ES" dirty="0" smtClean="0"/>
+                <a:t>Vistas</a:t>
+              </a:r>
+              <a:endParaRPr lang="es-ES" dirty="0"/>
+            </a:p>
+          </p:txBody>
+        </p:sp>
+        <p:sp>
+          <p:nvSpPr>
+            <p:cNvPr id="133" name="132 Rectángulo redondeado"/>
+            <p:cNvSpPr/>
+            <p:nvPr/>
+          </p:nvSpPr>
+          <p:spPr>
+            <a:xfrm>
+              <a:off x="1647382" y="1988840"/>
+              <a:ext cx="1368152" cy="720080"/>
+            </a:xfrm>
+            <a:prstGeom prst="roundRect">
+              <a:avLst/>
+            </a:prstGeom>
+          </p:spPr>
+          <p:style>
+            <a:lnRef idx="2">
+              <a:schemeClr val="accent1">
+                <a:shade val="50000"/>
+              </a:schemeClr>
+            </a:lnRef>
+            <a:fillRef idx="1">
+              <a:schemeClr val="accent1"/>
+            </a:fillRef>
+            <a:effectRef idx="0">
+              <a:schemeClr val="accent1"/>
+            </a:effectRef>
+            <a:fontRef idx="minor">
+              <a:schemeClr val="lt1"/>
+            </a:fontRef>
+          </p:style>
+          <p:txBody>
+            <a:bodyPr rtlCol="0" anchor="ctr"/>
+            <a:lstStyle/>
+            <a:p>
+              <a:pPr algn="ctr"/>
+              <a:r>
+                <a:rPr lang="es-ES" dirty="0" smtClean="0"/>
+                <a:t>Actividades</a:t>
+              </a:r>
+              <a:endParaRPr lang="es-ES" dirty="0"/>
+            </a:p>
+          </p:txBody>
+        </p:sp>
+        <p:cxnSp>
+          <p:nvCxnSpPr>
+            <p:cNvPr id="134" name="133 Conector curvado"/>
+            <p:cNvCxnSpPr>
+              <a:stCxn id="127" idx="2"/>
+              <a:endCxn id="133" idx="0"/>
+            </p:cNvCxnSpPr>
+            <p:nvPr/>
+          </p:nvCxnSpPr>
+          <p:spPr>
+            <a:xfrm rot="16200000" flipH="1">
+              <a:off x="1849551" y="1506933"/>
+              <a:ext cx="288032" cy="675782"/>
+            </a:xfrm>
+            <a:prstGeom prst="curvedConnector3">
+              <a:avLst>
+                <a:gd name="adj1" fmla="val 50000"/>
+              </a:avLst>
+            </a:prstGeom>
+            <a:ln w="28575">
+              <a:solidFill>
+                <a:schemeClr val="accent1">
+                  <a:lumMod val="50000"/>
+                </a:schemeClr>
+              </a:solidFill>
+              <a:headEnd type="triangle" w="med" len="med"/>
+              <a:tailEnd type="triangle" w="med" len="med"/>
+            </a:ln>
+          </p:spPr>
+          <p:style>
+            <a:lnRef idx="1">
+              <a:schemeClr val="accent1"/>
+            </a:lnRef>
+            <a:fillRef idx="0">
+              <a:schemeClr val="accent1"/>
+            </a:fillRef>
+            <a:effectRef idx="0">
+              <a:schemeClr val="accent1"/>
+            </a:effectRef>
+            <a:fontRef idx="minor">
+              <a:schemeClr val="tx1"/>
+            </a:fontRef>
+          </p:style>
+        </p:cxnSp>
+        <p:cxnSp>
+          <p:nvCxnSpPr>
+            <p:cNvPr id="137" name="133 Conector curvado"/>
+            <p:cNvCxnSpPr>
+              <a:stCxn id="127" idx="2"/>
+              <a:endCxn id="132" idx="0"/>
+            </p:cNvCxnSpPr>
+            <p:nvPr/>
+          </p:nvCxnSpPr>
+          <p:spPr>
+            <a:xfrm rot="5400000">
+              <a:off x="1155767" y="1488931"/>
+              <a:ext cx="288032" cy="711786"/>
+            </a:xfrm>
+            <a:prstGeom prst="curvedConnector3">
+              <a:avLst>
+                <a:gd name="adj1" fmla="val 50000"/>
+              </a:avLst>
+            </a:prstGeom>
+            <a:ln w="28575">
+              <a:solidFill>
+                <a:schemeClr val="accent1">
+                  <a:lumMod val="50000"/>
+                </a:schemeClr>
+              </a:solidFill>
+              <a:headEnd type="triangle" w="med" len="med"/>
+              <a:tailEnd type="triangle" w="med" len="med"/>
+            </a:ln>
+          </p:spPr>
+          <p:style>
+            <a:lnRef idx="1">
+              <a:schemeClr val="accent1"/>
+            </a:lnRef>
+            <a:fillRef idx="0">
+              <a:schemeClr val="accent1"/>
+            </a:fillRef>
+            <a:effectRef idx="0">
+              <a:schemeClr val="accent1"/>
+            </a:effectRef>
+            <a:fontRef idx="minor">
+              <a:schemeClr val="tx1"/>
+            </a:fontRef>
+          </p:style>
+        </p:cxnSp>
+        <p:sp>
+          <p:nvSpPr>
+            <p:cNvPr id="143" name="142 Rectángulo redondeado"/>
+            <p:cNvSpPr/>
+            <p:nvPr/>
+          </p:nvSpPr>
+          <p:spPr>
+            <a:xfrm>
+              <a:off x="1835696" y="5949280"/>
+              <a:ext cx="1512168" cy="720080"/>
+            </a:xfrm>
+            <a:prstGeom prst="roundRect">
+              <a:avLst/>
+            </a:prstGeom>
+          </p:spPr>
+          <p:style>
+            <a:lnRef idx="2">
+              <a:schemeClr val="accent1">
+                <a:shade val="50000"/>
+              </a:schemeClr>
+            </a:lnRef>
+            <a:fillRef idx="1">
+              <a:schemeClr val="accent1"/>
+            </a:fillRef>
+            <a:effectRef idx="0">
+              <a:schemeClr val="accent1"/>
+            </a:effectRef>
+            <a:fontRef idx="minor">
+              <a:schemeClr val="lt1"/>
+            </a:fontRef>
+          </p:style>
+          <p:txBody>
+            <a:bodyPr rtlCol="0" anchor="ctr"/>
+            <a:lstStyle/>
+            <a:p>
+              <a:pPr algn="ctr"/>
+              <a:r>
+                <a:rPr lang="es-ES" dirty="0" smtClean="0"/>
+                <a:t>Constantes comunes</a:t>
+              </a:r>
+              <a:endParaRPr lang="es-ES" dirty="0"/>
+            </a:p>
+          </p:txBody>
+        </p:sp>
+        <p:sp>
+          <p:nvSpPr>
+            <p:cNvPr id="144" name="143 Rectángulo redondeado"/>
+            <p:cNvSpPr/>
+            <p:nvPr/>
+          </p:nvSpPr>
+          <p:spPr>
+            <a:xfrm>
+              <a:off x="3707904" y="5949280"/>
+              <a:ext cx="1512168" cy="720080"/>
+            </a:xfrm>
+            <a:prstGeom prst="roundRect">
+              <a:avLst/>
+            </a:prstGeom>
+          </p:spPr>
+          <p:style>
+            <a:lnRef idx="2">
+              <a:schemeClr val="accent1">
+                <a:shade val="50000"/>
+              </a:schemeClr>
+            </a:lnRef>
+            <a:fillRef idx="1">
+              <a:schemeClr val="accent1"/>
+            </a:fillRef>
+            <a:effectRef idx="0">
+              <a:schemeClr val="accent1"/>
+            </a:effectRef>
+            <a:fontRef idx="minor">
+              <a:schemeClr val="lt1"/>
+            </a:fontRef>
+          </p:style>
+          <p:txBody>
+            <a:bodyPr rtlCol="0" anchor="ctr"/>
+            <a:lstStyle/>
+            <a:p>
+              <a:pPr algn="ctr"/>
+              <a:r>
+                <a:rPr lang="es-ES" dirty="0" smtClean="0"/>
+                <a:t>Localizadores</a:t>
+              </a:r>
+              <a:endParaRPr lang="es-ES" dirty="0"/>
+            </a:p>
+          </p:txBody>
+        </p:sp>
+        <p:cxnSp>
+          <p:nvCxnSpPr>
+            <p:cNvPr id="145" name="144 Conector curvado"/>
+            <p:cNvCxnSpPr>
+              <a:stCxn id="132" idx="2"/>
+              <a:endCxn id="116" idx="1"/>
+            </p:cNvCxnSpPr>
+            <p:nvPr/>
+          </p:nvCxnSpPr>
+          <p:spPr>
+            <a:xfrm rot="5400000">
+              <a:off x="-230387" y="3550867"/>
+              <a:ext cx="2016224" cy="332330"/>
+            </a:xfrm>
+            <a:prstGeom prst="curvedConnector4">
+              <a:avLst>
+                <a:gd name="adj1" fmla="val 41071"/>
+                <a:gd name="adj2" fmla="val 168787"/>
+              </a:avLst>
+            </a:prstGeom>
+            <a:ln w="28575">
+              <a:solidFill>
+                <a:schemeClr val="accent1">
+                  <a:lumMod val="50000"/>
+                </a:schemeClr>
+              </a:solidFill>
+              <a:headEnd type="none" w="med" len="med"/>
+              <a:tailEnd type="triangle" w="med" len="med"/>
+            </a:ln>
+          </p:spPr>
+          <p:style>
+            <a:lnRef idx="1">
+              <a:schemeClr val="accent1"/>
+            </a:lnRef>
+            <a:fillRef idx="0">
+              <a:schemeClr val="accent1"/>
+            </a:fillRef>
+            <a:effectRef idx="0">
+              <a:schemeClr val="accent1"/>
+            </a:effectRef>
+            <a:fontRef idx="minor">
+              <a:schemeClr val="tx1"/>
+            </a:fontRef>
+          </p:style>
+        </p:cxnSp>
+        <p:cxnSp>
+          <p:nvCxnSpPr>
+            <p:cNvPr id="148" name="144 Conector curvado"/>
+            <p:cNvCxnSpPr>
+              <a:stCxn id="133" idx="2"/>
+              <a:endCxn id="132" idx="2"/>
+            </p:cNvCxnSpPr>
+            <p:nvPr/>
+          </p:nvCxnSpPr>
+          <p:spPr>
+            <a:xfrm rot="5400000">
+              <a:off x="1637674" y="2015136"/>
+              <a:ext cx="12700" cy="1387568"/>
+            </a:xfrm>
+            <a:prstGeom prst="curvedConnector3">
+              <a:avLst>
+                <a:gd name="adj1" fmla="val 1800000"/>
+              </a:avLst>
+            </a:prstGeom>
+            <a:ln w="28575">
+              <a:solidFill>
+                <a:schemeClr val="accent1">
+                  <a:lumMod val="50000"/>
+                </a:schemeClr>
+              </a:solidFill>
+              <a:headEnd type="none" w="med" len="med"/>
+              <a:tailEnd type="triangle" w="med" len="med"/>
+            </a:ln>
+          </p:spPr>
+          <p:style>
+            <a:lnRef idx="1">
+              <a:schemeClr val="accent1"/>
+            </a:lnRef>
+            <a:fillRef idx="0">
+              <a:schemeClr val="accent1"/>
+            </a:fillRef>
+            <a:effectRef idx="0">
+              <a:schemeClr val="accent1"/>
+            </a:effectRef>
+            <a:fontRef idx="minor">
+              <a:schemeClr val="tx1"/>
+            </a:fontRef>
+          </p:style>
+        </p:cxnSp>
+        <p:cxnSp>
+          <p:nvCxnSpPr>
+            <p:cNvPr id="151" name="144 Conector curvado"/>
+            <p:cNvCxnSpPr>
+              <a:stCxn id="133" idx="2"/>
+              <a:endCxn id="117" idx="0"/>
+            </p:cNvCxnSpPr>
+            <p:nvPr/>
+          </p:nvCxnSpPr>
+          <p:spPr>
+            <a:xfrm rot="5400000">
+              <a:off x="1885555" y="2839081"/>
+              <a:ext cx="576064" cy="315742"/>
+            </a:xfrm>
+            <a:prstGeom prst="curvedConnector3">
+              <a:avLst>
+                <a:gd name="adj1" fmla="val 50000"/>
+              </a:avLst>
+            </a:prstGeom>
+            <a:ln w="28575">
+              <a:solidFill>
+                <a:schemeClr val="accent1">
+                  <a:lumMod val="50000"/>
+                </a:schemeClr>
+              </a:solidFill>
+              <a:headEnd type="none" w="med" len="med"/>
+              <a:tailEnd type="triangle" w="med" len="med"/>
+            </a:ln>
+          </p:spPr>
+          <p:style>
+            <a:lnRef idx="1">
+              <a:schemeClr val="accent1"/>
+            </a:lnRef>
+            <a:fillRef idx="0">
+              <a:schemeClr val="accent1"/>
+            </a:fillRef>
+            <a:effectRef idx="0">
+              <a:schemeClr val="accent1"/>
+            </a:effectRef>
+            <a:fontRef idx="minor">
+              <a:schemeClr val="tx1"/>
+            </a:fontRef>
+          </p:style>
+        </p:cxnSp>
+        <p:cxnSp>
+          <p:nvCxnSpPr>
+            <p:cNvPr id="154" name="144 Conector curvado"/>
+            <p:cNvCxnSpPr>
+              <a:stCxn id="133" idx="3"/>
+              <a:endCxn id="116" idx="3"/>
+            </p:cNvCxnSpPr>
+            <p:nvPr/>
+          </p:nvCxnSpPr>
+          <p:spPr>
+            <a:xfrm flipH="1">
+              <a:off x="2123728" y="2348880"/>
+              <a:ext cx="891806" cy="2376264"/>
+            </a:xfrm>
+            <a:prstGeom prst="curvedConnector3">
+              <a:avLst>
+                <a:gd name="adj1" fmla="val -776"/>
+              </a:avLst>
+            </a:prstGeom>
+            <a:ln w="28575">
+              <a:solidFill>
+                <a:schemeClr val="accent1">
+                  <a:lumMod val="50000"/>
+                </a:schemeClr>
+              </a:solidFill>
+              <a:headEnd type="none" w="med" len="med"/>
+              <a:tailEnd type="triangle" w="med" len="med"/>
+            </a:ln>
+          </p:spPr>
+          <p:style>
+            <a:lnRef idx="1">
+              <a:schemeClr val="accent1"/>
+            </a:lnRef>
+            <a:fillRef idx="0">
+              <a:schemeClr val="accent1"/>
+            </a:fillRef>
+            <a:effectRef idx="0">
+              <a:schemeClr val="accent1"/>
+            </a:effectRef>
+            <a:fontRef idx="minor">
+              <a:schemeClr val="tx1"/>
+            </a:fontRef>
+          </p:style>
+        </p:cxnSp>
+        <p:pic>
+          <p:nvPicPr>
+            <p:cNvPr id="172" name="171 Imagen" descr="Twitter_logo_blue.png"/>
+            <p:cNvPicPr>
+              <a:picLocks noChangeAspect="1"/>
+            </p:cNvPicPr>
+            <p:nvPr/>
+          </p:nvPicPr>
+          <p:blipFill>
+            <a:blip r:embed="rId2" cstate="print"/>
+            <a:stretch>
+              <a:fillRect/>
+            </a:stretch>
+          </p:blipFill>
+          <p:spPr>
+            <a:xfrm>
+              <a:off x="7884368" y="332656"/>
+              <a:ext cx="864096" cy="704920"/>
+            </a:xfrm>
+            <a:prstGeom prst="rect">
+              <a:avLst/>
+            </a:prstGeom>
+          </p:spPr>
+        </p:pic>
+        <p:cxnSp>
+          <p:nvCxnSpPr>
+            <p:cNvPr id="173" name="58 Conector curvado"/>
+            <p:cNvCxnSpPr>
+              <a:stCxn id="52" idx="0"/>
+              <a:endCxn id="172" idx="1"/>
+            </p:cNvCxnSpPr>
+            <p:nvPr/>
+          </p:nvCxnSpPr>
+          <p:spPr>
+            <a:xfrm rot="5400000" flipH="1" flipV="1">
+              <a:off x="6584434" y="112842"/>
+              <a:ext cx="727660" cy="1872208"/>
+            </a:xfrm>
+            <a:prstGeom prst="curvedConnector2">
+              <a:avLst/>
+            </a:prstGeom>
+            <a:ln w="28575">
+              <a:solidFill>
+                <a:schemeClr val="accent1">
+                  <a:lumMod val="50000"/>
+                </a:schemeClr>
+              </a:solidFill>
+              <a:headEnd type="none" w="med" len="med"/>
+              <a:tailEnd type="triangle" w="med" len="med"/>
+            </a:ln>
+          </p:spPr>
+          <p:style>
+            <a:lnRef idx="1">
+              <a:schemeClr val="accent1"/>
+            </a:lnRef>
+            <a:fillRef idx="0">
+              <a:schemeClr val="accent1"/>
+            </a:fillRef>
+            <a:effectRef idx="0">
+              <a:schemeClr val="accent1"/>
+            </a:effectRef>
+            <a:fontRef idx="minor">
+              <a:schemeClr val="tx1"/>
+            </a:fontRef>
+          </p:style>
+        </p:cxnSp>
+      </p:grpSp>
+    </p:spTree>
+  </p:cSld>
+  <p:clrMapOvr>
+    <a:masterClrMapping/>
+  </p:clrMapOvr>
+</p:sld>
+</file>
+
 <file path=ppt/theme/theme1.xml><?xml version="1.0" encoding="utf-8"?>
 <a:theme xmlns:a="http://schemas.openxmlformats.org/drawingml/2006/main" name="Tema de Office">
   <a:themeElements>
